--- a/The Blurse of Dimensionality.pptx
+++ b/The Blurse of Dimensionality.pptx
@@ -5,22 +5,27 @@
     <p:sldMasterId id="2147483648" r:id="rId1"/>
   </p:sldMasterIdLst>
   <p:notesMasterIdLst>
-    <p:notesMasterId r:id="rId15"/>
+    <p:notesMasterId r:id="rId20"/>
   </p:notesMasterIdLst>
   <p:sldIdLst>
     <p:sldId id="256" r:id="rId2"/>
-    <p:sldId id="257" r:id="rId3"/>
-    <p:sldId id="260" r:id="rId4"/>
-    <p:sldId id="265" r:id="rId5"/>
-    <p:sldId id="263" r:id="rId6"/>
-    <p:sldId id="269" r:id="rId7"/>
-    <p:sldId id="268" r:id="rId8"/>
-    <p:sldId id="261" r:id="rId9"/>
-    <p:sldId id="267" r:id="rId10"/>
-    <p:sldId id="262" r:id="rId11"/>
-    <p:sldId id="266" r:id="rId12"/>
-    <p:sldId id="270" r:id="rId13"/>
-    <p:sldId id="259" r:id="rId14"/>
+    <p:sldId id="278" r:id="rId3"/>
+    <p:sldId id="257" r:id="rId4"/>
+    <p:sldId id="260" r:id="rId5"/>
+    <p:sldId id="265" r:id="rId6"/>
+    <p:sldId id="261" r:id="rId7"/>
+    <p:sldId id="267" r:id="rId8"/>
+    <p:sldId id="275" r:id="rId9"/>
+    <p:sldId id="273" r:id="rId10"/>
+    <p:sldId id="268" r:id="rId11"/>
+    <p:sldId id="271" r:id="rId12"/>
+    <p:sldId id="272" r:id="rId13"/>
+    <p:sldId id="266" r:id="rId14"/>
+    <p:sldId id="270" r:id="rId15"/>
+    <p:sldId id="259" r:id="rId16"/>
+    <p:sldId id="263" r:id="rId17"/>
+    <p:sldId id="269" r:id="rId18"/>
+    <p:sldId id="262" r:id="rId19"/>
   </p:sldIdLst>
   <p:sldSz cx="12192000" cy="6858000"/>
   <p:notesSz cx="6858000" cy="9144000"/>
@@ -130,7 +135,7 @@
 <file path=ppt/revisionInfo.xml><?xml version="1.0" encoding="utf-8"?>
 <p1510:revInfo xmlns:a="http://schemas.openxmlformats.org/drawingml/2006/main" xmlns:r="http://schemas.openxmlformats.org/officeDocument/2006/relationships" xmlns:p1510="http://schemas.microsoft.com/office/powerpoint/2015/10/main">
   <p1510:revLst>
-    <p1510:client id="{66D60B8A-277B-4F0C-AE94-7D97940B1DEB}" v="183" dt="2025-06-03T12:55:46.269"/>
+    <p1510:client id="{66D60B8A-277B-4F0C-AE94-7D97940B1DEB}" v="1192" dt="2025-06-17T11:16:22.851"/>
   </p1510:revLst>
 </p1510:revInfo>
 </file>
@@ -140,12 +145,27 @@
   <pc:docChgLst>
     <pc:chgData name="Huw Day" userId="aa665e8c-30a8-4fa9-8cc0-3863daf037ac" providerId="ADAL" clId="{66D60B8A-277B-4F0C-AE94-7D97940B1DEB}"/>
     <pc:docChg chg="undo custSel addSld delSld modSld sldOrd">
-      <pc:chgData name="Huw Day" userId="aa665e8c-30a8-4fa9-8cc0-3863daf037ac" providerId="ADAL" clId="{66D60B8A-277B-4F0C-AE94-7D97940B1DEB}" dt="2025-06-03T12:56:38.812" v="3531" actId="403"/>
+      <pc:chgData name="Huw Day" userId="aa665e8c-30a8-4fa9-8cc0-3863daf037ac" providerId="ADAL" clId="{66D60B8A-277B-4F0C-AE94-7D97940B1DEB}" dt="2025-06-17T11:16:32.168" v="7434"/>
       <pc:docMkLst>
         <pc:docMk/>
       </pc:docMkLst>
-      <pc:sldChg chg="addSp delSp modSp mod">
-        <pc:chgData name="Huw Day" userId="aa665e8c-30a8-4fa9-8cc0-3863daf037ac" providerId="ADAL" clId="{66D60B8A-277B-4F0C-AE94-7D97940B1DEB}" dt="2025-05-22T09:20:48.088" v="2482" actId="1076"/>
+      <pc:sldChg chg="addSp modSp mod modAnim">
+        <pc:chgData name="Huw Day" userId="aa665e8c-30a8-4fa9-8cc0-3863daf037ac" providerId="ADAL" clId="{66D60B8A-277B-4F0C-AE94-7D97940B1DEB}" dt="2025-06-17T10:57:00.218" v="7198"/>
+        <pc:sldMkLst>
+          <pc:docMk/>
+          <pc:sldMk cId="753360186" sldId="256"/>
+        </pc:sldMkLst>
+        <pc:spChg chg="add mod">
+          <ac:chgData name="Huw Day" userId="aa665e8c-30a8-4fa9-8cc0-3863daf037ac" providerId="ADAL" clId="{66D60B8A-277B-4F0C-AE94-7D97940B1DEB}" dt="2025-06-17T10:56:55.903" v="7197" actId="14100"/>
+          <ac:spMkLst>
+            <pc:docMk/>
+            <pc:sldMk cId="753360186" sldId="256"/>
+            <ac:spMk id="4" creationId="{7C1D49C2-2DDB-CB61-0C3E-D94385AB04B6}"/>
+          </ac:spMkLst>
+        </pc:spChg>
+      </pc:sldChg>
+      <pc:sldChg chg="addSp delSp modSp mod modAnim modShow modNotesTx">
+        <pc:chgData name="Huw Day" userId="aa665e8c-30a8-4fa9-8cc0-3863daf037ac" providerId="ADAL" clId="{66D60B8A-277B-4F0C-AE94-7D97940B1DEB}" dt="2025-06-17T11:13:15.077" v="7206"/>
         <pc:sldMkLst>
           <pc:docMk/>
           <pc:sldMk cId="57310573" sldId="257"/>
@@ -158,6 +178,14 @@
             <ac:spMk id="2" creationId="{DB2ABC3D-D247-0692-D37B-46A2C45BA8C0}"/>
           </ac:spMkLst>
         </pc:spChg>
+        <pc:spChg chg="add mod">
+          <ac:chgData name="Huw Day" userId="aa665e8c-30a8-4fa9-8cc0-3863daf037ac" providerId="ADAL" clId="{66D60B8A-277B-4F0C-AE94-7D97940B1DEB}" dt="2025-06-17T10:39:00.363" v="6816" actId="313"/>
+          <ac:spMkLst>
+            <pc:docMk/>
+            <pc:sldMk cId="57310573" sldId="257"/>
+            <ac:spMk id="3" creationId="{83D3A9DB-483F-6A28-9248-D4A7805DD209}"/>
+          </ac:spMkLst>
+        </pc:spChg>
       </pc:sldChg>
       <pc:sldChg chg="delSp modSp del mod modShow">
         <pc:chgData name="Huw Day" userId="aa665e8c-30a8-4fa9-8cc0-3863daf037ac" providerId="ADAL" clId="{66D60B8A-277B-4F0C-AE94-7D97940B1DEB}" dt="2025-06-03T10:34:50.501" v="2924" actId="47"/>
@@ -166,14 +194,14 @@
           <pc:sldMk cId="2753167694" sldId="258"/>
         </pc:sldMkLst>
       </pc:sldChg>
-      <pc:sldChg chg="delSp modSp new mod">
-        <pc:chgData name="Huw Day" userId="aa665e8c-30a8-4fa9-8cc0-3863daf037ac" providerId="ADAL" clId="{66D60B8A-277B-4F0C-AE94-7D97940B1DEB}" dt="2025-06-03T12:56:22.267" v="3500" actId="20577"/>
+      <pc:sldChg chg="delSp modSp new mod ord">
+        <pc:chgData name="Huw Day" userId="aa665e8c-30a8-4fa9-8cc0-3863daf037ac" providerId="ADAL" clId="{66D60B8A-277B-4F0C-AE94-7D97940B1DEB}" dt="2025-06-17T10:50:07.923" v="6893" actId="20577"/>
         <pc:sldMkLst>
           <pc:docMk/>
           <pc:sldMk cId="3400924978" sldId="259"/>
         </pc:sldMkLst>
         <pc:spChg chg="mod">
-          <ac:chgData name="Huw Day" userId="aa665e8c-30a8-4fa9-8cc0-3863daf037ac" providerId="ADAL" clId="{66D60B8A-277B-4F0C-AE94-7D97940B1DEB}" dt="2025-06-03T12:56:22.267" v="3500" actId="20577"/>
+          <ac:chgData name="Huw Day" userId="aa665e8c-30a8-4fa9-8cc0-3863daf037ac" providerId="ADAL" clId="{66D60B8A-277B-4F0C-AE94-7D97940B1DEB}" dt="2025-06-17T10:50:07.923" v="6893" actId="20577"/>
           <ac:spMkLst>
             <pc:docMk/>
             <pc:sldMk cId="3400924978" sldId="259"/>
@@ -181,8 +209,8 @@
           </ac:spMkLst>
         </pc:spChg>
       </pc:sldChg>
-      <pc:sldChg chg="addSp modSp new mod">
-        <pc:chgData name="Huw Day" userId="aa665e8c-30a8-4fa9-8cc0-3863daf037ac" providerId="ADAL" clId="{66D60B8A-277B-4F0C-AE94-7D97940B1DEB}" dt="2025-06-03T12:33:01.489" v="2937" actId="1076"/>
+      <pc:sldChg chg="addSp modSp new mod modShow modNotesTx">
+        <pc:chgData name="Huw Day" userId="aa665e8c-30a8-4fa9-8cc0-3863daf037ac" providerId="ADAL" clId="{66D60B8A-277B-4F0C-AE94-7D97940B1DEB}" dt="2025-06-17T11:04:16.617" v="7199" actId="729"/>
         <pc:sldMkLst>
           <pc:docMk/>
           <pc:sldMk cId="931729382" sldId="260"/>
@@ -196,7 +224,7 @@
           </ac:spMkLst>
         </pc:spChg>
         <pc:spChg chg="mod">
-          <ac:chgData name="Huw Day" userId="aa665e8c-30a8-4fa9-8cc0-3863daf037ac" providerId="ADAL" clId="{66D60B8A-277B-4F0C-AE94-7D97940B1DEB}" dt="2025-06-03T12:32:54.386" v="2935" actId="27636"/>
+          <ac:chgData name="Huw Day" userId="aa665e8c-30a8-4fa9-8cc0-3863daf037ac" providerId="ADAL" clId="{66D60B8A-277B-4F0C-AE94-7D97940B1DEB}" dt="2025-06-11T09:42:44.830" v="3532" actId="1076"/>
           <ac:spMkLst>
             <pc:docMk/>
             <pc:sldMk cId="931729382" sldId="260"/>
@@ -227,8 +255,8 @@
           <pc:sldMk cId="2281578974" sldId="261"/>
         </pc:sldMkLst>
       </pc:sldChg>
-      <pc:sldChg chg="addSp delSp modSp new mod modNotesTx">
-        <pc:chgData name="Huw Day" userId="aa665e8c-30a8-4fa9-8cc0-3863daf037ac" providerId="ADAL" clId="{66D60B8A-277B-4F0C-AE94-7D97940B1DEB}" dt="2025-06-03T12:53:46.121" v="3433" actId="478"/>
+      <pc:sldChg chg="addSp delSp modSp new mod ord modAnim modNotesTx">
+        <pc:chgData name="Huw Day" userId="aa665e8c-30a8-4fa9-8cc0-3863daf037ac" providerId="ADAL" clId="{66D60B8A-277B-4F0C-AE94-7D97940B1DEB}" dt="2025-06-17T11:14:57.237" v="7321"/>
         <pc:sldMkLst>
           <pc:docMk/>
           <pc:sldMk cId="2428624313" sldId="261"/>
@@ -241,48 +269,24 @@
             <ac:spMk id="2" creationId="{267A1C57-FB7F-D1CC-6DEE-6C96964FFD73}"/>
           </ac:spMkLst>
         </pc:spChg>
-        <pc:spChg chg="add del mod">
-          <ac:chgData name="Huw Day" userId="aa665e8c-30a8-4fa9-8cc0-3863daf037ac" providerId="ADAL" clId="{66D60B8A-277B-4F0C-AE94-7D97940B1DEB}" dt="2025-06-03T12:40:24.911" v="2946" actId="478"/>
+        <pc:spChg chg="add mod">
+          <ac:chgData name="Huw Day" userId="aa665e8c-30a8-4fa9-8cc0-3863daf037ac" providerId="ADAL" clId="{66D60B8A-277B-4F0C-AE94-7D97940B1DEB}" dt="2025-06-17T10:53:18.605" v="7121" actId="1076"/>
           <ac:spMkLst>
             <pc:docMk/>
             <pc:sldMk cId="2428624313" sldId="261"/>
-            <ac:spMk id="3" creationId="{FFF0D2DA-DA33-B1F0-B2E5-551A5730853B}"/>
+            <ac:spMk id="4" creationId="{9D085C27-439A-5469-461F-5F1D0DC57ACA}"/>
           </ac:spMkLst>
         </pc:spChg>
-        <pc:spChg chg="add del mod">
-          <ac:chgData name="Huw Day" userId="aa665e8c-30a8-4fa9-8cc0-3863daf037ac" providerId="ADAL" clId="{66D60B8A-277B-4F0C-AE94-7D97940B1DEB}" dt="2025-06-03T12:45:44.978" v="3408" actId="478"/>
+        <pc:spChg chg="add mod">
+          <ac:chgData name="Huw Day" userId="aa665e8c-30a8-4fa9-8cc0-3863daf037ac" providerId="ADAL" clId="{66D60B8A-277B-4F0C-AE94-7D97940B1DEB}" dt="2025-06-17T11:14:49.547" v="7319" actId="1076"/>
           <ac:spMkLst>
             <pc:docMk/>
             <pc:sldMk cId="2428624313" sldId="261"/>
-            <ac:spMk id="4" creationId="{BBAAB88A-0DE7-8996-AE08-67757843BD82}"/>
+            <ac:spMk id="6" creationId="{35330442-1097-FF65-FFBA-DC3EF77F40BA}"/>
           </ac:spMkLst>
         </pc:spChg>
-        <pc:spChg chg="add del mod">
-          <ac:chgData name="Huw Day" userId="aa665e8c-30a8-4fa9-8cc0-3863daf037ac" providerId="ADAL" clId="{66D60B8A-277B-4F0C-AE94-7D97940B1DEB}" dt="2025-06-03T12:53:46.121" v="3433" actId="478"/>
-          <ac:spMkLst>
-            <pc:docMk/>
-            <pc:sldMk cId="2428624313" sldId="261"/>
-            <ac:spMk id="7" creationId="{AB94A301-2B3B-92FC-EF8A-CA5C884F5CDE}"/>
-          </ac:spMkLst>
-        </pc:spChg>
-        <pc:picChg chg="add del mod">
-          <ac:chgData name="Huw Day" userId="aa665e8c-30a8-4fa9-8cc0-3863daf037ac" providerId="ADAL" clId="{66D60B8A-277B-4F0C-AE94-7D97940B1DEB}" dt="2025-06-03T12:53:42.554" v="3431" actId="478"/>
-          <ac:picMkLst>
-            <pc:docMk/>
-            <pc:sldMk cId="2428624313" sldId="261"/>
-            <ac:picMk id="5" creationId="{9C5AD96C-9C12-2DA4-3D31-C0A8D660EE25}"/>
-          </ac:picMkLst>
-        </pc:picChg>
-        <pc:picChg chg="add del mod">
-          <ac:chgData name="Huw Day" userId="aa665e8c-30a8-4fa9-8cc0-3863daf037ac" providerId="ADAL" clId="{66D60B8A-277B-4F0C-AE94-7D97940B1DEB}" dt="2025-06-03T12:35:11.134" v="2941" actId="478"/>
-          <ac:picMkLst>
-            <pc:docMk/>
-            <pc:sldMk cId="2428624313" sldId="261"/>
-            <ac:picMk id="9" creationId="{8CA970FC-5B86-5FE1-5AB3-EEFFF585D481}"/>
-          </ac:picMkLst>
-        </pc:picChg>
-        <pc:picChg chg="add">
-          <ac:chgData name="Huw Day" userId="aa665e8c-30a8-4fa9-8cc0-3863daf037ac" providerId="ADAL" clId="{66D60B8A-277B-4F0C-AE94-7D97940B1DEB}" dt="2025-06-03T12:53:43.623" v="3432" actId="22"/>
+        <pc:picChg chg="add mod modCrop">
+          <ac:chgData name="Huw Day" userId="aa665e8c-30a8-4fa9-8cc0-3863daf037ac" providerId="ADAL" clId="{66D60B8A-277B-4F0C-AE94-7D97940B1DEB}" dt="2025-06-17T11:14:27.298" v="7310" actId="732"/>
           <ac:picMkLst>
             <pc:docMk/>
             <pc:sldMk cId="2428624313" sldId="261"/>
@@ -329,8 +333,8 @@
           </ac:picMkLst>
         </pc:picChg>
       </pc:sldChg>
-      <pc:sldChg chg="addSp delSp modSp new mod ord modAnim">
-        <pc:chgData name="Huw Day" userId="aa665e8c-30a8-4fa9-8cc0-3863daf037ac" providerId="ADAL" clId="{66D60B8A-277B-4F0C-AE94-7D97940B1DEB}" dt="2025-06-03T12:53:13.948" v="3427"/>
+      <pc:sldChg chg="addSp delSp modSp new mod ord modAnim modShow">
+        <pc:chgData name="Huw Day" userId="aa665e8c-30a8-4fa9-8cc0-3863daf037ac" providerId="ADAL" clId="{66D60B8A-277B-4F0C-AE94-7D97940B1DEB}" dt="2025-06-11T13:43:18.056" v="3541" actId="729"/>
         <pc:sldMkLst>
           <pc:docMk/>
           <pc:sldMk cId="882326282" sldId="263"/>
@@ -343,28 +347,12 @@
             <ac:spMk id="2" creationId="{CEA0422A-8965-FBBA-F3D2-8F276A00DA10}"/>
           </ac:spMkLst>
         </pc:spChg>
-        <pc:spChg chg="add del mod">
-          <ac:chgData name="Huw Day" userId="aa665e8c-30a8-4fa9-8cc0-3863daf037ac" providerId="ADAL" clId="{66D60B8A-277B-4F0C-AE94-7D97940B1DEB}" dt="2025-06-03T12:45:58.235" v="3409" actId="478"/>
-          <ac:spMkLst>
-            <pc:docMk/>
-            <pc:sldMk cId="882326282" sldId="263"/>
-            <ac:spMk id="6" creationId="{3F7F7E90-B3AD-177B-811E-327AA7F0EDD6}"/>
-          </ac:spMkLst>
-        </pc:spChg>
         <pc:picChg chg="add mod">
           <ac:chgData name="Huw Day" userId="aa665e8c-30a8-4fa9-8cc0-3863daf037ac" providerId="ADAL" clId="{66D60B8A-277B-4F0C-AE94-7D97940B1DEB}" dt="2025-06-03T12:51:39.832" v="3416" actId="1076"/>
           <ac:picMkLst>
             <pc:docMk/>
             <pc:sldMk cId="882326282" sldId="263"/>
             <ac:picMk id="4" creationId="{CA71C277-DB67-1D07-AD19-FB3D35BC9ABA}"/>
-          </ac:picMkLst>
-        </pc:picChg>
-        <pc:picChg chg="add del mod">
-          <ac:chgData name="Huw Day" userId="aa665e8c-30a8-4fa9-8cc0-3863daf037ac" providerId="ADAL" clId="{66D60B8A-277B-4F0C-AE94-7D97940B1DEB}" dt="2025-06-03T12:51:33.965" v="3413" actId="478"/>
-          <ac:picMkLst>
-            <pc:docMk/>
-            <pc:sldMk cId="882326282" sldId="263"/>
-            <ac:picMk id="5" creationId="{BA6965AD-D1E1-ACD3-C381-56B8B309C2AA}"/>
           </ac:picMkLst>
         </pc:picChg>
         <pc:picChg chg="add mod">
@@ -383,8 +371,8 @@
           <pc:sldMk cId="578877949" sldId="264"/>
         </pc:sldMkLst>
       </pc:sldChg>
-      <pc:sldChg chg="modSp new mod ord">
-        <pc:chgData name="Huw Day" userId="aa665e8c-30a8-4fa9-8cc0-3863daf037ac" providerId="ADAL" clId="{66D60B8A-277B-4F0C-AE94-7D97940B1DEB}" dt="2025-06-03T12:56:38.812" v="3531" actId="403"/>
+      <pc:sldChg chg="modSp new mod ord modAnim">
+        <pc:chgData name="Huw Day" userId="aa665e8c-30a8-4fa9-8cc0-3863daf037ac" providerId="ADAL" clId="{66D60B8A-277B-4F0C-AE94-7D97940B1DEB}" dt="2025-06-17T11:14:35.325" v="7313" actId="20577"/>
         <pc:sldMkLst>
           <pc:docMk/>
           <pc:sldMk cId="1951098774" sldId="265"/>
@@ -398,7 +386,7 @@
           </ac:spMkLst>
         </pc:spChg>
         <pc:spChg chg="mod">
-          <ac:chgData name="Huw Day" userId="aa665e8c-30a8-4fa9-8cc0-3863daf037ac" providerId="ADAL" clId="{66D60B8A-277B-4F0C-AE94-7D97940B1DEB}" dt="2025-06-03T12:56:38.812" v="3531" actId="403"/>
+          <ac:chgData name="Huw Day" userId="aa665e8c-30a8-4fa9-8cc0-3863daf037ac" providerId="ADAL" clId="{66D60B8A-277B-4F0C-AE94-7D97940B1DEB}" dt="2025-06-17T11:14:35.325" v="7313" actId="20577"/>
           <ac:spMkLst>
             <pc:docMk/>
             <pc:sldMk cId="1951098774" sldId="265"/>
@@ -406,14 +394,14 @@
           </ac:spMkLst>
         </pc:spChg>
       </pc:sldChg>
-      <pc:sldChg chg="modSp new mod">
-        <pc:chgData name="Huw Day" userId="aa665e8c-30a8-4fa9-8cc0-3863daf037ac" providerId="ADAL" clId="{66D60B8A-277B-4F0C-AE94-7D97940B1DEB}" dt="2025-06-03T12:55:18.054" v="3466" actId="20577"/>
+      <pc:sldChg chg="modSp new mod ord">
+        <pc:chgData name="Huw Day" userId="aa665e8c-30a8-4fa9-8cc0-3863daf037ac" providerId="ADAL" clId="{66D60B8A-277B-4F0C-AE94-7D97940B1DEB}" dt="2025-06-17T10:56:43.433" v="7166" actId="20577"/>
         <pc:sldMkLst>
           <pc:docMk/>
           <pc:sldMk cId="2752824070" sldId="266"/>
         </pc:sldMkLst>
         <pc:spChg chg="mod">
-          <ac:chgData name="Huw Day" userId="aa665e8c-30a8-4fa9-8cc0-3863daf037ac" providerId="ADAL" clId="{66D60B8A-277B-4F0C-AE94-7D97940B1DEB}" dt="2025-06-03T12:55:08.364" v="3460" actId="20577"/>
+          <ac:chgData name="Huw Day" userId="aa665e8c-30a8-4fa9-8cc0-3863daf037ac" providerId="ADAL" clId="{66D60B8A-277B-4F0C-AE94-7D97940B1DEB}" dt="2025-06-17T10:56:43.433" v="7166" actId="20577"/>
           <ac:spMkLst>
             <pc:docMk/>
             <pc:sldMk cId="2752824070" sldId="266"/>
@@ -421,7 +409,7 @@
           </ac:spMkLst>
         </pc:spChg>
         <pc:spChg chg="mod">
-          <ac:chgData name="Huw Day" userId="aa665e8c-30a8-4fa9-8cc0-3863daf037ac" providerId="ADAL" clId="{66D60B8A-277B-4F0C-AE94-7D97940B1DEB}" dt="2025-06-03T12:55:18.054" v="3466" actId="20577"/>
+          <ac:chgData name="Huw Day" userId="aa665e8c-30a8-4fa9-8cc0-3863daf037ac" providerId="ADAL" clId="{66D60B8A-277B-4F0C-AE94-7D97940B1DEB}" dt="2025-06-12T08:59:19.997" v="4421" actId="20577"/>
           <ac:spMkLst>
             <pc:docMk/>
             <pc:sldMk cId="2752824070" sldId="266"/>
@@ -429,8 +417,8 @@
           </ac:spMkLst>
         </pc:spChg>
       </pc:sldChg>
-      <pc:sldChg chg="addSp new mod">
-        <pc:chgData name="Huw Day" userId="aa665e8c-30a8-4fa9-8cc0-3863daf037ac" providerId="ADAL" clId="{66D60B8A-277B-4F0C-AE94-7D97940B1DEB}" dt="2025-06-03T10:33:37.730" v="2920" actId="22"/>
+      <pc:sldChg chg="addSp new mod ord">
+        <pc:chgData name="Huw Day" userId="aa665e8c-30a8-4fa9-8cc0-3863daf037ac" providerId="ADAL" clId="{66D60B8A-277B-4F0C-AE94-7D97940B1DEB}" dt="2025-06-12T09:09:54.228" v="4710"/>
         <pc:sldMkLst>
           <pc:docMk/>
           <pc:sldMk cId="3644126918" sldId="267"/>
@@ -445,7 +433,7 @@
         </pc:picChg>
       </pc:sldChg>
       <pc:sldChg chg="addSp new mod ord">
-        <pc:chgData name="Huw Day" userId="aa665e8c-30a8-4fa9-8cc0-3863daf037ac" providerId="ADAL" clId="{66D60B8A-277B-4F0C-AE94-7D97940B1DEB}" dt="2025-06-03T12:34:04.685" v="2940"/>
+        <pc:chgData name="Huw Day" userId="aa665e8c-30a8-4fa9-8cc0-3863daf037ac" providerId="ADAL" clId="{66D60B8A-277B-4F0C-AE94-7D97940B1DEB}" dt="2025-06-17T11:16:32.168" v="7434"/>
         <pc:sldMkLst>
           <pc:docMk/>
           <pc:sldMk cId="842343971" sldId="268"/>
@@ -459,8 +447,8 @@
           </ac:picMkLst>
         </pc:picChg>
       </pc:sldChg>
-      <pc:sldChg chg="addSp modSp new mod modAnim">
-        <pc:chgData name="Huw Day" userId="aa665e8c-30a8-4fa9-8cc0-3863daf037ac" providerId="ADAL" clId="{66D60B8A-277B-4F0C-AE94-7D97940B1DEB}" dt="2025-06-03T12:53:21.706" v="3430"/>
+      <pc:sldChg chg="addSp modSp new mod ord modAnim modShow">
+        <pc:chgData name="Huw Day" userId="aa665e8c-30a8-4fa9-8cc0-3863daf037ac" providerId="ADAL" clId="{66D60B8A-277B-4F0C-AE94-7D97940B1DEB}" dt="2025-06-11T13:43:19.387" v="3542" actId="729"/>
         <pc:sldMkLst>
           <pc:docMk/>
           <pc:sldMk cId="1528494668" sldId="269"/>
@@ -490,8 +478,8 @@
           </ac:picMkLst>
         </pc:picChg>
       </pc:sldChg>
-      <pc:sldChg chg="modSp new mod">
-        <pc:chgData name="Huw Day" userId="aa665e8c-30a8-4fa9-8cc0-3863daf037ac" providerId="ADAL" clId="{66D60B8A-277B-4F0C-AE94-7D97940B1DEB}" dt="2025-06-03T12:56:31.130" v="3529" actId="20577"/>
+      <pc:sldChg chg="modSp new mod ord">
+        <pc:chgData name="Huw Day" userId="aa665e8c-30a8-4fa9-8cc0-3863daf037ac" providerId="ADAL" clId="{66D60B8A-277B-4F0C-AE94-7D97940B1DEB}" dt="2025-06-17T10:54:36.166" v="7149" actId="20577"/>
         <pc:sldMkLst>
           <pc:docMk/>
           <pc:sldMk cId="1199408379" sldId="270"/>
@@ -505,11 +493,170 @@
           </ac:spMkLst>
         </pc:spChg>
         <pc:spChg chg="mod">
-          <ac:chgData name="Huw Day" userId="aa665e8c-30a8-4fa9-8cc0-3863daf037ac" providerId="ADAL" clId="{66D60B8A-277B-4F0C-AE94-7D97940B1DEB}" dt="2025-06-03T12:56:00.176" v="3497" actId="20577"/>
+          <ac:chgData name="Huw Day" userId="aa665e8c-30a8-4fa9-8cc0-3863daf037ac" providerId="ADAL" clId="{66D60B8A-277B-4F0C-AE94-7D97940B1DEB}" dt="2025-06-17T10:54:36.166" v="7149" actId="20577"/>
           <ac:spMkLst>
             <pc:docMk/>
             <pc:sldMk cId="1199408379" sldId="270"/>
             <ac:spMk id="3" creationId="{7BB16FE4-C9C7-C6EA-E398-B2E01ADD4EB0}"/>
+          </ac:spMkLst>
+        </pc:spChg>
+      </pc:sldChg>
+      <pc:sldChg chg="modSp new mod modShow">
+        <pc:chgData name="Huw Day" userId="aa665e8c-30a8-4fa9-8cc0-3863daf037ac" providerId="ADAL" clId="{66D60B8A-277B-4F0C-AE94-7D97940B1DEB}" dt="2025-06-12T13:47:53.995" v="6164" actId="729"/>
+        <pc:sldMkLst>
+          <pc:docMk/>
+          <pc:sldMk cId="2600473992" sldId="271"/>
+        </pc:sldMkLst>
+        <pc:spChg chg="mod">
+          <ac:chgData name="Huw Day" userId="aa665e8c-30a8-4fa9-8cc0-3863daf037ac" providerId="ADAL" clId="{66D60B8A-277B-4F0C-AE94-7D97940B1DEB}" dt="2025-06-12T09:10:08.919" v="4725" actId="20577"/>
+          <ac:spMkLst>
+            <pc:docMk/>
+            <pc:sldMk cId="2600473992" sldId="271"/>
+            <ac:spMk id="2" creationId="{B6EA7618-86CE-A259-0490-33328A7EB229}"/>
+          </ac:spMkLst>
+        </pc:spChg>
+        <pc:spChg chg="mod">
+          <ac:chgData name="Huw Day" userId="aa665e8c-30a8-4fa9-8cc0-3863daf037ac" providerId="ADAL" clId="{66D60B8A-277B-4F0C-AE94-7D97940B1DEB}" dt="2025-06-12T09:15:50.319" v="5048" actId="20577"/>
+          <ac:spMkLst>
+            <pc:docMk/>
+            <pc:sldMk cId="2600473992" sldId="271"/>
+            <ac:spMk id="3" creationId="{C97857B6-0261-924B-AB2E-1946DEEB124F}"/>
+          </ac:spMkLst>
+        </pc:spChg>
+      </pc:sldChg>
+      <pc:sldChg chg="modSp new mod modShow">
+        <pc:chgData name="Huw Day" userId="aa665e8c-30a8-4fa9-8cc0-3863daf037ac" providerId="ADAL" clId="{66D60B8A-277B-4F0C-AE94-7D97940B1DEB}" dt="2025-06-12T13:47:52.622" v="6163" actId="729"/>
+        <pc:sldMkLst>
+          <pc:docMk/>
+          <pc:sldMk cId="4188187981" sldId="272"/>
+        </pc:sldMkLst>
+        <pc:spChg chg="mod">
+          <ac:chgData name="Huw Day" userId="aa665e8c-30a8-4fa9-8cc0-3863daf037ac" providerId="ADAL" clId="{66D60B8A-277B-4F0C-AE94-7D97940B1DEB}" dt="2025-06-12T09:20:40.139" v="5458" actId="20577"/>
+          <ac:spMkLst>
+            <pc:docMk/>
+            <pc:sldMk cId="4188187981" sldId="272"/>
+            <ac:spMk id="2" creationId="{B7F08792-5836-C603-8DC6-76414426B316}"/>
+          </ac:spMkLst>
+        </pc:spChg>
+        <pc:spChg chg="mod">
+          <ac:chgData name="Huw Day" userId="aa665e8c-30a8-4fa9-8cc0-3863daf037ac" providerId="ADAL" clId="{66D60B8A-277B-4F0C-AE94-7D97940B1DEB}" dt="2025-06-12T09:20:49.792" v="5521" actId="20577"/>
+          <ac:spMkLst>
+            <pc:docMk/>
+            <pc:sldMk cId="4188187981" sldId="272"/>
+            <ac:spMk id="3" creationId="{283B6B74-462A-1D60-3862-E5882164AA2C}"/>
+          </ac:spMkLst>
+        </pc:spChg>
+      </pc:sldChg>
+      <pc:sldChg chg="addSp modSp new mod ord">
+        <pc:chgData name="Huw Day" userId="aa665e8c-30a8-4fa9-8cc0-3863daf037ac" providerId="ADAL" clId="{66D60B8A-277B-4F0C-AE94-7D97940B1DEB}" dt="2025-06-17T11:16:30.372" v="7432"/>
+        <pc:sldMkLst>
+          <pc:docMk/>
+          <pc:sldMk cId="528448431" sldId="273"/>
+        </pc:sldMkLst>
+        <pc:spChg chg="mod">
+          <ac:chgData name="Huw Day" userId="aa665e8c-30a8-4fa9-8cc0-3863daf037ac" providerId="ADAL" clId="{66D60B8A-277B-4F0C-AE94-7D97940B1DEB}" dt="2025-06-12T09:21:29.055" v="5527"/>
+          <ac:spMkLst>
+            <pc:docMk/>
+            <pc:sldMk cId="528448431" sldId="273"/>
+            <ac:spMk id="2" creationId="{5F97B11F-ED23-4363-7B00-B77F912B0B9A}"/>
+          </ac:spMkLst>
+        </pc:spChg>
+        <pc:spChg chg="mod">
+          <ac:chgData name="Huw Day" userId="aa665e8c-30a8-4fa9-8cc0-3863daf037ac" providerId="ADAL" clId="{66D60B8A-277B-4F0C-AE94-7D97940B1DEB}" dt="2025-06-17T11:13:04.792" v="7205" actId="20577"/>
+          <ac:spMkLst>
+            <pc:docMk/>
+            <pc:sldMk cId="528448431" sldId="273"/>
+            <ac:spMk id="3" creationId="{EA1DAA4D-E54F-ED36-A625-552FE3985978}"/>
+          </ac:spMkLst>
+        </pc:spChg>
+        <pc:spChg chg="add mod">
+          <ac:chgData name="Huw Day" userId="aa665e8c-30a8-4fa9-8cc0-3863daf037ac" providerId="ADAL" clId="{66D60B8A-277B-4F0C-AE94-7D97940B1DEB}" dt="2025-06-12T09:36:11.773" v="5745" actId="1076"/>
+          <ac:spMkLst>
+            <pc:docMk/>
+            <pc:sldMk cId="528448431" sldId="273"/>
+            <ac:spMk id="5" creationId="{7474D52D-537D-0C6C-F2D1-F44B10C6D3E0}"/>
+          </ac:spMkLst>
+        </pc:spChg>
+      </pc:sldChg>
+      <pc:sldChg chg="delSp new del mod">
+        <pc:chgData name="Huw Day" userId="aa665e8c-30a8-4fa9-8cc0-3863daf037ac" providerId="ADAL" clId="{66D60B8A-277B-4F0C-AE94-7D97940B1DEB}" dt="2025-06-12T08:59:33.538" v="4426" actId="47"/>
+        <pc:sldMkLst>
+          <pc:docMk/>
+          <pc:sldMk cId="1929306665" sldId="273"/>
+        </pc:sldMkLst>
+      </pc:sldChg>
+      <pc:sldChg chg="modSp new del mod">
+        <pc:chgData name="Huw Day" userId="aa665e8c-30a8-4fa9-8cc0-3863daf037ac" providerId="ADAL" clId="{66D60B8A-277B-4F0C-AE94-7D97940B1DEB}" dt="2025-06-12T14:00:45.653" v="6410" actId="47"/>
+        <pc:sldMkLst>
+          <pc:docMk/>
+          <pc:sldMk cId="1772522406" sldId="274"/>
+        </pc:sldMkLst>
+      </pc:sldChg>
+      <pc:sldChg chg="modSp new mod modAnim">
+        <pc:chgData name="Huw Day" userId="aa665e8c-30a8-4fa9-8cc0-3863daf037ac" providerId="ADAL" clId="{66D60B8A-277B-4F0C-AE94-7D97940B1DEB}" dt="2025-06-17T11:16:22.851" v="7430" actId="20577"/>
+        <pc:sldMkLst>
+          <pc:docMk/>
+          <pc:sldMk cId="203416615" sldId="275"/>
+        </pc:sldMkLst>
+        <pc:spChg chg="mod">
+          <ac:chgData name="Huw Day" userId="aa665e8c-30a8-4fa9-8cc0-3863daf037ac" providerId="ADAL" clId="{66D60B8A-277B-4F0C-AE94-7D97940B1DEB}" dt="2025-06-12T13:47:37.419" v="6162"/>
+          <ac:spMkLst>
+            <pc:docMk/>
+            <pc:sldMk cId="203416615" sldId="275"/>
+            <ac:spMk id="2" creationId="{370F4432-7A81-1622-D64D-8F9348B4EAC8}"/>
+          </ac:spMkLst>
+        </pc:spChg>
+        <pc:spChg chg="mod">
+          <ac:chgData name="Huw Day" userId="aa665e8c-30a8-4fa9-8cc0-3863daf037ac" providerId="ADAL" clId="{66D60B8A-277B-4F0C-AE94-7D97940B1DEB}" dt="2025-06-17T11:16:22.851" v="7430" actId="20577"/>
+          <ac:spMkLst>
+            <pc:docMk/>
+            <pc:sldMk cId="203416615" sldId="275"/>
+            <ac:spMk id="3" creationId="{241BF0A2-F108-97D2-4D0A-64DB4B2B4956}"/>
+          </ac:spMkLst>
+        </pc:spChg>
+      </pc:sldChg>
+      <pc:sldChg chg="new del">
+        <pc:chgData name="Huw Day" userId="aa665e8c-30a8-4fa9-8cc0-3863daf037ac" providerId="ADAL" clId="{66D60B8A-277B-4F0C-AE94-7D97940B1DEB}" dt="2025-06-17T10:35:18.484" v="6413" actId="47"/>
+        <pc:sldMkLst>
+          <pc:docMk/>
+          <pc:sldMk cId="889729713" sldId="276"/>
+        </pc:sldMkLst>
+      </pc:sldChg>
+      <pc:sldChg chg="modSp add del mod">
+        <pc:chgData name="Huw Day" userId="aa665e8c-30a8-4fa9-8cc0-3863daf037ac" providerId="ADAL" clId="{66D60B8A-277B-4F0C-AE94-7D97940B1DEB}" dt="2025-06-17T10:36:30.022" v="6712" actId="47"/>
+        <pc:sldMkLst>
+          <pc:docMk/>
+          <pc:sldMk cId="139866660" sldId="277"/>
+        </pc:sldMkLst>
+        <pc:spChg chg="mod">
+          <ac:chgData name="Huw Day" userId="aa665e8c-30a8-4fa9-8cc0-3863daf037ac" providerId="ADAL" clId="{66D60B8A-277B-4F0C-AE94-7D97940B1DEB}" dt="2025-06-17T10:35:33.509" v="6494" actId="20577"/>
+          <ac:spMkLst>
+            <pc:docMk/>
+            <pc:sldMk cId="139866660" sldId="277"/>
+            <ac:spMk id="2" creationId="{45F89063-77B3-7AAC-33FA-1235D14C65D5}"/>
+          </ac:spMkLst>
+        </pc:spChg>
+      </pc:sldChg>
+      <pc:sldChg chg="modSp new mod modAnim">
+        <pc:chgData name="Huw Day" userId="aa665e8c-30a8-4fa9-8cc0-3863daf037ac" providerId="ADAL" clId="{66D60B8A-277B-4F0C-AE94-7D97940B1DEB}" dt="2025-06-17T11:15:55.049" v="7421" actId="20577"/>
+        <pc:sldMkLst>
+          <pc:docMk/>
+          <pc:sldMk cId="733233546" sldId="278"/>
+        </pc:sldMkLst>
+        <pc:spChg chg="mod">
+          <ac:chgData name="Huw Day" userId="aa665e8c-30a8-4fa9-8cc0-3863daf037ac" providerId="ADAL" clId="{66D60B8A-277B-4F0C-AE94-7D97940B1DEB}" dt="2025-06-17T10:35:39.477" v="6527" actId="20577"/>
+          <ac:spMkLst>
+            <pc:docMk/>
+            <pc:sldMk cId="733233546" sldId="278"/>
+            <ac:spMk id="2" creationId="{11D592E6-2C26-7A29-9941-BAC446F11E21}"/>
+          </ac:spMkLst>
+        </pc:spChg>
+        <pc:spChg chg="mod">
+          <ac:chgData name="Huw Day" userId="aa665e8c-30a8-4fa9-8cc0-3863daf037ac" providerId="ADAL" clId="{66D60B8A-277B-4F0C-AE94-7D97940B1DEB}" dt="2025-06-17T11:15:55.049" v="7421" actId="20577"/>
+          <ac:spMkLst>
+            <pc:docMk/>
+            <pc:sldMk cId="733233546" sldId="278"/>
+            <ac:spMk id="3" creationId="{28ED0E88-4F90-A23B-4D73-1275036FABFD}"/>
           </ac:spMkLst>
         </pc:spChg>
       </pc:sldChg>
@@ -600,7 +747,7 @@
           <a:p>
             <a:fld id="{D3911EC4-B3F5-43EC-892A-2903691D0EA1}" type="datetimeFigureOut">
               <a:rPr lang="en-GB" smtClean="0"/>
-              <a:t>03/06/2025</a:t>
+              <a:t>17/06/2025</a:t>
             </a:fld>
             <a:endParaRPr lang="en-GB"/>
           </a:p>
@@ -912,6 +1059,266 @@
           <a:bodyPr/>
           <a:lstStyle/>
           <a:p>
+            <a:r>
+              <a:rPr lang="en-US" dirty="0"/>
+              <a:t>The aim of this talk is for people who already appreciate the curse of dimensionality to maybe understand it better</a:t>
+            </a:r>
+            <a:endParaRPr lang="en-GB" dirty="0"/>
+          </a:p>
+        </p:txBody>
+      </p:sp>
+      <p:sp>
+        <p:nvSpPr>
+          <p:cNvPr id="4" name="Slide Number Placeholder 3"/>
+          <p:cNvSpPr>
+            <a:spLocks noGrp="1"/>
+          </p:cNvSpPr>
+          <p:nvPr>
+            <p:ph type="sldNum" sz="quarter" idx="5"/>
+          </p:nvPr>
+        </p:nvSpPr>
+        <p:spPr/>
+        <p:txBody>
+          <a:bodyPr/>
+          <a:lstStyle/>
+          <a:p>
+            <a:fld id="{9AEFBED9-A0B8-49CC-95BE-8B2E6CEE1510}" type="slidenum">
+              <a:rPr lang="en-GB" smtClean="0"/>
+              <a:t>3</a:t>
+            </a:fld>
+            <a:endParaRPr lang="en-GB"/>
+          </a:p>
+        </p:txBody>
+      </p:sp>
+    </p:spTree>
+    <p:extLst>
+      <p:ext uri="{BB962C8B-B14F-4D97-AF65-F5344CB8AC3E}">
+        <p14:creationId xmlns:p14="http://schemas.microsoft.com/office/powerpoint/2010/main" val="3578093942"/>
+      </p:ext>
+    </p:extLst>
+  </p:cSld>
+  <p:clrMapOvr>
+    <a:masterClrMapping/>
+  </p:clrMapOvr>
+</p:notes>
+</file>
+
+<file path=ppt/notesSlides/notesSlide2.xml><?xml version="1.0" encoding="utf-8"?>
+<p:notes xmlns:a="http://schemas.openxmlformats.org/drawingml/2006/main" xmlns:r="http://schemas.openxmlformats.org/officeDocument/2006/relationships" xmlns:p="http://schemas.openxmlformats.org/presentationml/2006/main">
+  <p:cSld>
+    <p:spTree>
+      <p:nvGrpSpPr>
+        <p:cNvPr id="1" name=""/>
+        <p:cNvGrpSpPr/>
+        <p:nvPr/>
+      </p:nvGrpSpPr>
+      <p:grpSpPr>
+        <a:xfrm>
+          <a:off x="0" y="0"/>
+          <a:ext cx="0" cy="0"/>
+          <a:chOff x="0" y="0"/>
+          <a:chExt cx="0" cy="0"/>
+        </a:xfrm>
+      </p:grpSpPr>
+      <p:sp>
+        <p:nvSpPr>
+          <p:cNvPr id="2" name="Slide Image Placeholder 1"/>
+          <p:cNvSpPr>
+            <a:spLocks noGrp="1" noRot="1" noChangeAspect="1"/>
+          </p:cNvSpPr>
+          <p:nvPr>
+            <p:ph type="sldImg"/>
+          </p:nvPr>
+        </p:nvSpPr>
+        <p:spPr/>
+      </p:sp>
+      <p:sp>
+        <p:nvSpPr>
+          <p:cNvPr id="3" name="Notes Placeholder 2"/>
+          <p:cNvSpPr>
+            <a:spLocks noGrp="1"/>
+          </p:cNvSpPr>
+          <p:nvPr>
+            <p:ph type="body" idx="1"/>
+          </p:nvPr>
+        </p:nvSpPr>
+        <p:spPr/>
+        <p:txBody>
+          <a:bodyPr/>
+          <a:lstStyle/>
+          <a:p>
+            <a:r>
+              <a:rPr lang="en-US" dirty="0"/>
+              <a:t>We’re going to use ideas about a hypersphere in high dimensions of some radius to help us understand how vectors behave in large dimensions!</a:t>
+            </a:r>
+            <a:endParaRPr lang="en-GB" dirty="0"/>
+          </a:p>
+        </p:txBody>
+      </p:sp>
+      <p:sp>
+        <p:nvSpPr>
+          <p:cNvPr id="4" name="Slide Number Placeholder 3"/>
+          <p:cNvSpPr>
+            <a:spLocks noGrp="1"/>
+          </p:cNvSpPr>
+          <p:nvPr>
+            <p:ph type="sldNum" sz="quarter" idx="5"/>
+          </p:nvPr>
+        </p:nvSpPr>
+        <p:spPr/>
+        <p:txBody>
+          <a:bodyPr/>
+          <a:lstStyle/>
+          <a:p>
+            <a:fld id="{9AEFBED9-A0B8-49CC-95BE-8B2E6CEE1510}" type="slidenum">
+              <a:rPr lang="en-GB" smtClean="0"/>
+              <a:t>4</a:t>
+            </a:fld>
+            <a:endParaRPr lang="en-GB"/>
+          </a:p>
+        </p:txBody>
+      </p:sp>
+    </p:spTree>
+    <p:extLst>
+      <p:ext uri="{BB962C8B-B14F-4D97-AF65-F5344CB8AC3E}">
+        <p14:creationId xmlns:p14="http://schemas.microsoft.com/office/powerpoint/2010/main" val="1487928829"/>
+      </p:ext>
+    </p:extLst>
+  </p:cSld>
+  <p:clrMapOvr>
+    <a:masterClrMapping/>
+  </p:clrMapOvr>
+</p:notes>
+</file>
+
+<file path=ppt/notesSlides/notesSlide3.xml><?xml version="1.0" encoding="utf-8"?>
+<p:notes xmlns:a="http://schemas.openxmlformats.org/drawingml/2006/main" xmlns:r="http://schemas.openxmlformats.org/officeDocument/2006/relationships" xmlns:p="http://schemas.openxmlformats.org/presentationml/2006/main">
+  <p:cSld>
+    <p:spTree>
+      <p:nvGrpSpPr>
+        <p:cNvPr id="1" name=""/>
+        <p:cNvGrpSpPr/>
+        <p:nvPr/>
+      </p:nvGrpSpPr>
+      <p:grpSpPr>
+        <a:xfrm>
+          <a:off x="0" y="0"/>
+          <a:ext cx="0" cy="0"/>
+          <a:chOff x="0" y="0"/>
+          <a:chExt cx="0" cy="0"/>
+        </a:xfrm>
+      </p:grpSpPr>
+      <p:sp>
+        <p:nvSpPr>
+          <p:cNvPr id="2" name="Slide Image Placeholder 1"/>
+          <p:cNvSpPr>
+            <a:spLocks noGrp="1" noRot="1" noChangeAspect="1"/>
+          </p:cNvSpPr>
+          <p:nvPr>
+            <p:ph type="sldImg"/>
+          </p:nvPr>
+        </p:nvSpPr>
+        <p:spPr/>
+      </p:sp>
+      <p:sp>
+        <p:nvSpPr>
+          <p:cNvPr id="3" name="Notes Placeholder 2"/>
+          <p:cNvSpPr>
+            <a:spLocks noGrp="1"/>
+          </p:cNvSpPr>
+          <p:nvPr>
+            <p:ph type="body" idx="1"/>
+          </p:nvPr>
+        </p:nvSpPr>
+        <p:spPr/>
+        <p:txBody>
+          <a:bodyPr/>
+          <a:lstStyle/>
+          <a:p>
+            <a:endParaRPr lang="en-GB" dirty="0"/>
+          </a:p>
+        </p:txBody>
+      </p:sp>
+      <p:sp>
+        <p:nvSpPr>
+          <p:cNvPr id="4" name="Slide Number Placeholder 3"/>
+          <p:cNvSpPr>
+            <a:spLocks noGrp="1"/>
+          </p:cNvSpPr>
+          <p:nvPr>
+            <p:ph type="sldNum" sz="quarter" idx="5"/>
+          </p:nvPr>
+        </p:nvSpPr>
+        <p:spPr/>
+        <p:txBody>
+          <a:bodyPr/>
+          <a:lstStyle/>
+          <a:p>
+            <a:fld id="{9AEFBED9-A0B8-49CC-95BE-8B2E6CEE1510}" type="slidenum">
+              <a:rPr lang="en-GB" smtClean="0"/>
+              <a:t>5</a:t>
+            </a:fld>
+            <a:endParaRPr lang="en-GB"/>
+          </a:p>
+        </p:txBody>
+      </p:sp>
+    </p:spTree>
+    <p:extLst>
+      <p:ext uri="{BB962C8B-B14F-4D97-AF65-F5344CB8AC3E}">
+        <p14:creationId xmlns:p14="http://schemas.microsoft.com/office/powerpoint/2010/main" val="3598799437"/>
+      </p:ext>
+    </p:extLst>
+  </p:cSld>
+  <p:clrMapOvr>
+    <a:masterClrMapping/>
+  </p:clrMapOvr>
+</p:notes>
+</file>
+
+<file path=ppt/notesSlides/notesSlide4.xml><?xml version="1.0" encoding="utf-8"?>
+<p:notes xmlns:a="http://schemas.openxmlformats.org/drawingml/2006/main" xmlns:r="http://schemas.openxmlformats.org/officeDocument/2006/relationships" xmlns:p="http://schemas.openxmlformats.org/presentationml/2006/main">
+  <p:cSld>
+    <p:spTree>
+      <p:nvGrpSpPr>
+        <p:cNvPr id="1" name=""/>
+        <p:cNvGrpSpPr/>
+        <p:nvPr/>
+      </p:nvGrpSpPr>
+      <p:grpSpPr>
+        <a:xfrm>
+          <a:off x="0" y="0"/>
+          <a:ext cx="0" cy="0"/>
+          <a:chOff x="0" y="0"/>
+          <a:chExt cx="0" cy="0"/>
+        </a:xfrm>
+      </p:grpSpPr>
+      <p:sp>
+        <p:nvSpPr>
+          <p:cNvPr id="2" name="Slide Image Placeholder 1"/>
+          <p:cNvSpPr>
+            <a:spLocks noGrp="1" noRot="1" noChangeAspect="1"/>
+          </p:cNvSpPr>
+          <p:nvPr>
+            <p:ph type="sldImg"/>
+          </p:nvPr>
+        </p:nvSpPr>
+        <p:spPr/>
+      </p:sp>
+      <p:sp>
+        <p:nvSpPr>
+          <p:cNvPr id="3" name="Notes Placeholder 2"/>
+          <p:cNvSpPr>
+            <a:spLocks noGrp="1"/>
+          </p:cNvSpPr>
+          <p:nvPr>
+            <p:ph type="body" idx="1"/>
+          </p:nvPr>
+        </p:nvSpPr>
+        <p:spPr/>
+        <p:txBody>
+          <a:bodyPr/>
+          <a:lstStyle/>
+          <a:p>
             <a:pPr marL="0" marR="0" lvl="0" indent="0" algn="l" defTabSz="914400" rtl="0" eaLnBrk="1" fontAlgn="auto" latinLnBrk="0" hangingPunct="1">
               <a:lnSpc>
                 <a:spcPct val="100000"/>
@@ -980,7 +1387,7 @@
           <a:p>
             <a:fld id="{9AEFBED9-A0B8-49CC-95BE-8B2E6CEE1510}" type="slidenum">
               <a:rPr lang="en-GB" smtClean="0"/>
-              <a:t>8</a:t>
+              <a:t>6</a:t>
             </a:fld>
             <a:endParaRPr lang="en-GB"/>
           </a:p>
@@ -1148,7 +1555,7 @@
           <a:p>
             <a:fld id="{5EE7BEC9-4945-4596-81C1-0F98D102B230}" type="datetimeFigureOut">
               <a:rPr lang="en-GB" smtClean="0"/>
-              <a:t>03/06/2025</a:t>
+              <a:t>17/06/2025</a:t>
             </a:fld>
             <a:endParaRPr lang="en-GB"/>
           </a:p>
@@ -1348,7 +1755,7 @@
           <a:p>
             <a:fld id="{5EE7BEC9-4945-4596-81C1-0F98D102B230}" type="datetimeFigureOut">
               <a:rPr lang="en-GB" smtClean="0"/>
-              <a:t>03/06/2025</a:t>
+              <a:t>17/06/2025</a:t>
             </a:fld>
             <a:endParaRPr lang="en-GB"/>
           </a:p>
@@ -1558,7 +1965,7 @@
           <a:p>
             <a:fld id="{5EE7BEC9-4945-4596-81C1-0F98D102B230}" type="datetimeFigureOut">
               <a:rPr lang="en-GB" smtClean="0"/>
-              <a:t>03/06/2025</a:t>
+              <a:t>17/06/2025</a:t>
             </a:fld>
             <a:endParaRPr lang="en-GB"/>
           </a:p>
@@ -1758,7 +2165,7 @@
           <a:p>
             <a:fld id="{5EE7BEC9-4945-4596-81C1-0F98D102B230}" type="datetimeFigureOut">
               <a:rPr lang="en-GB" smtClean="0"/>
-              <a:t>03/06/2025</a:t>
+              <a:t>17/06/2025</a:t>
             </a:fld>
             <a:endParaRPr lang="en-GB"/>
           </a:p>
@@ -2034,7 +2441,7 @@
           <a:p>
             <a:fld id="{5EE7BEC9-4945-4596-81C1-0F98D102B230}" type="datetimeFigureOut">
               <a:rPr lang="en-GB" smtClean="0"/>
-              <a:t>03/06/2025</a:t>
+              <a:t>17/06/2025</a:t>
             </a:fld>
             <a:endParaRPr lang="en-GB"/>
           </a:p>
@@ -2302,7 +2709,7 @@
           <a:p>
             <a:fld id="{5EE7BEC9-4945-4596-81C1-0F98D102B230}" type="datetimeFigureOut">
               <a:rPr lang="en-GB" smtClean="0"/>
-              <a:t>03/06/2025</a:t>
+              <a:t>17/06/2025</a:t>
             </a:fld>
             <a:endParaRPr lang="en-GB"/>
           </a:p>
@@ -2717,7 +3124,7 @@
           <a:p>
             <a:fld id="{5EE7BEC9-4945-4596-81C1-0F98D102B230}" type="datetimeFigureOut">
               <a:rPr lang="en-GB" smtClean="0"/>
-              <a:t>03/06/2025</a:t>
+              <a:t>17/06/2025</a:t>
             </a:fld>
             <a:endParaRPr lang="en-GB"/>
           </a:p>
@@ -2859,7 +3266,7 @@
           <a:p>
             <a:fld id="{5EE7BEC9-4945-4596-81C1-0F98D102B230}" type="datetimeFigureOut">
               <a:rPr lang="en-GB" smtClean="0"/>
-              <a:t>03/06/2025</a:t>
+              <a:t>17/06/2025</a:t>
             </a:fld>
             <a:endParaRPr lang="en-GB"/>
           </a:p>
@@ -2972,7 +3379,7 @@
           <a:p>
             <a:fld id="{5EE7BEC9-4945-4596-81C1-0F98D102B230}" type="datetimeFigureOut">
               <a:rPr lang="en-GB" smtClean="0"/>
-              <a:t>03/06/2025</a:t>
+              <a:t>17/06/2025</a:t>
             </a:fld>
             <a:endParaRPr lang="en-GB"/>
           </a:p>
@@ -3285,7 +3692,7 @@
           <a:p>
             <a:fld id="{5EE7BEC9-4945-4596-81C1-0F98D102B230}" type="datetimeFigureOut">
               <a:rPr lang="en-GB" smtClean="0"/>
-              <a:t>03/06/2025</a:t>
+              <a:t>17/06/2025</a:t>
             </a:fld>
             <a:endParaRPr lang="en-GB"/>
           </a:p>
@@ -3574,7 +3981,7 @@
           <a:p>
             <a:fld id="{5EE7BEC9-4945-4596-81C1-0F98D102B230}" type="datetimeFigureOut">
               <a:rPr lang="en-GB" smtClean="0"/>
-              <a:t>03/06/2025</a:t>
+              <a:t>17/06/2025</a:t>
             </a:fld>
             <a:endParaRPr lang="en-GB"/>
           </a:p>
@@ -3817,7 +4224,7 @@
           <a:p>
             <a:fld id="{5EE7BEC9-4945-4596-81C1-0F98D102B230}" type="datetimeFigureOut">
               <a:rPr lang="en-GB" smtClean="0"/>
-              <a:t>03/06/2025</a:t>
+              <a:t>17/06/2025</a:t>
             </a:fld>
             <a:endParaRPr lang="en-GB"/>
           </a:p>
@@ -4314,6 +4721,46 @@
           </a:p>
         </p:txBody>
       </p:sp>
+      <p:sp>
+        <p:nvSpPr>
+          <p:cNvPr id="4" name="TextBox 3">
+            <a:extLst>
+              <a:ext uri="{FF2B5EF4-FFF2-40B4-BE49-F238E27FC236}">
+                <a16:creationId xmlns:a16="http://schemas.microsoft.com/office/drawing/2014/main" id="{7C1D49C2-2DDB-CB61-0C3E-D94385AB04B6}"/>
+              </a:ext>
+            </a:extLst>
+          </p:cNvPr>
+          <p:cNvSpPr txBox="1"/>
+          <p:nvPr/>
+        </p:nvSpPr>
+        <p:spPr>
+          <a:xfrm>
+            <a:off x="1208314" y="5595257"/>
+            <a:ext cx="2764972" cy="369332"/>
+          </a:xfrm>
+          <a:prstGeom prst="rect">
+            <a:avLst/>
+          </a:prstGeom>
+          <a:noFill/>
+        </p:spPr>
+        <p:txBody>
+          <a:bodyPr wrap="square" rtlCol="0">
+            <a:spAutoFit/>
+          </a:bodyPr>
+          <a:lstStyle/>
+          <a:p>
+            <a:r>
+              <a:rPr lang="en-US" dirty="0" err="1"/>
+              <a:t>Blurse</a:t>
+            </a:r>
+            <a:r>
+              <a:rPr lang="en-US" dirty="0"/>
+              <a:t> = Blessing + Curse</a:t>
+            </a:r>
+            <a:endParaRPr lang="en-GB" dirty="0"/>
+          </a:p>
+        </p:txBody>
+      </p:sp>
     </p:spTree>
     <p:extLst>
       <p:ext uri="{BB962C8B-B14F-4D97-AF65-F5344CB8AC3E}">
@@ -4324,10 +4771,2245 @@
   <p:clrMapOvr>
     <a:masterClrMapping/>
   </p:clrMapOvr>
+  <p:timing>
+    <p:tnLst>
+      <p:par>
+        <p:cTn id="1" dur="indefinite" restart="never" nodeType="tmRoot">
+          <p:childTnLst>
+            <p:seq concurrent="1" nextAc="seek">
+              <p:cTn id="2" dur="indefinite" nodeType="mainSeq">
+                <p:childTnLst>
+                  <p:par>
+                    <p:cTn id="3" fill="hold">
+                      <p:stCondLst>
+                        <p:cond delay="indefinite"/>
+                      </p:stCondLst>
+                      <p:childTnLst>
+                        <p:par>
+                          <p:cTn id="4" fill="hold">
+                            <p:stCondLst>
+                              <p:cond delay="0"/>
+                            </p:stCondLst>
+                            <p:childTnLst>
+                              <p:par>
+                                <p:cTn id="5" presetID="2" presetClass="entr" presetSubtype="4" fill="hold" grpId="0" nodeType="clickEffect">
+                                  <p:stCondLst>
+                                    <p:cond delay="0"/>
+                                  </p:stCondLst>
+                                  <p:childTnLst>
+                                    <p:set>
+                                      <p:cBhvr>
+                                        <p:cTn id="6" dur="1" fill="hold">
+                                          <p:stCondLst>
+                                            <p:cond delay="0"/>
+                                          </p:stCondLst>
+                                        </p:cTn>
+                                        <p:tgtEl>
+                                          <p:spTgt spid="4"/>
+                                        </p:tgtEl>
+                                        <p:attrNameLst>
+                                          <p:attrName>style.visibility</p:attrName>
+                                        </p:attrNameLst>
+                                      </p:cBhvr>
+                                      <p:to>
+                                        <p:strVal val="visible"/>
+                                      </p:to>
+                                    </p:set>
+                                    <p:anim calcmode="lin" valueType="num">
+                                      <p:cBhvr additive="base">
+                                        <p:cTn id="7" dur="500" fill="hold"/>
+                                        <p:tgtEl>
+                                          <p:spTgt spid="4"/>
+                                        </p:tgtEl>
+                                        <p:attrNameLst>
+                                          <p:attrName>ppt_x</p:attrName>
+                                        </p:attrNameLst>
+                                      </p:cBhvr>
+                                      <p:tavLst>
+                                        <p:tav tm="0">
+                                          <p:val>
+                                            <p:strVal val="#ppt_x"/>
+                                          </p:val>
+                                        </p:tav>
+                                        <p:tav tm="100000">
+                                          <p:val>
+                                            <p:strVal val="#ppt_x"/>
+                                          </p:val>
+                                        </p:tav>
+                                      </p:tavLst>
+                                    </p:anim>
+                                    <p:anim calcmode="lin" valueType="num">
+                                      <p:cBhvr additive="base">
+                                        <p:cTn id="8" dur="500" fill="hold"/>
+                                        <p:tgtEl>
+                                          <p:spTgt spid="4"/>
+                                        </p:tgtEl>
+                                        <p:attrNameLst>
+                                          <p:attrName>ppt_y</p:attrName>
+                                        </p:attrNameLst>
+                                      </p:cBhvr>
+                                      <p:tavLst>
+                                        <p:tav tm="0">
+                                          <p:val>
+                                            <p:strVal val="1+#ppt_h/2"/>
+                                          </p:val>
+                                        </p:tav>
+                                        <p:tav tm="100000">
+                                          <p:val>
+                                            <p:strVal val="#ppt_y"/>
+                                          </p:val>
+                                        </p:tav>
+                                      </p:tavLst>
+                                    </p:anim>
+                                  </p:childTnLst>
+                                </p:cTn>
+                              </p:par>
+                            </p:childTnLst>
+                          </p:cTn>
+                        </p:par>
+                      </p:childTnLst>
+                    </p:cTn>
+                  </p:par>
+                </p:childTnLst>
+              </p:cTn>
+              <p:prevCondLst>
+                <p:cond evt="onPrev" delay="0">
+                  <p:tgtEl>
+                    <p:sldTgt/>
+                  </p:tgtEl>
+                </p:cond>
+              </p:prevCondLst>
+              <p:nextCondLst>
+                <p:cond evt="onNext" delay="0">
+                  <p:tgtEl>
+                    <p:sldTgt/>
+                  </p:tgtEl>
+                </p:cond>
+              </p:nextCondLst>
+            </p:seq>
+          </p:childTnLst>
+        </p:cTn>
+      </p:par>
+    </p:tnLst>
+    <p:bldLst>
+      <p:bldP spid="4" grpId="0"/>
+    </p:bldLst>
+  </p:timing>
 </p:sld>
 </file>
 
 <file path=ppt/slides/slide10.xml><?xml version="1.0" encoding="utf-8"?>
+<p:sld xmlns:a="http://schemas.openxmlformats.org/drawingml/2006/main" xmlns:r="http://schemas.openxmlformats.org/officeDocument/2006/relationships" xmlns:p="http://schemas.openxmlformats.org/presentationml/2006/main">
+  <p:cSld>
+    <p:spTree>
+      <p:nvGrpSpPr>
+        <p:cNvPr id="1" name=""/>
+        <p:cNvGrpSpPr/>
+        <p:nvPr/>
+      </p:nvGrpSpPr>
+      <p:grpSpPr>
+        <a:xfrm>
+          <a:off x="0" y="0"/>
+          <a:ext cx="0" cy="0"/>
+          <a:chOff x="0" y="0"/>
+          <a:chExt cx="0" cy="0"/>
+        </a:xfrm>
+      </p:grpSpPr>
+      <p:sp>
+        <p:nvSpPr>
+          <p:cNvPr id="2" name="Title 1">
+            <a:extLst>
+              <a:ext uri="{FF2B5EF4-FFF2-40B4-BE49-F238E27FC236}">
+                <a16:creationId xmlns:a16="http://schemas.microsoft.com/office/drawing/2014/main" id="{9D5F92A0-EAA8-6DEA-B995-E68C8E62DEB4}"/>
+              </a:ext>
+            </a:extLst>
+          </p:cNvPr>
+          <p:cNvSpPr>
+            <a:spLocks noGrp="1"/>
+          </p:cNvSpPr>
+          <p:nvPr>
+            <p:ph type="title"/>
+          </p:nvPr>
+        </p:nvSpPr>
+        <p:spPr/>
+        <p:txBody>
+          <a:bodyPr/>
+          <a:lstStyle/>
+          <a:p>
+            <a:endParaRPr lang="en-GB"/>
+          </a:p>
+        </p:txBody>
+      </p:sp>
+      <p:sp>
+        <p:nvSpPr>
+          <p:cNvPr id="3" name="Content Placeholder 2">
+            <a:extLst>
+              <a:ext uri="{FF2B5EF4-FFF2-40B4-BE49-F238E27FC236}">
+                <a16:creationId xmlns:a16="http://schemas.microsoft.com/office/drawing/2014/main" id="{66409144-AB41-26D2-9F38-9FF5DD0A596B}"/>
+              </a:ext>
+            </a:extLst>
+          </p:cNvPr>
+          <p:cNvSpPr>
+            <a:spLocks noGrp="1"/>
+          </p:cNvSpPr>
+          <p:nvPr>
+            <p:ph idx="1"/>
+          </p:nvPr>
+        </p:nvSpPr>
+        <p:spPr/>
+        <p:txBody>
+          <a:bodyPr/>
+          <a:lstStyle/>
+          <a:p>
+            <a:endParaRPr lang="en-GB"/>
+          </a:p>
+        </p:txBody>
+      </p:sp>
+      <p:pic>
+        <p:nvPicPr>
+          <p:cNvPr id="5" name="Picture 4">
+            <a:extLst>
+              <a:ext uri="{FF2B5EF4-FFF2-40B4-BE49-F238E27FC236}">
+                <a16:creationId xmlns:a16="http://schemas.microsoft.com/office/drawing/2014/main" id="{5D5FADCD-6492-B34F-488C-1CE9AA339379}"/>
+              </a:ext>
+            </a:extLst>
+          </p:cNvPr>
+          <p:cNvPicPr>
+            <a:picLocks noChangeAspect="1"/>
+          </p:cNvPicPr>
+          <p:nvPr/>
+        </p:nvPicPr>
+        <p:blipFill>
+          <a:blip r:embed="rId2"/>
+          <a:stretch>
+            <a:fillRect/>
+          </a:stretch>
+        </p:blipFill>
+        <p:spPr>
+          <a:xfrm>
+            <a:off x="938645" y="0"/>
+            <a:ext cx="10314709" cy="6858000"/>
+          </a:xfrm>
+          <a:prstGeom prst="rect">
+            <a:avLst/>
+          </a:prstGeom>
+        </p:spPr>
+      </p:pic>
+    </p:spTree>
+    <p:extLst>
+      <p:ext uri="{BB962C8B-B14F-4D97-AF65-F5344CB8AC3E}">
+        <p14:creationId xmlns:p14="http://schemas.microsoft.com/office/powerpoint/2010/main" val="842343971"/>
+      </p:ext>
+    </p:extLst>
+  </p:cSld>
+  <p:clrMapOvr>
+    <a:masterClrMapping/>
+  </p:clrMapOvr>
+</p:sld>
+</file>
+
+<file path=ppt/slides/slide11.xml><?xml version="1.0" encoding="utf-8"?>
+<p:sld xmlns:a="http://schemas.openxmlformats.org/drawingml/2006/main" xmlns:r="http://schemas.openxmlformats.org/officeDocument/2006/relationships" xmlns:p="http://schemas.openxmlformats.org/presentationml/2006/main" show="0">
+  <p:cSld>
+    <p:spTree>
+      <p:nvGrpSpPr>
+        <p:cNvPr id="1" name=""/>
+        <p:cNvGrpSpPr/>
+        <p:nvPr/>
+      </p:nvGrpSpPr>
+      <p:grpSpPr>
+        <a:xfrm>
+          <a:off x="0" y="0"/>
+          <a:ext cx="0" cy="0"/>
+          <a:chOff x="0" y="0"/>
+          <a:chExt cx="0" cy="0"/>
+        </a:xfrm>
+      </p:grpSpPr>
+      <p:sp>
+        <p:nvSpPr>
+          <p:cNvPr id="2" name="Title 1">
+            <a:extLst>
+              <a:ext uri="{FF2B5EF4-FFF2-40B4-BE49-F238E27FC236}">
+                <a16:creationId xmlns:a16="http://schemas.microsoft.com/office/drawing/2014/main" id="{B6EA7618-86CE-A259-0490-33328A7EB229}"/>
+              </a:ext>
+            </a:extLst>
+          </p:cNvPr>
+          <p:cNvSpPr>
+            <a:spLocks noGrp="1"/>
+          </p:cNvSpPr>
+          <p:nvPr>
+            <p:ph type="title"/>
+          </p:nvPr>
+        </p:nvSpPr>
+        <p:spPr/>
+        <p:txBody>
+          <a:bodyPr/>
+          <a:lstStyle/>
+          <a:p>
+            <a:r>
+              <a:rPr lang="en-US" sz="4400" dirty="0"/>
+              <a:t>Any two vectors in the hypersphere are almost orthogonal (sketch proof)</a:t>
+            </a:r>
+            <a:endParaRPr lang="en-GB" dirty="0"/>
+          </a:p>
+        </p:txBody>
+      </p:sp>
+      <mc:AlternateContent xmlns:mc="http://schemas.openxmlformats.org/markup-compatibility/2006" xmlns:a14="http://schemas.microsoft.com/office/drawing/2010/main">
+        <mc:Choice Requires="a14">
+          <p:sp>
+            <p:nvSpPr>
+              <p:cNvPr id="3" name="Content Placeholder 2">
+                <a:extLst>
+                  <a:ext uri="{FF2B5EF4-FFF2-40B4-BE49-F238E27FC236}">
+                    <a16:creationId xmlns:a16="http://schemas.microsoft.com/office/drawing/2014/main" id="{C97857B6-0261-924B-AB2E-1946DEEB124F}"/>
+                  </a:ext>
+                </a:extLst>
+              </p:cNvPr>
+              <p:cNvSpPr>
+                <a:spLocks noGrp="1"/>
+              </p:cNvSpPr>
+              <p:nvPr>
+                <p:ph idx="1"/>
+              </p:nvPr>
+            </p:nvSpPr>
+            <p:spPr/>
+            <p:txBody>
+              <a:bodyPr>
+                <a:normAutofit/>
+              </a:bodyPr>
+              <a:lstStyle/>
+              <a:p>
+                <a:pPr>
+                  <a:buFont typeface="Wingdings" panose="05000000000000000000" pitchFamily="2" charset="2"/>
+                  <a:buChar char="Ø"/>
+                </a:pPr>
+                <a:r>
+                  <a:rPr lang="en-US" dirty="0"/>
+                  <a:t>We can think of randomly picking two vectors “x” and “y” on the surface of a p-dimensional unit-radius hypersphere and asking what the distribution of their dot product? </a:t>
+                </a:r>
+                <a14:m>
+                  <m:oMath xmlns:m="http://schemas.openxmlformats.org/officeDocument/2006/math">
+                    <m:r>
+                      <a:rPr lang="en-US" b="0" i="1" smtClean="0">
+                        <a:latin typeface="Cambria Math" panose="02040503050406030204" pitchFamily="18" charset="0"/>
+                      </a:rPr>
+                      <m:t>𝑧</m:t>
+                    </m:r>
+                    <m:r>
+                      <a:rPr lang="en-US" b="0" i="1" smtClean="0">
+                        <a:latin typeface="Cambria Math" panose="02040503050406030204" pitchFamily="18" charset="0"/>
+                      </a:rPr>
+                      <m:t>=</m:t>
+                    </m:r>
+                    <m:r>
+                      <a:rPr lang="en-US" b="0" i="1" smtClean="0">
+                        <a:latin typeface="Cambria Math" panose="02040503050406030204" pitchFamily="18" charset="0"/>
+                      </a:rPr>
+                      <m:t>𝑥</m:t>
+                    </m:r>
+                    <m:r>
+                      <a:rPr lang="en-US" b="0" i="1" smtClean="0">
+                        <a:latin typeface="Cambria Math" panose="02040503050406030204" pitchFamily="18" charset="0"/>
+                        <a:ea typeface="Cambria Math" panose="02040503050406030204" pitchFamily="18" charset="0"/>
+                      </a:rPr>
+                      <m:t>∙</m:t>
+                    </m:r>
+                    <m:r>
+                      <a:rPr lang="en-US" b="0" i="1" smtClean="0">
+                        <a:latin typeface="Cambria Math" panose="02040503050406030204" pitchFamily="18" charset="0"/>
+                        <a:ea typeface="Cambria Math" panose="02040503050406030204" pitchFamily="18" charset="0"/>
+                      </a:rPr>
+                      <m:t>𝑦</m:t>
+                    </m:r>
+                  </m:oMath>
+                </a14:m>
+                <a:endParaRPr lang="en-US" dirty="0"/>
+              </a:p>
+              <a:p>
+                <a:pPr>
+                  <a:buFont typeface="Wingdings" panose="05000000000000000000" pitchFamily="2" charset="2"/>
+                  <a:buChar char="Ø"/>
+                </a:pPr>
+                <a:r>
+                  <a:rPr lang="en-US" dirty="0"/>
+                  <a:t>Because of rotational symmetry, it suffices to fix one of these vectors (consider the first standard basis vector) and take the dot product with the randomly sampled vector.</a:t>
+                </a:r>
+              </a:p>
+              <a:p>
+                <a:pPr>
+                  <a:buFont typeface="Wingdings" panose="05000000000000000000" pitchFamily="2" charset="2"/>
+                  <a:buChar char="Ø"/>
+                </a:pPr>
+                <a:r>
+                  <a:rPr lang="en-US" dirty="0"/>
+                  <a:t>Without loss of generality, fix: </a:t>
+                </a:r>
+                <a14:m>
+                  <m:oMath xmlns:m="http://schemas.openxmlformats.org/officeDocument/2006/math">
+                    <m:r>
+                      <a:rPr lang="en-US" b="0" i="1" smtClean="0">
+                        <a:latin typeface="Cambria Math" panose="02040503050406030204" pitchFamily="18" charset="0"/>
+                      </a:rPr>
+                      <m:t>𝑥</m:t>
+                    </m:r>
+                    <m:r>
+                      <a:rPr lang="en-US" b="0" i="1" smtClean="0">
+                        <a:latin typeface="Cambria Math" panose="02040503050406030204" pitchFamily="18" charset="0"/>
+                      </a:rPr>
+                      <m:t>=</m:t>
+                    </m:r>
+                    <m:d>
+                      <m:dPr>
+                        <m:ctrlPr>
+                          <a:rPr lang="en-US" b="0" i="1" smtClean="0">
+                            <a:latin typeface="Cambria Math" panose="02040503050406030204" pitchFamily="18" charset="0"/>
+                          </a:rPr>
+                        </m:ctrlPr>
+                      </m:dPr>
+                      <m:e>
+                        <m:r>
+                          <a:rPr lang="en-US" b="0" i="1" smtClean="0">
+                            <a:latin typeface="Cambria Math" panose="02040503050406030204" pitchFamily="18" charset="0"/>
+                          </a:rPr>
+                          <m:t>1, 0, …, 0</m:t>
+                        </m:r>
+                      </m:e>
+                    </m:d>
+                  </m:oMath>
+                </a14:m>
+                <a:r>
+                  <a:rPr lang="en-GB" dirty="0"/>
+                  <a:t> so that:</a:t>
+                </a:r>
+                <a:br>
+                  <a:rPr lang="en-GB" dirty="0"/>
+                </a:br>
+                <a14:m>
+                  <m:oMath xmlns:m="http://schemas.openxmlformats.org/officeDocument/2006/math">
+                    <m:r>
+                      <a:rPr lang="en-US" b="0" i="1" smtClean="0">
+                        <a:latin typeface="Cambria Math" panose="02040503050406030204" pitchFamily="18" charset="0"/>
+                      </a:rPr>
+                      <m:t>𝑧</m:t>
+                    </m:r>
+                    <m:r>
+                      <a:rPr lang="en-US" b="0" i="1" smtClean="0">
+                        <a:latin typeface="Cambria Math" panose="02040503050406030204" pitchFamily="18" charset="0"/>
+                      </a:rPr>
+                      <m:t>=</m:t>
+                    </m:r>
+                    <m:r>
+                      <a:rPr lang="en-US" b="0" i="1" smtClean="0">
+                        <a:latin typeface="Cambria Math" panose="02040503050406030204" pitchFamily="18" charset="0"/>
+                      </a:rPr>
+                      <m:t>𝑥</m:t>
+                    </m:r>
+                    <m:r>
+                      <a:rPr lang="en-US" b="0" i="1" smtClean="0">
+                        <a:latin typeface="Cambria Math" panose="02040503050406030204" pitchFamily="18" charset="0"/>
+                        <a:ea typeface="Cambria Math" panose="02040503050406030204" pitchFamily="18" charset="0"/>
+                      </a:rPr>
+                      <m:t>∙</m:t>
+                    </m:r>
+                    <m:r>
+                      <a:rPr lang="en-US" b="0" i="1" smtClean="0">
+                        <a:latin typeface="Cambria Math" panose="02040503050406030204" pitchFamily="18" charset="0"/>
+                        <a:ea typeface="Cambria Math" panose="02040503050406030204" pitchFamily="18" charset="0"/>
+                      </a:rPr>
+                      <m:t>𝑦</m:t>
+                    </m:r>
+                    <m:r>
+                      <a:rPr lang="en-US" b="0" i="1" smtClean="0">
+                        <a:latin typeface="Cambria Math" panose="02040503050406030204" pitchFamily="18" charset="0"/>
+                        <a:ea typeface="Cambria Math" panose="02040503050406030204" pitchFamily="18" charset="0"/>
+                      </a:rPr>
+                      <m:t>=1</m:t>
+                    </m:r>
+                    <m:sSub>
+                      <m:sSubPr>
+                        <m:ctrlPr>
+                          <a:rPr lang="en-US" b="0" i="1" smtClean="0">
+                            <a:latin typeface="Cambria Math" panose="02040503050406030204" pitchFamily="18" charset="0"/>
+                            <a:ea typeface="Cambria Math" panose="02040503050406030204" pitchFamily="18" charset="0"/>
+                          </a:rPr>
+                        </m:ctrlPr>
+                      </m:sSubPr>
+                      <m:e>
+                        <m:r>
+                          <a:rPr lang="en-US" b="0" i="1" smtClean="0">
+                            <a:latin typeface="Cambria Math" panose="02040503050406030204" pitchFamily="18" charset="0"/>
+                            <a:ea typeface="Cambria Math" panose="02040503050406030204" pitchFamily="18" charset="0"/>
+                          </a:rPr>
+                          <m:t>𝑦</m:t>
+                        </m:r>
+                      </m:e>
+                      <m:sub>
+                        <m:r>
+                          <a:rPr lang="en-US" b="0" i="1" smtClean="0">
+                            <a:latin typeface="Cambria Math" panose="02040503050406030204" pitchFamily="18" charset="0"/>
+                            <a:ea typeface="Cambria Math" panose="02040503050406030204" pitchFamily="18" charset="0"/>
+                          </a:rPr>
+                          <m:t>1</m:t>
+                        </m:r>
+                      </m:sub>
+                    </m:sSub>
+                    <m:r>
+                      <a:rPr lang="en-US" b="0" i="1" smtClean="0">
+                        <a:latin typeface="Cambria Math" panose="02040503050406030204" pitchFamily="18" charset="0"/>
+                        <a:ea typeface="Cambria Math" panose="02040503050406030204" pitchFamily="18" charset="0"/>
+                      </a:rPr>
+                      <m:t>+0</m:t>
+                    </m:r>
+                    <m:sSub>
+                      <m:sSubPr>
+                        <m:ctrlPr>
+                          <a:rPr lang="en-US" b="0" i="1" smtClean="0">
+                            <a:latin typeface="Cambria Math" panose="02040503050406030204" pitchFamily="18" charset="0"/>
+                            <a:ea typeface="Cambria Math" panose="02040503050406030204" pitchFamily="18" charset="0"/>
+                          </a:rPr>
+                        </m:ctrlPr>
+                      </m:sSubPr>
+                      <m:e>
+                        <m:r>
+                          <a:rPr lang="en-US" b="0" i="1" smtClean="0">
+                            <a:latin typeface="Cambria Math" panose="02040503050406030204" pitchFamily="18" charset="0"/>
+                            <a:ea typeface="Cambria Math" panose="02040503050406030204" pitchFamily="18" charset="0"/>
+                          </a:rPr>
+                          <m:t>𝑦</m:t>
+                        </m:r>
+                      </m:e>
+                      <m:sub>
+                        <m:r>
+                          <a:rPr lang="en-US" b="0" i="1" smtClean="0">
+                            <a:latin typeface="Cambria Math" panose="02040503050406030204" pitchFamily="18" charset="0"/>
+                            <a:ea typeface="Cambria Math" panose="02040503050406030204" pitchFamily="18" charset="0"/>
+                          </a:rPr>
+                          <m:t>2</m:t>
+                        </m:r>
+                      </m:sub>
+                    </m:sSub>
+                    <m:r>
+                      <a:rPr lang="en-US" b="0" i="1" smtClean="0">
+                        <a:latin typeface="Cambria Math" panose="02040503050406030204" pitchFamily="18" charset="0"/>
+                        <a:ea typeface="Cambria Math" panose="02040503050406030204" pitchFamily="18" charset="0"/>
+                      </a:rPr>
+                      <m:t>+…+0</m:t>
+                    </m:r>
+                    <m:sSub>
+                      <m:sSubPr>
+                        <m:ctrlPr>
+                          <a:rPr lang="en-US" b="0" i="1" smtClean="0">
+                            <a:latin typeface="Cambria Math" panose="02040503050406030204" pitchFamily="18" charset="0"/>
+                            <a:ea typeface="Cambria Math" panose="02040503050406030204" pitchFamily="18" charset="0"/>
+                          </a:rPr>
+                        </m:ctrlPr>
+                      </m:sSubPr>
+                      <m:e>
+                        <m:r>
+                          <a:rPr lang="en-US" b="0" i="1" smtClean="0">
+                            <a:latin typeface="Cambria Math" panose="02040503050406030204" pitchFamily="18" charset="0"/>
+                            <a:ea typeface="Cambria Math" panose="02040503050406030204" pitchFamily="18" charset="0"/>
+                          </a:rPr>
+                          <m:t>𝑦</m:t>
+                        </m:r>
+                      </m:e>
+                      <m:sub>
+                        <m:r>
+                          <a:rPr lang="en-US" b="0" i="1" smtClean="0">
+                            <a:latin typeface="Cambria Math" panose="02040503050406030204" pitchFamily="18" charset="0"/>
+                            <a:ea typeface="Cambria Math" panose="02040503050406030204" pitchFamily="18" charset="0"/>
+                          </a:rPr>
+                          <m:t>𝑛</m:t>
+                        </m:r>
+                      </m:sub>
+                    </m:sSub>
+                    <m:r>
+                      <a:rPr lang="en-US" b="0" i="1" smtClean="0">
+                        <a:latin typeface="Cambria Math" panose="02040503050406030204" pitchFamily="18" charset="0"/>
+                        <a:ea typeface="Cambria Math" panose="02040503050406030204" pitchFamily="18" charset="0"/>
+                      </a:rPr>
+                      <m:t>=</m:t>
+                    </m:r>
+                    <m:sSub>
+                      <m:sSubPr>
+                        <m:ctrlPr>
+                          <a:rPr lang="en-US" b="0" i="1" smtClean="0">
+                            <a:latin typeface="Cambria Math" panose="02040503050406030204" pitchFamily="18" charset="0"/>
+                            <a:ea typeface="Cambria Math" panose="02040503050406030204" pitchFamily="18" charset="0"/>
+                          </a:rPr>
+                        </m:ctrlPr>
+                      </m:sSubPr>
+                      <m:e>
+                        <m:r>
+                          <a:rPr lang="en-US" b="0" i="1" smtClean="0">
+                            <a:latin typeface="Cambria Math" panose="02040503050406030204" pitchFamily="18" charset="0"/>
+                            <a:ea typeface="Cambria Math" panose="02040503050406030204" pitchFamily="18" charset="0"/>
+                          </a:rPr>
+                          <m:t>𝑦</m:t>
+                        </m:r>
+                      </m:e>
+                      <m:sub>
+                        <m:r>
+                          <a:rPr lang="en-US" b="0" i="1" smtClean="0">
+                            <a:latin typeface="Cambria Math" panose="02040503050406030204" pitchFamily="18" charset="0"/>
+                            <a:ea typeface="Cambria Math" panose="02040503050406030204" pitchFamily="18" charset="0"/>
+                          </a:rPr>
+                          <m:t>1</m:t>
+                        </m:r>
+                      </m:sub>
+                    </m:sSub>
+                  </m:oMath>
+                </a14:m>
+                <a:endParaRPr lang="en-GB" dirty="0"/>
+              </a:p>
+              <a:p>
+                <a:pPr>
+                  <a:buFont typeface="Wingdings" panose="05000000000000000000" pitchFamily="2" charset="2"/>
+                  <a:buChar char="Ø"/>
+                </a:pPr>
+                <a:r>
+                  <a:rPr lang="en-US" dirty="0"/>
+                  <a:t>So it suffices to consider the marginal of the first entry of “y”.</a:t>
+                </a:r>
+                <a:endParaRPr lang="en-GB" dirty="0"/>
+              </a:p>
+            </p:txBody>
+          </p:sp>
+        </mc:Choice>
+        <mc:Fallback xmlns="">
+          <p:sp>
+            <p:nvSpPr>
+              <p:cNvPr id="3" name="Content Placeholder 2">
+                <a:extLst>
+                  <a:ext uri="{FF2B5EF4-FFF2-40B4-BE49-F238E27FC236}">
+                    <a16:creationId xmlns:a16="http://schemas.microsoft.com/office/drawing/2014/main" id="{C97857B6-0261-924B-AB2E-1946DEEB124F}"/>
+                  </a:ext>
+                </a:extLst>
+              </p:cNvPr>
+              <p:cNvSpPr>
+                <a:spLocks noGrp="1" noRot="1" noChangeAspect="1" noMove="1" noResize="1" noEditPoints="1" noAdjustHandles="1" noChangeArrowheads="1" noChangeShapeType="1" noTextEdit="1"/>
+              </p:cNvSpPr>
+              <p:nvPr>
+                <p:ph idx="1"/>
+              </p:nvPr>
+            </p:nvSpPr>
+            <p:spPr>
+              <a:blipFill>
+                <a:blip r:embed="rId2"/>
+                <a:stretch>
+                  <a:fillRect l="-1043" t="-2381"/>
+                </a:stretch>
+              </a:blipFill>
+            </p:spPr>
+            <p:txBody>
+              <a:bodyPr/>
+              <a:lstStyle/>
+              <a:p>
+                <a:r>
+                  <a:rPr lang="en-GB">
+                    <a:noFill/>
+                  </a:rPr>
+                  <a:t> </a:t>
+                </a:r>
+              </a:p>
+            </p:txBody>
+          </p:sp>
+        </mc:Fallback>
+      </mc:AlternateContent>
+    </p:spTree>
+    <p:extLst>
+      <p:ext uri="{BB962C8B-B14F-4D97-AF65-F5344CB8AC3E}">
+        <p14:creationId xmlns:p14="http://schemas.microsoft.com/office/powerpoint/2010/main" val="2600473992"/>
+      </p:ext>
+    </p:extLst>
+  </p:cSld>
+  <p:clrMapOvr>
+    <a:masterClrMapping/>
+  </p:clrMapOvr>
+</p:sld>
+</file>
+
+<file path=ppt/slides/slide12.xml><?xml version="1.0" encoding="utf-8"?>
+<p:sld xmlns:a="http://schemas.openxmlformats.org/drawingml/2006/main" xmlns:r="http://schemas.openxmlformats.org/officeDocument/2006/relationships" xmlns:p="http://schemas.openxmlformats.org/presentationml/2006/main" show="0">
+  <p:cSld>
+    <p:spTree>
+      <p:nvGrpSpPr>
+        <p:cNvPr id="1" name=""/>
+        <p:cNvGrpSpPr/>
+        <p:nvPr/>
+      </p:nvGrpSpPr>
+      <p:grpSpPr>
+        <a:xfrm>
+          <a:off x="0" y="0"/>
+          <a:ext cx="0" cy="0"/>
+          <a:chOff x="0" y="0"/>
+          <a:chExt cx="0" cy="0"/>
+        </a:xfrm>
+      </p:grpSpPr>
+      <p:sp>
+        <p:nvSpPr>
+          <p:cNvPr id="2" name="Title 1">
+            <a:extLst>
+              <a:ext uri="{FF2B5EF4-FFF2-40B4-BE49-F238E27FC236}">
+                <a16:creationId xmlns:a16="http://schemas.microsoft.com/office/drawing/2014/main" id="{B7F08792-5836-C603-8DC6-76414426B316}"/>
+              </a:ext>
+            </a:extLst>
+          </p:cNvPr>
+          <p:cNvSpPr>
+            <a:spLocks noGrp="1"/>
+          </p:cNvSpPr>
+          <p:nvPr>
+            <p:ph type="title"/>
+          </p:nvPr>
+        </p:nvSpPr>
+        <p:spPr/>
+        <p:txBody>
+          <a:bodyPr/>
+          <a:lstStyle/>
+          <a:p>
+            <a:r>
+              <a:rPr lang="en-US" sz="4400" dirty="0"/>
+              <a:t>Any two vectors in the hypersphere are almost orthogonal (sketch proof)</a:t>
+            </a:r>
+            <a:endParaRPr lang="en-GB" dirty="0"/>
+          </a:p>
+        </p:txBody>
+      </p:sp>
+      <mc:AlternateContent xmlns:mc="http://schemas.openxmlformats.org/markup-compatibility/2006" xmlns:a14="http://schemas.microsoft.com/office/drawing/2010/main">
+        <mc:Choice Requires="a14">
+          <p:sp>
+            <p:nvSpPr>
+              <p:cNvPr id="3" name="Content Placeholder 2">
+                <a:extLst>
+                  <a:ext uri="{FF2B5EF4-FFF2-40B4-BE49-F238E27FC236}">
+                    <a16:creationId xmlns:a16="http://schemas.microsoft.com/office/drawing/2014/main" id="{283B6B74-462A-1D60-3862-E5882164AA2C}"/>
+                  </a:ext>
+                </a:extLst>
+              </p:cNvPr>
+              <p:cNvSpPr>
+                <a:spLocks noGrp="1"/>
+              </p:cNvSpPr>
+              <p:nvPr>
+                <p:ph idx="1"/>
+              </p:nvPr>
+            </p:nvSpPr>
+            <p:spPr/>
+            <p:txBody>
+              <a:bodyPr/>
+              <a:lstStyle/>
+              <a:p>
+                <a:pPr>
+                  <a:buFont typeface="Wingdings" panose="05000000000000000000" pitchFamily="2" charset="2"/>
+                  <a:buChar char="Ø"/>
+                </a:pPr>
+                <a:r>
+                  <a:rPr lang="en-US" dirty="0"/>
+                  <a:t>Because y is a vector on the p-dimensional unit sphere we know that:</a:t>
+                </a:r>
+                <a14:m>
+                  <m:oMath xmlns:m="http://schemas.openxmlformats.org/officeDocument/2006/math">
+                    <m:nary>
+                      <m:naryPr>
+                        <m:chr m:val="∑"/>
+                        <m:ctrlPr>
+                          <a:rPr lang="en-US" i="1" smtClean="0">
+                            <a:latin typeface="Cambria Math" panose="02040503050406030204" pitchFamily="18" charset="0"/>
+                          </a:rPr>
+                        </m:ctrlPr>
+                      </m:naryPr>
+                      <m:sub>
+                        <m:r>
+                          <m:rPr>
+                            <m:brk m:alnAt="23"/>
+                          </m:rPr>
+                          <a:rPr lang="en-US" b="0" i="1" smtClean="0">
+                            <a:latin typeface="Cambria Math" panose="02040503050406030204" pitchFamily="18" charset="0"/>
+                          </a:rPr>
+                          <m:t>𝑖</m:t>
+                        </m:r>
+                        <m:r>
+                          <a:rPr lang="en-US" b="0" i="1" smtClean="0">
+                            <a:latin typeface="Cambria Math" panose="02040503050406030204" pitchFamily="18" charset="0"/>
+                          </a:rPr>
+                          <m:t>=1</m:t>
+                        </m:r>
+                      </m:sub>
+                      <m:sup>
+                        <m:r>
+                          <a:rPr lang="en-US" b="0" i="1" smtClean="0">
+                            <a:latin typeface="Cambria Math" panose="02040503050406030204" pitchFamily="18" charset="0"/>
+                          </a:rPr>
+                          <m:t>𝑝</m:t>
+                        </m:r>
+                      </m:sup>
+                      <m:e>
+                        <m:sSubSup>
+                          <m:sSubSupPr>
+                            <m:ctrlPr>
+                              <a:rPr lang="en-US" i="1" smtClean="0">
+                                <a:latin typeface="Cambria Math" panose="02040503050406030204" pitchFamily="18" charset="0"/>
+                              </a:rPr>
+                            </m:ctrlPr>
+                          </m:sSubSupPr>
+                          <m:e>
+                            <m:r>
+                              <a:rPr lang="en-US" b="0" i="1" smtClean="0">
+                                <a:latin typeface="Cambria Math" panose="02040503050406030204" pitchFamily="18" charset="0"/>
+                              </a:rPr>
+                              <m:t>𝑦</m:t>
+                            </m:r>
+                          </m:e>
+                          <m:sub>
+                            <m:r>
+                              <a:rPr lang="en-US" b="0" i="1" smtClean="0">
+                                <a:latin typeface="Cambria Math" panose="02040503050406030204" pitchFamily="18" charset="0"/>
+                              </a:rPr>
+                              <m:t>𝑖</m:t>
+                            </m:r>
+                          </m:sub>
+                          <m:sup>
+                            <m:r>
+                              <a:rPr lang="en-US" b="0" i="1" smtClean="0">
+                                <a:latin typeface="Cambria Math" panose="02040503050406030204" pitchFamily="18" charset="0"/>
+                              </a:rPr>
+                              <m:t>2</m:t>
+                            </m:r>
+                          </m:sup>
+                        </m:sSubSup>
+                        <m:r>
+                          <a:rPr lang="en-US" b="0" i="1" smtClean="0">
+                            <a:latin typeface="Cambria Math" panose="02040503050406030204" pitchFamily="18" charset="0"/>
+                          </a:rPr>
+                          <m:t>=</m:t>
+                        </m:r>
+                        <m:sSup>
+                          <m:sSupPr>
+                            <m:ctrlPr>
+                              <a:rPr lang="en-US" b="0" i="1" smtClean="0">
+                                <a:latin typeface="Cambria Math" panose="02040503050406030204" pitchFamily="18" charset="0"/>
+                              </a:rPr>
+                            </m:ctrlPr>
+                          </m:sSupPr>
+                          <m:e>
+                            <m:r>
+                              <a:rPr lang="en-US" b="0" i="1" smtClean="0">
+                                <a:latin typeface="Cambria Math" panose="02040503050406030204" pitchFamily="18" charset="0"/>
+                              </a:rPr>
+                              <m:t>1</m:t>
+                            </m:r>
+                          </m:e>
+                          <m:sup>
+                            <m:r>
+                              <a:rPr lang="en-US" b="0" i="1" smtClean="0">
+                                <a:latin typeface="Cambria Math" panose="02040503050406030204" pitchFamily="18" charset="0"/>
+                              </a:rPr>
+                              <m:t>2</m:t>
+                            </m:r>
+                          </m:sup>
+                        </m:sSup>
+                      </m:e>
+                    </m:nary>
+                  </m:oMath>
+                </a14:m>
+                <a:r>
+                  <a:rPr lang="en-GB" dirty="0"/>
+                  <a:t> but we also know that </a:t>
+                </a:r>
+                <a14:m>
+                  <m:oMath xmlns:m="http://schemas.openxmlformats.org/officeDocument/2006/math">
+                    <m:r>
+                      <a:rPr lang="en-US" b="0" i="1" smtClean="0">
+                        <a:latin typeface="Cambria Math" panose="02040503050406030204" pitchFamily="18" charset="0"/>
+                      </a:rPr>
+                      <m:t>𝑧</m:t>
+                    </m:r>
+                    <m:r>
+                      <a:rPr lang="en-US" b="0" i="1" smtClean="0">
+                        <a:latin typeface="Cambria Math" panose="02040503050406030204" pitchFamily="18" charset="0"/>
+                      </a:rPr>
+                      <m:t>=</m:t>
+                    </m:r>
+                    <m:sSub>
+                      <m:sSubPr>
+                        <m:ctrlPr>
+                          <a:rPr lang="en-US" b="0" i="1" smtClean="0">
+                            <a:latin typeface="Cambria Math" panose="02040503050406030204" pitchFamily="18" charset="0"/>
+                          </a:rPr>
+                        </m:ctrlPr>
+                      </m:sSubPr>
+                      <m:e>
+                        <m:r>
+                          <a:rPr lang="en-US" b="0" i="1" smtClean="0">
+                            <a:latin typeface="Cambria Math" panose="02040503050406030204" pitchFamily="18" charset="0"/>
+                          </a:rPr>
+                          <m:t>𝑦</m:t>
+                        </m:r>
+                      </m:e>
+                      <m:sub>
+                        <m:r>
+                          <a:rPr lang="en-US" b="0" i="1" smtClean="0">
+                            <a:latin typeface="Cambria Math" panose="02040503050406030204" pitchFamily="18" charset="0"/>
+                          </a:rPr>
+                          <m:t>1</m:t>
+                        </m:r>
+                      </m:sub>
+                    </m:sSub>
+                  </m:oMath>
+                </a14:m>
+                <a:endParaRPr lang="en-US" b="0" dirty="0"/>
+              </a:p>
+              <a:p>
+                <a:pPr>
+                  <a:buFont typeface="Wingdings" panose="05000000000000000000" pitchFamily="2" charset="2"/>
+                  <a:buChar char="Ø"/>
+                </a:pPr>
+                <a:r>
+                  <a:rPr lang="en-GB" dirty="0"/>
+                  <a:t>This means that we also have the equation: </a:t>
+                </a:r>
+                <a14:m>
+                  <m:oMath xmlns:m="http://schemas.openxmlformats.org/officeDocument/2006/math">
+                    <m:nary>
+                      <m:naryPr>
+                        <m:chr m:val="∑"/>
+                        <m:ctrlPr>
+                          <a:rPr lang="en-GB" i="1" smtClean="0">
+                            <a:latin typeface="Cambria Math" panose="02040503050406030204" pitchFamily="18" charset="0"/>
+                          </a:rPr>
+                        </m:ctrlPr>
+                      </m:naryPr>
+                      <m:sub>
+                        <m:r>
+                          <m:rPr>
+                            <m:brk m:alnAt="23"/>
+                          </m:rPr>
+                          <a:rPr lang="en-US" b="0" i="1" smtClean="0">
+                            <a:latin typeface="Cambria Math" panose="02040503050406030204" pitchFamily="18" charset="0"/>
+                          </a:rPr>
+                          <m:t>𝑖</m:t>
+                        </m:r>
+                        <m:r>
+                          <a:rPr lang="en-US" b="0" i="1" smtClean="0">
+                            <a:latin typeface="Cambria Math" panose="02040503050406030204" pitchFamily="18" charset="0"/>
+                          </a:rPr>
+                          <m:t>=2</m:t>
+                        </m:r>
+                      </m:sub>
+                      <m:sup>
+                        <m:r>
+                          <a:rPr lang="en-US" b="0" i="1" smtClean="0">
+                            <a:latin typeface="Cambria Math" panose="02040503050406030204" pitchFamily="18" charset="0"/>
+                          </a:rPr>
+                          <m:t>𝑝</m:t>
+                        </m:r>
+                      </m:sup>
+                      <m:e>
+                        <m:sSubSup>
+                          <m:sSubSupPr>
+                            <m:ctrlPr>
+                              <a:rPr lang="en-GB" i="1" smtClean="0">
+                                <a:latin typeface="Cambria Math" panose="02040503050406030204" pitchFamily="18" charset="0"/>
+                              </a:rPr>
+                            </m:ctrlPr>
+                          </m:sSubSupPr>
+                          <m:e>
+                            <m:r>
+                              <a:rPr lang="en-US" b="0" i="1" smtClean="0">
+                                <a:latin typeface="Cambria Math" panose="02040503050406030204" pitchFamily="18" charset="0"/>
+                              </a:rPr>
+                              <m:t>𝑦</m:t>
+                            </m:r>
+                          </m:e>
+                          <m:sub>
+                            <m:r>
+                              <a:rPr lang="en-US" b="0" i="1" smtClean="0">
+                                <a:latin typeface="Cambria Math" panose="02040503050406030204" pitchFamily="18" charset="0"/>
+                              </a:rPr>
+                              <m:t>𝑖</m:t>
+                            </m:r>
+                          </m:sub>
+                          <m:sup>
+                            <m:r>
+                              <a:rPr lang="en-US" b="0" i="1" smtClean="0">
+                                <a:latin typeface="Cambria Math" panose="02040503050406030204" pitchFamily="18" charset="0"/>
+                              </a:rPr>
+                              <m:t>2</m:t>
+                            </m:r>
+                          </m:sup>
+                        </m:sSubSup>
+                        <m:r>
+                          <a:rPr lang="en-US" b="0" i="1" smtClean="0">
+                            <a:latin typeface="Cambria Math" panose="02040503050406030204" pitchFamily="18" charset="0"/>
+                          </a:rPr>
+                          <m:t>=1−</m:t>
+                        </m:r>
+                        <m:sSup>
+                          <m:sSupPr>
+                            <m:ctrlPr>
+                              <a:rPr lang="en-US" b="0" i="1" smtClean="0">
+                                <a:latin typeface="Cambria Math" panose="02040503050406030204" pitchFamily="18" charset="0"/>
+                              </a:rPr>
+                            </m:ctrlPr>
+                          </m:sSupPr>
+                          <m:e>
+                            <m:r>
+                              <a:rPr lang="en-US" b="0" i="1" smtClean="0">
+                                <a:latin typeface="Cambria Math" panose="02040503050406030204" pitchFamily="18" charset="0"/>
+                              </a:rPr>
+                              <m:t>𝑧</m:t>
+                            </m:r>
+                          </m:e>
+                          <m:sup>
+                            <m:r>
+                              <a:rPr lang="en-US" b="0" i="1" smtClean="0">
+                                <a:latin typeface="Cambria Math" panose="02040503050406030204" pitchFamily="18" charset="0"/>
+                              </a:rPr>
+                              <m:t>2</m:t>
+                            </m:r>
+                          </m:sup>
+                        </m:sSup>
+                      </m:e>
+                    </m:nary>
+                  </m:oMath>
+                </a14:m>
+                <a:r>
+                  <a:rPr lang="en-GB" dirty="0"/>
+                  <a:t>, which can be geometrically interpreted as saying that p-1 dimensional vector (removing the first entry of “y”) lies on the hypersphere of radius </a:t>
+                </a:r>
+                <a14:m>
+                  <m:oMath xmlns:m="http://schemas.openxmlformats.org/officeDocument/2006/math">
+                    <m:rad>
+                      <m:radPr>
+                        <m:degHide m:val="on"/>
+                        <m:ctrlPr>
+                          <a:rPr lang="en-GB" i="1" smtClean="0">
+                            <a:latin typeface="Cambria Math" panose="02040503050406030204" pitchFamily="18" charset="0"/>
+                          </a:rPr>
+                        </m:ctrlPr>
+                      </m:radPr>
+                      <m:deg/>
+                      <m:e>
+                        <m:r>
+                          <a:rPr lang="en-US" b="0" i="1" smtClean="0">
+                            <a:latin typeface="Cambria Math" panose="02040503050406030204" pitchFamily="18" charset="0"/>
+                          </a:rPr>
+                          <m:t>1−</m:t>
+                        </m:r>
+                        <m:sSup>
+                          <m:sSupPr>
+                            <m:ctrlPr>
+                              <a:rPr lang="en-US" b="0" i="1" smtClean="0">
+                                <a:latin typeface="Cambria Math" panose="02040503050406030204" pitchFamily="18" charset="0"/>
+                              </a:rPr>
+                            </m:ctrlPr>
+                          </m:sSupPr>
+                          <m:e>
+                            <m:r>
+                              <a:rPr lang="en-US" b="0" i="1" smtClean="0">
+                                <a:latin typeface="Cambria Math" panose="02040503050406030204" pitchFamily="18" charset="0"/>
+                              </a:rPr>
+                              <m:t>𝑧</m:t>
+                            </m:r>
+                          </m:e>
+                          <m:sup>
+                            <m:r>
+                              <a:rPr lang="en-US" b="0" i="1" smtClean="0">
+                                <a:latin typeface="Cambria Math" panose="02040503050406030204" pitchFamily="18" charset="0"/>
+                              </a:rPr>
+                              <m:t>2</m:t>
+                            </m:r>
+                          </m:sup>
+                        </m:sSup>
+                      </m:e>
+                    </m:rad>
+                  </m:oMath>
+                </a14:m>
+                <a:endParaRPr lang="en-GB" dirty="0"/>
+              </a:p>
+              <a:p>
+                <a:pPr>
+                  <a:buFont typeface="Wingdings" panose="05000000000000000000" pitchFamily="2" charset="2"/>
+                  <a:buChar char="Ø"/>
+                </a:pPr>
+                <a:r>
+                  <a:rPr lang="en-GB" dirty="0"/>
+                  <a:t>*waves hands and indicates towards my poster for more details*</a:t>
+                </a:r>
+              </a:p>
+              <a:p>
+                <a:pPr>
+                  <a:buFont typeface="Wingdings" panose="05000000000000000000" pitchFamily="2" charset="2"/>
+                  <a:buChar char="Ø"/>
+                </a:pPr>
+                <a:endParaRPr lang="en-GB" dirty="0"/>
+              </a:p>
+            </p:txBody>
+          </p:sp>
+        </mc:Choice>
+        <mc:Fallback xmlns="">
+          <p:sp>
+            <p:nvSpPr>
+              <p:cNvPr id="3" name="Content Placeholder 2">
+                <a:extLst>
+                  <a:ext uri="{FF2B5EF4-FFF2-40B4-BE49-F238E27FC236}">
+                    <a16:creationId xmlns:a16="http://schemas.microsoft.com/office/drawing/2014/main" id="{283B6B74-462A-1D60-3862-E5882164AA2C}"/>
+                  </a:ext>
+                </a:extLst>
+              </p:cNvPr>
+              <p:cNvSpPr>
+                <a:spLocks noGrp="1" noRot="1" noChangeAspect="1" noMove="1" noResize="1" noEditPoints="1" noAdjustHandles="1" noChangeArrowheads="1" noChangeShapeType="1" noTextEdit="1"/>
+              </p:cNvSpPr>
+              <p:nvPr>
+                <p:ph idx="1"/>
+              </p:nvPr>
+            </p:nvSpPr>
+            <p:spPr>
+              <a:blipFill>
+                <a:blip r:embed="rId2"/>
+                <a:stretch>
+                  <a:fillRect l="-1043" t="-2381"/>
+                </a:stretch>
+              </a:blipFill>
+            </p:spPr>
+            <p:txBody>
+              <a:bodyPr/>
+              <a:lstStyle/>
+              <a:p>
+                <a:r>
+                  <a:rPr lang="en-GB">
+                    <a:noFill/>
+                  </a:rPr>
+                  <a:t> </a:t>
+                </a:r>
+              </a:p>
+            </p:txBody>
+          </p:sp>
+        </mc:Fallback>
+      </mc:AlternateContent>
+    </p:spTree>
+    <p:extLst>
+      <p:ext uri="{BB962C8B-B14F-4D97-AF65-F5344CB8AC3E}">
+        <p14:creationId xmlns:p14="http://schemas.microsoft.com/office/powerpoint/2010/main" val="4188187981"/>
+      </p:ext>
+    </p:extLst>
+  </p:cSld>
+  <p:clrMapOvr>
+    <a:masterClrMapping/>
+  </p:clrMapOvr>
+</p:sld>
+</file>
+
+<file path=ppt/slides/slide13.xml><?xml version="1.0" encoding="utf-8"?>
+<p:sld xmlns:a="http://schemas.openxmlformats.org/drawingml/2006/main" xmlns:r="http://schemas.openxmlformats.org/officeDocument/2006/relationships" xmlns:p="http://schemas.openxmlformats.org/presentationml/2006/main">
+  <p:cSld>
+    <p:spTree>
+      <p:nvGrpSpPr>
+        <p:cNvPr id="1" name=""/>
+        <p:cNvGrpSpPr/>
+        <p:nvPr/>
+      </p:nvGrpSpPr>
+      <p:grpSpPr>
+        <a:xfrm>
+          <a:off x="0" y="0"/>
+          <a:ext cx="0" cy="0"/>
+          <a:chOff x="0" y="0"/>
+          <a:chExt cx="0" cy="0"/>
+        </a:xfrm>
+      </p:grpSpPr>
+      <p:sp>
+        <p:nvSpPr>
+          <p:cNvPr id="2" name="Title 1">
+            <a:extLst>
+              <a:ext uri="{FF2B5EF4-FFF2-40B4-BE49-F238E27FC236}">
+                <a16:creationId xmlns:a16="http://schemas.microsoft.com/office/drawing/2014/main" id="{002601C6-8893-381A-2D87-3D711706E700}"/>
+              </a:ext>
+            </a:extLst>
+          </p:cNvPr>
+          <p:cNvSpPr>
+            <a:spLocks noGrp="1"/>
+          </p:cNvSpPr>
+          <p:nvPr>
+            <p:ph type="title"/>
+          </p:nvPr>
+        </p:nvSpPr>
+        <p:spPr/>
+        <p:txBody>
+          <a:bodyPr/>
+          <a:lstStyle/>
+          <a:p>
+            <a:r>
+              <a:rPr lang="en-US" dirty="0"/>
+              <a:t>Curse or Blessing?</a:t>
+            </a:r>
+            <a:endParaRPr lang="en-GB" dirty="0"/>
+          </a:p>
+        </p:txBody>
+      </p:sp>
+      <p:sp>
+        <p:nvSpPr>
+          <p:cNvPr id="3" name="Content Placeholder 2">
+            <a:extLst>
+              <a:ext uri="{FF2B5EF4-FFF2-40B4-BE49-F238E27FC236}">
+                <a16:creationId xmlns:a16="http://schemas.microsoft.com/office/drawing/2014/main" id="{3F02C162-0B2B-B969-8C35-CCA06CBBDFEF}"/>
+              </a:ext>
+            </a:extLst>
+          </p:cNvPr>
+          <p:cNvSpPr>
+            <a:spLocks noGrp="1"/>
+          </p:cNvSpPr>
+          <p:nvPr>
+            <p:ph idx="1"/>
+          </p:nvPr>
+        </p:nvSpPr>
+        <p:spPr/>
+        <p:txBody>
+          <a:bodyPr/>
+          <a:lstStyle/>
+          <a:p>
+            <a:pPr>
+              <a:buFont typeface="Wingdings" panose="05000000000000000000" pitchFamily="2" charset="2"/>
+              <a:buChar char="Ø"/>
+            </a:pPr>
+            <a:r>
+              <a:rPr lang="en-US" dirty="0"/>
+              <a:t>Data gets sparse and it becomes increasingly difficult to sample the densities of distributions in high dimensions. </a:t>
+            </a:r>
+          </a:p>
+          <a:p>
+            <a:pPr>
+              <a:buFont typeface="Wingdings" panose="05000000000000000000" pitchFamily="2" charset="2"/>
+              <a:buChar char="Ø"/>
+            </a:pPr>
+            <a:r>
+              <a:rPr lang="en-US" dirty="0"/>
+              <a:t>Many functions of random vectors and random matrices behave close to deterministically, making it much more routine to sample smooth, 1 dimensional functions of high dimensional vectors.</a:t>
+            </a:r>
+          </a:p>
+          <a:p>
+            <a:pPr>
+              <a:buFont typeface="Wingdings" panose="05000000000000000000" pitchFamily="2" charset="2"/>
+              <a:buChar char="Ø"/>
+            </a:pPr>
+            <a:endParaRPr lang="en-GB" dirty="0"/>
+          </a:p>
+        </p:txBody>
+      </p:sp>
+    </p:spTree>
+    <p:extLst>
+      <p:ext uri="{BB962C8B-B14F-4D97-AF65-F5344CB8AC3E}">
+        <p14:creationId xmlns:p14="http://schemas.microsoft.com/office/powerpoint/2010/main" val="2752824070"/>
+      </p:ext>
+    </p:extLst>
+  </p:cSld>
+  <p:clrMapOvr>
+    <a:masterClrMapping/>
+  </p:clrMapOvr>
+</p:sld>
+</file>
+
+<file path=ppt/slides/slide14.xml><?xml version="1.0" encoding="utf-8"?>
+<p:sld xmlns:a="http://schemas.openxmlformats.org/drawingml/2006/main" xmlns:r="http://schemas.openxmlformats.org/officeDocument/2006/relationships" xmlns:p="http://schemas.openxmlformats.org/presentationml/2006/main">
+  <p:cSld>
+    <p:spTree>
+      <p:nvGrpSpPr>
+        <p:cNvPr id="1" name=""/>
+        <p:cNvGrpSpPr/>
+        <p:nvPr/>
+      </p:nvGrpSpPr>
+      <p:grpSpPr>
+        <a:xfrm>
+          <a:off x="0" y="0"/>
+          <a:ext cx="0" cy="0"/>
+          <a:chOff x="0" y="0"/>
+          <a:chExt cx="0" cy="0"/>
+        </a:xfrm>
+      </p:grpSpPr>
+      <p:sp>
+        <p:nvSpPr>
+          <p:cNvPr id="2" name="Title 1">
+            <a:extLst>
+              <a:ext uri="{FF2B5EF4-FFF2-40B4-BE49-F238E27FC236}">
+                <a16:creationId xmlns:a16="http://schemas.microsoft.com/office/drawing/2014/main" id="{4748DB11-E80E-C6F5-37C9-90094B6A2104}"/>
+              </a:ext>
+            </a:extLst>
+          </p:cNvPr>
+          <p:cNvSpPr>
+            <a:spLocks noGrp="1"/>
+          </p:cNvSpPr>
+          <p:nvPr>
+            <p:ph type="title"/>
+          </p:nvPr>
+        </p:nvSpPr>
+        <p:spPr/>
+        <p:txBody>
+          <a:bodyPr/>
+          <a:lstStyle/>
+          <a:p>
+            <a:r>
+              <a:rPr lang="en-US" dirty="0"/>
+              <a:t>Acknowledgements/References</a:t>
+            </a:r>
+            <a:endParaRPr lang="en-GB" dirty="0"/>
+          </a:p>
+        </p:txBody>
+      </p:sp>
+      <p:sp>
+        <p:nvSpPr>
+          <p:cNvPr id="3" name="Content Placeholder 2">
+            <a:extLst>
+              <a:ext uri="{FF2B5EF4-FFF2-40B4-BE49-F238E27FC236}">
+                <a16:creationId xmlns:a16="http://schemas.microsoft.com/office/drawing/2014/main" id="{7BB16FE4-C9C7-C6EA-E398-B2E01ADD4EB0}"/>
+              </a:ext>
+            </a:extLst>
+          </p:cNvPr>
+          <p:cNvSpPr>
+            <a:spLocks noGrp="1"/>
+          </p:cNvSpPr>
+          <p:nvPr>
+            <p:ph idx="1"/>
+          </p:nvPr>
+        </p:nvSpPr>
+        <p:spPr/>
+        <p:txBody>
+          <a:bodyPr/>
+          <a:lstStyle/>
+          <a:p>
+            <a:pPr>
+              <a:buFont typeface="Wingdings" panose="05000000000000000000" pitchFamily="2" charset="2"/>
+              <a:buChar char="Ø"/>
+            </a:pPr>
+            <a:r>
+              <a:rPr lang="en-US" dirty="0"/>
+              <a:t>The content of this talk + poster is inspired by the notes and recordings of Roland Speicher's graduate course "High Dimensional Analysis: Random Matrices and Machine Learning" (</a:t>
+            </a:r>
+            <a:r>
+              <a:rPr lang="en-US" dirty="0">
+                <a:hlinkClick r:id="rId2"/>
+              </a:rPr>
+              <a:t>https://rolandspeicher.com/lectures/course-on-high-dimensional-analysis-random-matrices-and-machine-learning-summer-term-2023/</a:t>
+            </a:r>
+            <a:r>
+              <a:rPr lang="en-US" dirty="0"/>
+              <a:t>) [1].</a:t>
+            </a:r>
+          </a:p>
+          <a:p>
+            <a:pPr>
+              <a:buFont typeface="Wingdings" panose="05000000000000000000" pitchFamily="2" charset="2"/>
+              <a:buChar char="Ø"/>
+            </a:pPr>
+            <a:r>
+              <a:rPr lang="en-US" dirty="0"/>
+              <a:t>Some of the figures were generated by Fahd Abdelazim from the Ask-JGI data science helpdesk (ask-jgi@bristol.ac.uk) code available on GitHub (</a:t>
+            </a:r>
+            <a:r>
+              <a:rPr lang="en-US" dirty="0">
+                <a:hlinkClick r:id="rId3"/>
+              </a:rPr>
+              <a:t>https://github.com/HuwWDay/BlurseOfDimensionality</a:t>
+            </a:r>
+            <a:r>
+              <a:rPr lang="en-US" dirty="0"/>
+              <a:t>) [2].</a:t>
+            </a:r>
+            <a:endParaRPr lang="en-GB" dirty="0"/>
+          </a:p>
+        </p:txBody>
+      </p:sp>
+    </p:spTree>
+    <p:extLst>
+      <p:ext uri="{BB962C8B-B14F-4D97-AF65-F5344CB8AC3E}">
+        <p14:creationId xmlns:p14="http://schemas.microsoft.com/office/powerpoint/2010/main" val="1199408379"/>
+      </p:ext>
+    </p:extLst>
+  </p:cSld>
+  <p:clrMapOvr>
+    <a:masterClrMapping/>
+  </p:clrMapOvr>
+</p:sld>
+</file>
+
+<file path=ppt/slides/slide15.xml><?xml version="1.0" encoding="utf-8"?>
+<p:sld xmlns:a="http://schemas.openxmlformats.org/drawingml/2006/main" xmlns:r="http://schemas.openxmlformats.org/officeDocument/2006/relationships" xmlns:p="http://schemas.openxmlformats.org/presentationml/2006/main">
+  <p:cSld>
+    <p:spTree>
+      <p:nvGrpSpPr>
+        <p:cNvPr id="1" name=""/>
+        <p:cNvGrpSpPr/>
+        <p:nvPr/>
+      </p:nvGrpSpPr>
+      <p:grpSpPr>
+        <a:xfrm>
+          <a:off x="0" y="0"/>
+          <a:ext cx="0" cy="0"/>
+          <a:chOff x="0" y="0"/>
+          <a:chExt cx="0" cy="0"/>
+        </a:xfrm>
+      </p:grpSpPr>
+      <p:sp>
+        <p:nvSpPr>
+          <p:cNvPr id="2" name="Title 1">
+            <a:extLst>
+              <a:ext uri="{FF2B5EF4-FFF2-40B4-BE49-F238E27FC236}">
+                <a16:creationId xmlns:a16="http://schemas.microsoft.com/office/drawing/2014/main" id="{974957FE-8D12-FE6E-9658-F6B0C21737C7}"/>
+              </a:ext>
+            </a:extLst>
+          </p:cNvPr>
+          <p:cNvSpPr>
+            <a:spLocks noGrp="1"/>
+          </p:cNvSpPr>
+          <p:nvPr>
+            <p:ph type="title"/>
+          </p:nvPr>
+        </p:nvSpPr>
+        <p:spPr>
+          <a:xfrm>
+            <a:off x="838200" y="1983613"/>
+            <a:ext cx="10515600" cy="3063875"/>
+          </a:xfrm>
+        </p:spPr>
+        <p:txBody>
+          <a:bodyPr>
+            <a:normAutofit fontScale="90000"/>
+          </a:bodyPr>
+          <a:lstStyle/>
+          <a:p>
+            <a:pPr algn="ctr"/>
+            <a:r>
+              <a:rPr lang="en-US" dirty="0"/>
+              <a:t>“The literature on machine learning is also in high dimension so you can get lost very easily but there can be some quite nice concentrations if you know where to look.” </a:t>
+            </a:r>
+            <a:br>
+              <a:rPr lang="en-US" dirty="0"/>
+            </a:br>
+            <a:r>
+              <a:rPr lang="en-US" dirty="0"/>
+              <a:t>– Roland Speicher</a:t>
+            </a:r>
+            <a:endParaRPr lang="en-GB" dirty="0"/>
+          </a:p>
+        </p:txBody>
+      </p:sp>
+    </p:spTree>
+    <p:extLst>
+      <p:ext uri="{BB962C8B-B14F-4D97-AF65-F5344CB8AC3E}">
+        <p14:creationId xmlns:p14="http://schemas.microsoft.com/office/powerpoint/2010/main" val="3400924978"/>
+      </p:ext>
+    </p:extLst>
+  </p:cSld>
+  <p:clrMapOvr>
+    <a:masterClrMapping/>
+  </p:clrMapOvr>
+</p:sld>
+</file>
+
+<file path=ppt/slides/slide16.xml><?xml version="1.0" encoding="utf-8"?>
+<p:sld xmlns:a="http://schemas.openxmlformats.org/drawingml/2006/main" xmlns:r="http://schemas.openxmlformats.org/officeDocument/2006/relationships" xmlns:p="http://schemas.openxmlformats.org/presentationml/2006/main" show="0">
+  <p:cSld>
+    <p:spTree>
+      <p:nvGrpSpPr>
+        <p:cNvPr id="1" name=""/>
+        <p:cNvGrpSpPr/>
+        <p:nvPr/>
+      </p:nvGrpSpPr>
+      <p:grpSpPr>
+        <a:xfrm>
+          <a:off x="0" y="0"/>
+          <a:ext cx="0" cy="0"/>
+          <a:chOff x="0" y="0"/>
+          <a:chExt cx="0" cy="0"/>
+        </a:xfrm>
+      </p:grpSpPr>
+      <p:sp>
+        <p:nvSpPr>
+          <p:cNvPr id="2" name="Title 1">
+            <a:extLst>
+              <a:ext uri="{FF2B5EF4-FFF2-40B4-BE49-F238E27FC236}">
+                <a16:creationId xmlns:a16="http://schemas.microsoft.com/office/drawing/2014/main" id="{CEA0422A-8965-FBBA-F3D2-8F276A00DA10}"/>
+              </a:ext>
+            </a:extLst>
+          </p:cNvPr>
+          <p:cNvSpPr>
+            <a:spLocks noGrp="1"/>
+          </p:cNvSpPr>
+          <p:nvPr>
+            <p:ph type="title"/>
+          </p:nvPr>
+        </p:nvSpPr>
+        <p:spPr/>
+        <p:txBody>
+          <a:bodyPr>
+            <a:normAutofit/>
+          </a:bodyPr>
+          <a:lstStyle/>
+          <a:p>
+            <a:r>
+              <a:rPr lang="en-US" sz="3000" dirty="0"/>
+              <a:t>Any two vectors in the hypersphere are almost orthogonal</a:t>
+            </a:r>
+            <a:endParaRPr lang="en-GB" sz="3000" dirty="0"/>
+          </a:p>
+        </p:txBody>
+      </p:sp>
+      <p:pic>
+        <p:nvPicPr>
+          <p:cNvPr id="4" name="Picture 3">
+            <a:extLst>
+              <a:ext uri="{FF2B5EF4-FFF2-40B4-BE49-F238E27FC236}">
+                <a16:creationId xmlns:a16="http://schemas.microsoft.com/office/drawing/2014/main" id="{CA71C277-DB67-1D07-AD19-FB3D35BC9ABA}"/>
+              </a:ext>
+            </a:extLst>
+          </p:cNvPr>
+          <p:cNvPicPr>
+            <a:picLocks noChangeAspect="1"/>
+          </p:cNvPicPr>
+          <p:nvPr/>
+        </p:nvPicPr>
+        <p:blipFill>
+          <a:blip r:embed="rId2"/>
+          <a:stretch>
+            <a:fillRect/>
+          </a:stretch>
+        </p:blipFill>
+        <p:spPr>
+          <a:xfrm>
+            <a:off x="1742467" y="1455838"/>
+            <a:ext cx="8707065" cy="1790950"/>
+          </a:xfrm>
+          <a:prstGeom prst="rect">
+            <a:avLst/>
+          </a:prstGeom>
+        </p:spPr>
+      </p:pic>
+      <p:pic>
+        <p:nvPicPr>
+          <p:cNvPr id="8" name="Picture 7">
+            <a:extLst>
+              <a:ext uri="{FF2B5EF4-FFF2-40B4-BE49-F238E27FC236}">
+                <a16:creationId xmlns:a16="http://schemas.microsoft.com/office/drawing/2014/main" id="{E8E7FB03-9B22-E082-4ACD-A3907FEA0300}"/>
+              </a:ext>
+            </a:extLst>
+          </p:cNvPr>
+          <p:cNvPicPr>
+            <a:picLocks noChangeAspect="1"/>
+          </p:cNvPicPr>
+          <p:nvPr/>
+        </p:nvPicPr>
+        <p:blipFill>
+          <a:blip r:embed="rId3"/>
+          <a:stretch>
+            <a:fillRect/>
+          </a:stretch>
+        </p:blipFill>
+        <p:spPr>
+          <a:xfrm>
+            <a:off x="1799624" y="3990862"/>
+            <a:ext cx="8592749" cy="1619476"/>
+          </a:xfrm>
+          <a:prstGeom prst="rect">
+            <a:avLst/>
+          </a:prstGeom>
+        </p:spPr>
+      </p:pic>
+    </p:spTree>
+    <p:extLst>
+      <p:ext uri="{BB962C8B-B14F-4D97-AF65-F5344CB8AC3E}">
+        <p14:creationId xmlns:p14="http://schemas.microsoft.com/office/powerpoint/2010/main" val="882326282"/>
+      </p:ext>
+    </p:extLst>
+  </p:cSld>
+  <p:clrMapOvr>
+    <a:masterClrMapping/>
+  </p:clrMapOvr>
+  <p:timing>
+    <p:tnLst>
+      <p:par>
+        <p:cTn id="1" dur="indefinite" restart="never" nodeType="tmRoot">
+          <p:childTnLst>
+            <p:seq concurrent="1" nextAc="seek">
+              <p:cTn id="2" dur="indefinite" nodeType="mainSeq">
+                <p:childTnLst>
+                  <p:par>
+                    <p:cTn id="3" fill="hold">
+                      <p:stCondLst>
+                        <p:cond delay="indefinite"/>
+                      </p:stCondLst>
+                      <p:childTnLst>
+                        <p:par>
+                          <p:cTn id="4" fill="hold">
+                            <p:stCondLst>
+                              <p:cond delay="0"/>
+                            </p:stCondLst>
+                            <p:childTnLst>
+                              <p:par>
+                                <p:cTn id="5" presetID="2" presetClass="entr" presetSubtype="4" fill="hold" nodeType="clickEffect">
+                                  <p:stCondLst>
+                                    <p:cond delay="0"/>
+                                  </p:stCondLst>
+                                  <p:childTnLst>
+                                    <p:set>
+                                      <p:cBhvr>
+                                        <p:cTn id="6" dur="1" fill="hold">
+                                          <p:stCondLst>
+                                            <p:cond delay="0"/>
+                                          </p:stCondLst>
+                                        </p:cTn>
+                                        <p:tgtEl>
+                                          <p:spTgt spid="4"/>
+                                        </p:tgtEl>
+                                        <p:attrNameLst>
+                                          <p:attrName>style.visibility</p:attrName>
+                                        </p:attrNameLst>
+                                      </p:cBhvr>
+                                      <p:to>
+                                        <p:strVal val="visible"/>
+                                      </p:to>
+                                    </p:set>
+                                    <p:anim calcmode="lin" valueType="num">
+                                      <p:cBhvr additive="base">
+                                        <p:cTn id="7" dur="500" fill="hold"/>
+                                        <p:tgtEl>
+                                          <p:spTgt spid="4"/>
+                                        </p:tgtEl>
+                                        <p:attrNameLst>
+                                          <p:attrName>ppt_x</p:attrName>
+                                        </p:attrNameLst>
+                                      </p:cBhvr>
+                                      <p:tavLst>
+                                        <p:tav tm="0">
+                                          <p:val>
+                                            <p:strVal val="#ppt_x"/>
+                                          </p:val>
+                                        </p:tav>
+                                        <p:tav tm="100000">
+                                          <p:val>
+                                            <p:strVal val="#ppt_x"/>
+                                          </p:val>
+                                        </p:tav>
+                                      </p:tavLst>
+                                    </p:anim>
+                                    <p:anim calcmode="lin" valueType="num">
+                                      <p:cBhvr additive="base">
+                                        <p:cTn id="8" dur="500" fill="hold"/>
+                                        <p:tgtEl>
+                                          <p:spTgt spid="4"/>
+                                        </p:tgtEl>
+                                        <p:attrNameLst>
+                                          <p:attrName>ppt_y</p:attrName>
+                                        </p:attrNameLst>
+                                      </p:cBhvr>
+                                      <p:tavLst>
+                                        <p:tav tm="0">
+                                          <p:val>
+                                            <p:strVal val="1+#ppt_h/2"/>
+                                          </p:val>
+                                        </p:tav>
+                                        <p:tav tm="100000">
+                                          <p:val>
+                                            <p:strVal val="#ppt_y"/>
+                                          </p:val>
+                                        </p:tav>
+                                      </p:tavLst>
+                                    </p:anim>
+                                  </p:childTnLst>
+                                </p:cTn>
+                              </p:par>
+                            </p:childTnLst>
+                          </p:cTn>
+                        </p:par>
+                      </p:childTnLst>
+                    </p:cTn>
+                  </p:par>
+                  <p:par>
+                    <p:cTn id="9" fill="hold">
+                      <p:stCondLst>
+                        <p:cond delay="indefinite"/>
+                      </p:stCondLst>
+                      <p:childTnLst>
+                        <p:par>
+                          <p:cTn id="10" fill="hold">
+                            <p:stCondLst>
+                              <p:cond delay="0"/>
+                            </p:stCondLst>
+                            <p:childTnLst>
+                              <p:par>
+                                <p:cTn id="11" presetID="2" presetClass="entr" presetSubtype="4" fill="hold" nodeType="clickEffect">
+                                  <p:stCondLst>
+                                    <p:cond delay="0"/>
+                                  </p:stCondLst>
+                                  <p:childTnLst>
+                                    <p:set>
+                                      <p:cBhvr>
+                                        <p:cTn id="12" dur="1" fill="hold">
+                                          <p:stCondLst>
+                                            <p:cond delay="0"/>
+                                          </p:stCondLst>
+                                        </p:cTn>
+                                        <p:tgtEl>
+                                          <p:spTgt spid="8"/>
+                                        </p:tgtEl>
+                                        <p:attrNameLst>
+                                          <p:attrName>style.visibility</p:attrName>
+                                        </p:attrNameLst>
+                                      </p:cBhvr>
+                                      <p:to>
+                                        <p:strVal val="visible"/>
+                                      </p:to>
+                                    </p:set>
+                                    <p:anim calcmode="lin" valueType="num">
+                                      <p:cBhvr additive="base">
+                                        <p:cTn id="13" dur="500" fill="hold"/>
+                                        <p:tgtEl>
+                                          <p:spTgt spid="8"/>
+                                        </p:tgtEl>
+                                        <p:attrNameLst>
+                                          <p:attrName>ppt_x</p:attrName>
+                                        </p:attrNameLst>
+                                      </p:cBhvr>
+                                      <p:tavLst>
+                                        <p:tav tm="0">
+                                          <p:val>
+                                            <p:strVal val="#ppt_x"/>
+                                          </p:val>
+                                        </p:tav>
+                                        <p:tav tm="100000">
+                                          <p:val>
+                                            <p:strVal val="#ppt_x"/>
+                                          </p:val>
+                                        </p:tav>
+                                      </p:tavLst>
+                                    </p:anim>
+                                    <p:anim calcmode="lin" valueType="num">
+                                      <p:cBhvr additive="base">
+                                        <p:cTn id="14" dur="500" fill="hold"/>
+                                        <p:tgtEl>
+                                          <p:spTgt spid="8"/>
+                                        </p:tgtEl>
+                                        <p:attrNameLst>
+                                          <p:attrName>ppt_y</p:attrName>
+                                        </p:attrNameLst>
+                                      </p:cBhvr>
+                                      <p:tavLst>
+                                        <p:tav tm="0">
+                                          <p:val>
+                                            <p:strVal val="1+#ppt_h/2"/>
+                                          </p:val>
+                                        </p:tav>
+                                        <p:tav tm="100000">
+                                          <p:val>
+                                            <p:strVal val="#ppt_y"/>
+                                          </p:val>
+                                        </p:tav>
+                                      </p:tavLst>
+                                    </p:anim>
+                                  </p:childTnLst>
+                                </p:cTn>
+                              </p:par>
+                            </p:childTnLst>
+                          </p:cTn>
+                        </p:par>
+                      </p:childTnLst>
+                    </p:cTn>
+                  </p:par>
+                </p:childTnLst>
+              </p:cTn>
+              <p:prevCondLst>
+                <p:cond evt="onPrev" delay="0">
+                  <p:tgtEl>
+                    <p:sldTgt/>
+                  </p:tgtEl>
+                </p:cond>
+              </p:prevCondLst>
+              <p:nextCondLst>
+                <p:cond evt="onNext" delay="0">
+                  <p:tgtEl>
+                    <p:sldTgt/>
+                  </p:tgtEl>
+                </p:cond>
+              </p:nextCondLst>
+            </p:seq>
+          </p:childTnLst>
+        </p:cTn>
+      </p:par>
+    </p:tnLst>
+  </p:timing>
+</p:sld>
+</file>
+
+<file path=ppt/slides/slide17.xml><?xml version="1.0" encoding="utf-8"?>
+<p:sld xmlns:a="http://schemas.openxmlformats.org/drawingml/2006/main" xmlns:r="http://schemas.openxmlformats.org/officeDocument/2006/relationships" xmlns:p="http://schemas.openxmlformats.org/presentationml/2006/main" show="0">
+  <p:cSld>
+    <p:spTree>
+      <p:nvGrpSpPr>
+        <p:cNvPr id="1" name=""/>
+        <p:cNvGrpSpPr/>
+        <p:nvPr/>
+      </p:nvGrpSpPr>
+      <p:grpSpPr>
+        <a:xfrm>
+          <a:off x="0" y="0"/>
+          <a:ext cx="0" cy="0"/>
+          <a:chOff x="0" y="0"/>
+          <a:chExt cx="0" cy="0"/>
+        </a:xfrm>
+      </p:grpSpPr>
+      <p:sp>
+        <p:nvSpPr>
+          <p:cNvPr id="2" name="Title 1">
+            <a:extLst>
+              <a:ext uri="{FF2B5EF4-FFF2-40B4-BE49-F238E27FC236}">
+                <a16:creationId xmlns:a16="http://schemas.microsoft.com/office/drawing/2014/main" id="{7DA2998D-B6F5-31E6-6F5F-160021D80AF0}"/>
+              </a:ext>
+            </a:extLst>
+          </p:cNvPr>
+          <p:cNvSpPr>
+            <a:spLocks noGrp="1"/>
+          </p:cNvSpPr>
+          <p:nvPr>
+            <p:ph type="title"/>
+          </p:nvPr>
+        </p:nvSpPr>
+        <p:spPr/>
+        <p:txBody>
+          <a:bodyPr/>
+          <a:lstStyle/>
+          <a:p>
+            <a:endParaRPr lang="en-GB"/>
+          </a:p>
+        </p:txBody>
+      </p:sp>
+      <p:sp>
+        <p:nvSpPr>
+          <p:cNvPr id="3" name="Content Placeholder 2">
+            <a:extLst>
+              <a:ext uri="{FF2B5EF4-FFF2-40B4-BE49-F238E27FC236}">
+                <a16:creationId xmlns:a16="http://schemas.microsoft.com/office/drawing/2014/main" id="{C50536C5-2E7C-0200-3627-FCE3E9C04E37}"/>
+              </a:ext>
+            </a:extLst>
+          </p:cNvPr>
+          <p:cNvSpPr>
+            <a:spLocks noGrp="1"/>
+          </p:cNvSpPr>
+          <p:nvPr>
+            <p:ph idx="1"/>
+          </p:nvPr>
+        </p:nvSpPr>
+        <p:spPr/>
+        <p:txBody>
+          <a:bodyPr/>
+          <a:lstStyle/>
+          <a:p>
+            <a:endParaRPr lang="en-GB"/>
+          </a:p>
+        </p:txBody>
+      </p:sp>
+      <p:pic>
+        <p:nvPicPr>
+          <p:cNvPr id="5" name="Picture 4">
+            <a:extLst>
+              <a:ext uri="{FF2B5EF4-FFF2-40B4-BE49-F238E27FC236}">
+                <a16:creationId xmlns:a16="http://schemas.microsoft.com/office/drawing/2014/main" id="{297752E0-90DE-3DD9-2DC8-AB8017169E81}"/>
+              </a:ext>
+            </a:extLst>
+          </p:cNvPr>
+          <p:cNvPicPr>
+            <a:picLocks noChangeAspect="1"/>
+          </p:cNvPicPr>
+          <p:nvPr/>
+        </p:nvPicPr>
+        <p:blipFill>
+          <a:blip r:embed="rId2"/>
+          <a:stretch>
+            <a:fillRect/>
+          </a:stretch>
+        </p:blipFill>
+        <p:spPr>
+          <a:xfrm>
+            <a:off x="1794862" y="735466"/>
+            <a:ext cx="8602275" cy="1333686"/>
+          </a:xfrm>
+          <a:prstGeom prst="rect">
+            <a:avLst/>
+          </a:prstGeom>
+        </p:spPr>
+      </p:pic>
+      <p:pic>
+        <p:nvPicPr>
+          <p:cNvPr id="7" name="Picture 6">
+            <a:extLst>
+              <a:ext uri="{FF2B5EF4-FFF2-40B4-BE49-F238E27FC236}">
+                <a16:creationId xmlns:a16="http://schemas.microsoft.com/office/drawing/2014/main" id="{629ADC77-A039-C13F-65B5-EF439AC1705B}"/>
+              </a:ext>
+            </a:extLst>
+          </p:cNvPr>
+          <p:cNvPicPr>
+            <a:picLocks noChangeAspect="1"/>
+          </p:cNvPicPr>
+          <p:nvPr/>
+        </p:nvPicPr>
+        <p:blipFill>
+          <a:blip r:embed="rId3"/>
+          <a:stretch>
+            <a:fillRect/>
+          </a:stretch>
+        </p:blipFill>
+        <p:spPr>
+          <a:xfrm>
+            <a:off x="1771045" y="2439493"/>
+            <a:ext cx="8649907" cy="2105319"/>
+          </a:xfrm>
+          <a:prstGeom prst="rect">
+            <a:avLst/>
+          </a:prstGeom>
+        </p:spPr>
+      </p:pic>
+      <p:pic>
+        <p:nvPicPr>
+          <p:cNvPr id="9" name="Picture 8">
+            <a:extLst>
+              <a:ext uri="{FF2B5EF4-FFF2-40B4-BE49-F238E27FC236}">
+                <a16:creationId xmlns:a16="http://schemas.microsoft.com/office/drawing/2014/main" id="{CDD663EB-4D82-C3B0-D25F-644A0E72975F}"/>
+              </a:ext>
+            </a:extLst>
+          </p:cNvPr>
+          <p:cNvPicPr>
+            <a:picLocks noChangeAspect="1"/>
+          </p:cNvPicPr>
+          <p:nvPr/>
+        </p:nvPicPr>
+        <p:blipFill>
+          <a:blip r:embed="rId4"/>
+          <a:stretch>
+            <a:fillRect/>
+          </a:stretch>
+        </p:blipFill>
+        <p:spPr>
+          <a:xfrm>
+            <a:off x="1780571" y="4915153"/>
+            <a:ext cx="8640381" cy="1848108"/>
+          </a:xfrm>
+          <a:prstGeom prst="rect">
+            <a:avLst/>
+          </a:prstGeom>
+        </p:spPr>
+      </p:pic>
+    </p:spTree>
+    <p:extLst>
+      <p:ext uri="{BB962C8B-B14F-4D97-AF65-F5344CB8AC3E}">
+        <p14:creationId xmlns:p14="http://schemas.microsoft.com/office/powerpoint/2010/main" val="1528494668"/>
+      </p:ext>
+    </p:extLst>
+  </p:cSld>
+  <p:clrMapOvr>
+    <a:masterClrMapping/>
+  </p:clrMapOvr>
+  <p:timing>
+    <p:tnLst>
+      <p:par>
+        <p:cTn id="1" dur="indefinite" restart="never" nodeType="tmRoot">
+          <p:childTnLst>
+            <p:seq concurrent="1" nextAc="seek">
+              <p:cTn id="2" dur="indefinite" nodeType="mainSeq">
+                <p:childTnLst>
+                  <p:par>
+                    <p:cTn id="3" fill="hold">
+                      <p:stCondLst>
+                        <p:cond delay="indefinite"/>
+                      </p:stCondLst>
+                      <p:childTnLst>
+                        <p:par>
+                          <p:cTn id="4" fill="hold">
+                            <p:stCondLst>
+                              <p:cond delay="0"/>
+                            </p:stCondLst>
+                            <p:childTnLst>
+                              <p:par>
+                                <p:cTn id="5" presetID="2" presetClass="entr" presetSubtype="4" fill="hold" nodeType="clickEffect">
+                                  <p:stCondLst>
+                                    <p:cond delay="0"/>
+                                  </p:stCondLst>
+                                  <p:childTnLst>
+                                    <p:set>
+                                      <p:cBhvr>
+                                        <p:cTn id="6" dur="1" fill="hold">
+                                          <p:stCondLst>
+                                            <p:cond delay="0"/>
+                                          </p:stCondLst>
+                                        </p:cTn>
+                                        <p:tgtEl>
+                                          <p:spTgt spid="5"/>
+                                        </p:tgtEl>
+                                        <p:attrNameLst>
+                                          <p:attrName>style.visibility</p:attrName>
+                                        </p:attrNameLst>
+                                      </p:cBhvr>
+                                      <p:to>
+                                        <p:strVal val="visible"/>
+                                      </p:to>
+                                    </p:set>
+                                    <p:anim calcmode="lin" valueType="num">
+                                      <p:cBhvr additive="base">
+                                        <p:cTn id="7" dur="500" fill="hold"/>
+                                        <p:tgtEl>
+                                          <p:spTgt spid="5"/>
+                                        </p:tgtEl>
+                                        <p:attrNameLst>
+                                          <p:attrName>ppt_x</p:attrName>
+                                        </p:attrNameLst>
+                                      </p:cBhvr>
+                                      <p:tavLst>
+                                        <p:tav tm="0">
+                                          <p:val>
+                                            <p:strVal val="#ppt_x"/>
+                                          </p:val>
+                                        </p:tav>
+                                        <p:tav tm="100000">
+                                          <p:val>
+                                            <p:strVal val="#ppt_x"/>
+                                          </p:val>
+                                        </p:tav>
+                                      </p:tavLst>
+                                    </p:anim>
+                                    <p:anim calcmode="lin" valueType="num">
+                                      <p:cBhvr additive="base">
+                                        <p:cTn id="8" dur="500" fill="hold"/>
+                                        <p:tgtEl>
+                                          <p:spTgt spid="5"/>
+                                        </p:tgtEl>
+                                        <p:attrNameLst>
+                                          <p:attrName>ppt_y</p:attrName>
+                                        </p:attrNameLst>
+                                      </p:cBhvr>
+                                      <p:tavLst>
+                                        <p:tav tm="0">
+                                          <p:val>
+                                            <p:strVal val="1+#ppt_h/2"/>
+                                          </p:val>
+                                        </p:tav>
+                                        <p:tav tm="100000">
+                                          <p:val>
+                                            <p:strVal val="#ppt_y"/>
+                                          </p:val>
+                                        </p:tav>
+                                      </p:tavLst>
+                                    </p:anim>
+                                  </p:childTnLst>
+                                </p:cTn>
+                              </p:par>
+                            </p:childTnLst>
+                          </p:cTn>
+                        </p:par>
+                      </p:childTnLst>
+                    </p:cTn>
+                  </p:par>
+                  <p:par>
+                    <p:cTn id="9" fill="hold">
+                      <p:stCondLst>
+                        <p:cond delay="indefinite"/>
+                      </p:stCondLst>
+                      <p:childTnLst>
+                        <p:par>
+                          <p:cTn id="10" fill="hold">
+                            <p:stCondLst>
+                              <p:cond delay="0"/>
+                            </p:stCondLst>
+                            <p:childTnLst>
+                              <p:par>
+                                <p:cTn id="11" presetID="2" presetClass="entr" presetSubtype="4" fill="hold" nodeType="clickEffect">
+                                  <p:stCondLst>
+                                    <p:cond delay="0"/>
+                                  </p:stCondLst>
+                                  <p:childTnLst>
+                                    <p:set>
+                                      <p:cBhvr>
+                                        <p:cTn id="12" dur="1" fill="hold">
+                                          <p:stCondLst>
+                                            <p:cond delay="0"/>
+                                          </p:stCondLst>
+                                        </p:cTn>
+                                        <p:tgtEl>
+                                          <p:spTgt spid="7"/>
+                                        </p:tgtEl>
+                                        <p:attrNameLst>
+                                          <p:attrName>style.visibility</p:attrName>
+                                        </p:attrNameLst>
+                                      </p:cBhvr>
+                                      <p:to>
+                                        <p:strVal val="visible"/>
+                                      </p:to>
+                                    </p:set>
+                                    <p:anim calcmode="lin" valueType="num">
+                                      <p:cBhvr additive="base">
+                                        <p:cTn id="13" dur="500" fill="hold"/>
+                                        <p:tgtEl>
+                                          <p:spTgt spid="7"/>
+                                        </p:tgtEl>
+                                        <p:attrNameLst>
+                                          <p:attrName>ppt_x</p:attrName>
+                                        </p:attrNameLst>
+                                      </p:cBhvr>
+                                      <p:tavLst>
+                                        <p:tav tm="0">
+                                          <p:val>
+                                            <p:strVal val="#ppt_x"/>
+                                          </p:val>
+                                        </p:tav>
+                                        <p:tav tm="100000">
+                                          <p:val>
+                                            <p:strVal val="#ppt_x"/>
+                                          </p:val>
+                                        </p:tav>
+                                      </p:tavLst>
+                                    </p:anim>
+                                    <p:anim calcmode="lin" valueType="num">
+                                      <p:cBhvr additive="base">
+                                        <p:cTn id="14" dur="500" fill="hold"/>
+                                        <p:tgtEl>
+                                          <p:spTgt spid="7"/>
+                                        </p:tgtEl>
+                                        <p:attrNameLst>
+                                          <p:attrName>ppt_y</p:attrName>
+                                        </p:attrNameLst>
+                                      </p:cBhvr>
+                                      <p:tavLst>
+                                        <p:tav tm="0">
+                                          <p:val>
+                                            <p:strVal val="1+#ppt_h/2"/>
+                                          </p:val>
+                                        </p:tav>
+                                        <p:tav tm="100000">
+                                          <p:val>
+                                            <p:strVal val="#ppt_y"/>
+                                          </p:val>
+                                        </p:tav>
+                                      </p:tavLst>
+                                    </p:anim>
+                                  </p:childTnLst>
+                                </p:cTn>
+                              </p:par>
+                            </p:childTnLst>
+                          </p:cTn>
+                        </p:par>
+                      </p:childTnLst>
+                    </p:cTn>
+                  </p:par>
+                  <p:par>
+                    <p:cTn id="15" fill="hold">
+                      <p:stCondLst>
+                        <p:cond delay="indefinite"/>
+                      </p:stCondLst>
+                      <p:childTnLst>
+                        <p:par>
+                          <p:cTn id="16" fill="hold">
+                            <p:stCondLst>
+                              <p:cond delay="0"/>
+                            </p:stCondLst>
+                            <p:childTnLst>
+                              <p:par>
+                                <p:cTn id="17" presetID="2" presetClass="entr" presetSubtype="4" fill="hold" nodeType="clickEffect">
+                                  <p:stCondLst>
+                                    <p:cond delay="0"/>
+                                  </p:stCondLst>
+                                  <p:childTnLst>
+                                    <p:set>
+                                      <p:cBhvr>
+                                        <p:cTn id="18" dur="1" fill="hold">
+                                          <p:stCondLst>
+                                            <p:cond delay="0"/>
+                                          </p:stCondLst>
+                                        </p:cTn>
+                                        <p:tgtEl>
+                                          <p:spTgt spid="9"/>
+                                        </p:tgtEl>
+                                        <p:attrNameLst>
+                                          <p:attrName>style.visibility</p:attrName>
+                                        </p:attrNameLst>
+                                      </p:cBhvr>
+                                      <p:to>
+                                        <p:strVal val="visible"/>
+                                      </p:to>
+                                    </p:set>
+                                    <p:anim calcmode="lin" valueType="num">
+                                      <p:cBhvr additive="base">
+                                        <p:cTn id="19" dur="500" fill="hold"/>
+                                        <p:tgtEl>
+                                          <p:spTgt spid="9"/>
+                                        </p:tgtEl>
+                                        <p:attrNameLst>
+                                          <p:attrName>ppt_x</p:attrName>
+                                        </p:attrNameLst>
+                                      </p:cBhvr>
+                                      <p:tavLst>
+                                        <p:tav tm="0">
+                                          <p:val>
+                                            <p:strVal val="#ppt_x"/>
+                                          </p:val>
+                                        </p:tav>
+                                        <p:tav tm="100000">
+                                          <p:val>
+                                            <p:strVal val="#ppt_x"/>
+                                          </p:val>
+                                        </p:tav>
+                                      </p:tavLst>
+                                    </p:anim>
+                                    <p:anim calcmode="lin" valueType="num">
+                                      <p:cBhvr additive="base">
+                                        <p:cTn id="20" dur="500" fill="hold"/>
+                                        <p:tgtEl>
+                                          <p:spTgt spid="9"/>
+                                        </p:tgtEl>
+                                        <p:attrNameLst>
+                                          <p:attrName>ppt_y</p:attrName>
+                                        </p:attrNameLst>
+                                      </p:cBhvr>
+                                      <p:tavLst>
+                                        <p:tav tm="0">
+                                          <p:val>
+                                            <p:strVal val="1+#ppt_h/2"/>
+                                          </p:val>
+                                        </p:tav>
+                                        <p:tav tm="100000">
+                                          <p:val>
+                                            <p:strVal val="#ppt_y"/>
+                                          </p:val>
+                                        </p:tav>
+                                      </p:tavLst>
+                                    </p:anim>
+                                  </p:childTnLst>
+                                </p:cTn>
+                              </p:par>
+                            </p:childTnLst>
+                          </p:cTn>
+                        </p:par>
+                      </p:childTnLst>
+                    </p:cTn>
+                  </p:par>
+                </p:childTnLst>
+              </p:cTn>
+              <p:prevCondLst>
+                <p:cond evt="onPrev" delay="0">
+                  <p:tgtEl>
+                    <p:sldTgt/>
+                  </p:tgtEl>
+                </p:cond>
+              </p:prevCondLst>
+              <p:nextCondLst>
+                <p:cond evt="onNext" delay="0">
+                  <p:tgtEl>
+                    <p:sldTgt/>
+                  </p:tgtEl>
+                </p:cond>
+              </p:nextCondLst>
+            </p:seq>
+          </p:childTnLst>
+        </p:cTn>
+      </p:par>
+    </p:tnLst>
+  </p:timing>
+</p:sld>
+</file>
+
+<file path=ppt/slides/slide18.xml><?xml version="1.0" encoding="utf-8"?>
 <p:sld xmlns:a="http://schemas.openxmlformats.org/drawingml/2006/main" xmlns:r="http://schemas.openxmlformats.org/officeDocument/2006/relationships" xmlns:p="http://schemas.openxmlformats.org/presentationml/2006/main" show="0">
   <p:cSld>
     <p:spTree>
@@ -4495,7 +7177,7 @@
 </p:sld>
 </file>
 
-<file path=ppt/slides/slide11.xml><?xml version="1.0" encoding="utf-8"?>
+<file path=ppt/slides/slide2.xml><?xml version="1.0" encoding="utf-8"?>
 <p:sld xmlns:a="http://schemas.openxmlformats.org/drawingml/2006/main" xmlns:r="http://schemas.openxmlformats.org/officeDocument/2006/relationships" xmlns:p="http://schemas.openxmlformats.org/presentationml/2006/main">
   <p:cSld>
     <p:spTree>
@@ -4517,7 +7199,7 @@
           <p:cNvPr id="2" name="Title 1">
             <a:extLst>
               <a:ext uri="{FF2B5EF4-FFF2-40B4-BE49-F238E27FC236}">
-                <a16:creationId xmlns:a16="http://schemas.microsoft.com/office/drawing/2014/main" id="{002601C6-8893-381A-2D87-3D711706E700}"/>
+                <a16:creationId xmlns:a16="http://schemas.microsoft.com/office/drawing/2014/main" id="{11D592E6-2C26-7A29-9941-BAC446F11E21}"/>
               </a:ext>
             </a:extLst>
           </p:cNvPr>
@@ -4535,7 +7217,7 @@
           <a:p>
             <a:r>
               <a:rPr lang="en-US" dirty="0"/>
-              <a:t>Blessing or Curse?</a:t>
+              <a:t>Questions I’m cursed to answer:</a:t>
             </a:r>
             <a:endParaRPr lang="en-GB" dirty="0"/>
           </a:p>
@@ -4546,7 +7228,7 @@
           <p:cNvPr id="3" name="Content Placeholder 2">
             <a:extLst>
               <a:ext uri="{FF2B5EF4-FFF2-40B4-BE49-F238E27FC236}">
-                <a16:creationId xmlns:a16="http://schemas.microsoft.com/office/drawing/2014/main" id="{3F02C162-0B2B-B969-8C35-CCA06CBBDFEF}"/>
+                <a16:creationId xmlns:a16="http://schemas.microsoft.com/office/drawing/2014/main" id="{28ED0E88-4F90-A23B-4D73-1275036FABFD}"/>
               </a:ext>
             </a:extLst>
           </p:cNvPr>
@@ -4568,7 +7250,7 @@
             </a:pPr>
             <a:r>
               <a:rPr lang="en-US" dirty="0"/>
-              <a:t>Data gets sparse and it becomes increasingly difficult to sample the densities of distributions in high dimensions. </a:t>
+              <a:t>Can you code this for me in MATLAB/Excel/STATA?</a:t>
             </a:r>
           </a:p>
           <a:p>
@@ -4578,7 +7260,17 @@
             </a:pPr>
             <a:r>
               <a:rPr lang="en-US" dirty="0"/>
-              <a:t>Many random vectors and random matrices behave close to deterministically, making it much more routine to sample smooth, 1 dimensional functions of high dimensional vectors.</a:t>
+              <a:t>Can I use AI to do ____?</a:t>
+            </a:r>
+          </a:p>
+          <a:p>
+            <a:pPr>
+              <a:buFont typeface="Wingdings" panose="05000000000000000000" pitchFamily="2" charset="2"/>
+              <a:buChar char="Ø"/>
+            </a:pPr>
+            <a:r>
+              <a:rPr lang="en-US" dirty="0"/>
+              <a:t>Our ML model isn’t working very well, can’t we just give it more features?</a:t>
             </a:r>
           </a:p>
           <a:p>
@@ -4593,206 +7285,356 @@
     </p:spTree>
     <p:extLst>
       <p:ext uri="{BB962C8B-B14F-4D97-AF65-F5344CB8AC3E}">
-        <p14:creationId xmlns:p14="http://schemas.microsoft.com/office/powerpoint/2010/main" val="2752824070"/>
+        <p14:creationId xmlns:p14="http://schemas.microsoft.com/office/powerpoint/2010/main" val="733233546"/>
       </p:ext>
     </p:extLst>
   </p:cSld>
   <p:clrMapOvr>
     <a:masterClrMapping/>
   </p:clrMapOvr>
+  <p:timing>
+    <p:tnLst>
+      <p:par>
+        <p:cTn id="1" dur="indefinite" restart="never" nodeType="tmRoot">
+          <p:childTnLst>
+            <p:seq concurrent="1" nextAc="seek">
+              <p:cTn id="2" dur="indefinite" nodeType="mainSeq">
+                <p:childTnLst>
+                  <p:par>
+                    <p:cTn id="3" fill="hold">
+                      <p:stCondLst>
+                        <p:cond delay="indefinite"/>
+                      </p:stCondLst>
+                      <p:childTnLst>
+                        <p:par>
+                          <p:cTn id="4" fill="hold">
+                            <p:stCondLst>
+                              <p:cond delay="0"/>
+                            </p:stCondLst>
+                            <p:childTnLst>
+                              <p:par>
+                                <p:cTn id="5" presetID="2" presetClass="entr" presetSubtype="4" fill="hold" nodeType="clickEffect">
+                                  <p:stCondLst>
+                                    <p:cond delay="0"/>
+                                  </p:stCondLst>
+                                  <p:childTnLst>
+                                    <p:set>
+                                      <p:cBhvr>
+                                        <p:cTn id="6" dur="1" fill="hold">
+                                          <p:stCondLst>
+                                            <p:cond delay="0"/>
+                                          </p:stCondLst>
+                                        </p:cTn>
+                                        <p:tgtEl>
+                                          <p:spTgt spid="3">
+                                            <p:txEl>
+                                              <p:pRg st="0" end="0"/>
+                                            </p:txEl>
+                                          </p:spTgt>
+                                        </p:tgtEl>
+                                        <p:attrNameLst>
+                                          <p:attrName>style.visibility</p:attrName>
+                                        </p:attrNameLst>
+                                      </p:cBhvr>
+                                      <p:to>
+                                        <p:strVal val="visible"/>
+                                      </p:to>
+                                    </p:set>
+                                    <p:anim calcmode="lin" valueType="num">
+                                      <p:cBhvr additive="base">
+                                        <p:cTn id="7" dur="500" fill="hold"/>
+                                        <p:tgtEl>
+                                          <p:spTgt spid="3">
+                                            <p:txEl>
+                                              <p:pRg st="0" end="0"/>
+                                            </p:txEl>
+                                          </p:spTgt>
+                                        </p:tgtEl>
+                                        <p:attrNameLst>
+                                          <p:attrName>ppt_x</p:attrName>
+                                        </p:attrNameLst>
+                                      </p:cBhvr>
+                                      <p:tavLst>
+                                        <p:tav tm="0">
+                                          <p:val>
+                                            <p:strVal val="#ppt_x"/>
+                                          </p:val>
+                                        </p:tav>
+                                        <p:tav tm="100000">
+                                          <p:val>
+                                            <p:strVal val="#ppt_x"/>
+                                          </p:val>
+                                        </p:tav>
+                                      </p:tavLst>
+                                    </p:anim>
+                                    <p:anim calcmode="lin" valueType="num">
+                                      <p:cBhvr additive="base">
+                                        <p:cTn id="8" dur="500" fill="hold"/>
+                                        <p:tgtEl>
+                                          <p:spTgt spid="3">
+                                            <p:txEl>
+                                              <p:pRg st="0" end="0"/>
+                                            </p:txEl>
+                                          </p:spTgt>
+                                        </p:tgtEl>
+                                        <p:attrNameLst>
+                                          <p:attrName>ppt_y</p:attrName>
+                                        </p:attrNameLst>
+                                      </p:cBhvr>
+                                      <p:tavLst>
+                                        <p:tav tm="0">
+                                          <p:val>
+                                            <p:strVal val="1+#ppt_h/2"/>
+                                          </p:val>
+                                        </p:tav>
+                                        <p:tav tm="100000">
+                                          <p:val>
+                                            <p:strVal val="#ppt_y"/>
+                                          </p:val>
+                                        </p:tav>
+                                      </p:tavLst>
+                                    </p:anim>
+                                  </p:childTnLst>
+                                </p:cTn>
+                              </p:par>
+                            </p:childTnLst>
+                          </p:cTn>
+                        </p:par>
+                      </p:childTnLst>
+                    </p:cTn>
+                  </p:par>
+                  <p:par>
+                    <p:cTn id="9" fill="hold">
+                      <p:stCondLst>
+                        <p:cond delay="indefinite"/>
+                      </p:stCondLst>
+                      <p:childTnLst>
+                        <p:par>
+                          <p:cTn id="10" fill="hold">
+                            <p:stCondLst>
+                              <p:cond delay="0"/>
+                            </p:stCondLst>
+                            <p:childTnLst>
+                              <p:par>
+                                <p:cTn id="11" presetID="2" presetClass="entr" presetSubtype="4" fill="hold" nodeType="clickEffect">
+                                  <p:stCondLst>
+                                    <p:cond delay="0"/>
+                                  </p:stCondLst>
+                                  <p:childTnLst>
+                                    <p:set>
+                                      <p:cBhvr>
+                                        <p:cTn id="12" dur="1" fill="hold">
+                                          <p:stCondLst>
+                                            <p:cond delay="0"/>
+                                          </p:stCondLst>
+                                        </p:cTn>
+                                        <p:tgtEl>
+                                          <p:spTgt spid="3">
+                                            <p:txEl>
+                                              <p:pRg st="1" end="1"/>
+                                            </p:txEl>
+                                          </p:spTgt>
+                                        </p:tgtEl>
+                                        <p:attrNameLst>
+                                          <p:attrName>style.visibility</p:attrName>
+                                        </p:attrNameLst>
+                                      </p:cBhvr>
+                                      <p:to>
+                                        <p:strVal val="visible"/>
+                                      </p:to>
+                                    </p:set>
+                                    <p:anim calcmode="lin" valueType="num">
+                                      <p:cBhvr additive="base">
+                                        <p:cTn id="13" dur="500" fill="hold"/>
+                                        <p:tgtEl>
+                                          <p:spTgt spid="3">
+                                            <p:txEl>
+                                              <p:pRg st="1" end="1"/>
+                                            </p:txEl>
+                                          </p:spTgt>
+                                        </p:tgtEl>
+                                        <p:attrNameLst>
+                                          <p:attrName>ppt_x</p:attrName>
+                                        </p:attrNameLst>
+                                      </p:cBhvr>
+                                      <p:tavLst>
+                                        <p:tav tm="0">
+                                          <p:val>
+                                            <p:strVal val="#ppt_x"/>
+                                          </p:val>
+                                        </p:tav>
+                                        <p:tav tm="100000">
+                                          <p:val>
+                                            <p:strVal val="#ppt_x"/>
+                                          </p:val>
+                                        </p:tav>
+                                      </p:tavLst>
+                                    </p:anim>
+                                    <p:anim calcmode="lin" valueType="num">
+                                      <p:cBhvr additive="base">
+                                        <p:cTn id="14" dur="500" fill="hold"/>
+                                        <p:tgtEl>
+                                          <p:spTgt spid="3">
+                                            <p:txEl>
+                                              <p:pRg st="1" end="1"/>
+                                            </p:txEl>
+                                          </p:spTgt>
+                                        </p:tgtEl>
+                                        <p:attrNameLst>
+                                          <p:attrName>ppt_y</p:attrName>
+                                        </p:attrNameLst>
+                                      </p:cBhvr>
+                                      <p:tavLst>
+                                        <p:tav tm="0">
+                                          <p:val>
+                                            <p:strVal val="1+#ppt_h/2"/>
+                                          </p:val>
+                                        </p:tav>
+                                        <p:tav tm="100000">
+                                          <p:val>
+                                            <p:strVal val="#ppt_y"/>
+                                          </p:val>
+                                        </p:tav>
+                                      </p:tavLst>
+                                    </p:anim>
+                                  </p:childTnLst>
+                                </p:cTn>
+                              </p:par>
+                            </p:childTnLst>
+                          </p:cTn>
+                        </p:par>
+                      </p:childTnLst>
+                    </p:cTn>
+                  </p:par>
+                  <p:par>
+                    <p:cTn id="15" fill="hold">
+                      <p:stCondLst>
+                        <p:cond delay="indefinite"/>
+                      </p:stCondLst>
+                      <p:childTnLst>
+                        <p:par>
+                          <p:cTn id="16" fill="hold">
+                            <p:stCondLst>
+                              <p:cond delay="0"/>
+                            </p:stCondLst>
+                            <p:childTnLst>
+                              <p:par>
+                                <p:cTn id="17" presetID="2" presetClass="entr" presetSubtype="4" fill="hold" nodeType="clickEffect">
+                                  <p:stCondLst>
+                                    <p:cond delay="0"/>
+                                  </p:stCondLst>
+                                  <p:childTnLst>
+                                    <p:set>
+                                      <p:cBhvr>
+                                        <p:cTn id="18" dur="1" fill="hold">
+                                          <p:stCondLst>
+                                            <p:cond delay="0"/>
+                                          </p:stCondLst>
+                                        </p:cTn>
+                                        <p:tgtEl>
+                                          <p:spTgt spid="3">
+                                            <p:txEl>
+                                              <p:pRg st="2" end="2"/>
+                                            </p:txEl>
+                                          </p:spTgt>
+                                        </p:tgtEl>
+                                        <p:attrNameLst>
+                                          <p:attrName>style.visibility</p:attrName>
+                                        </p:attrNameLst>
+                                      </p:cBhvr>
+                                      <p:to>
+                                        <p:strVal val="visible"/>
+                                      </p:to>
+                                    </p:set>
+                                    <p:anim calcmode="lin" valueType="num">
+                                      <p:cBhvr additive="base">
+                                        <p:cTn id="19" dur="500" fill="hold"/>
+                                        <p:tgtEl>
+                                          <p:spTgt spid="3">
+                                            <p:txEl>
+                                              <p:pRg st="2" end="2"/>
+                                            </p:txEl>
+                                          </p:spTgt>
+                                        </p:tgtEl>
+                                        <p:attrNameLst>
+                                          <p:attrName>ppt_x</p:attrName>
+                                        </p:attrNameLst>
+                                      </p:cBhvr>
+                                      <p:tavLst>
+                                        <p:tav tm="0">
+                                          <p:val>
+                                            <p:strVal val="#ppt_x"/>
+                                          </p:val>
+                                        </p:tav>
+                                        <p:tav tm="100000">
+                                          <p:val>
+                                            <p:strVal val="#ppt_x"/>
+                                          </p:val>
+                                        </p:tav>
+                                      </p:tavLst>
+                                    </p:anim>
+                                    <p:anim calcmode="lin" valueType="num">
+                                      <p:cBhvr additive="base">
+                                        <p:cTn id="20" dur="500" fill="hold"/>
+                                        <p:tgtEl>
+                                          <p:spTgt spid="3">
+                                            <p:txEl>
+                                              <p:pRg st="2" end="2"/>
+                                            </p:txEl>
+                                          </p:spTgt>
+                                        </p:tgtEl>
+                                        <p:attrNameLst>
+                                          <p:attrName>ppt_y</p:attrName>
+                                        </p:attrNameLst>
+                                      </p:cBhvr>
+                                      <p:tavLst>
+                                        <p:tav tm="0">
+                                          <p:val>
+                                            <p:strVal val="1+#ppt_h/2"/>
+                                          </p:val>
+                                        </p:tav>
+                                        <p:tav tm="100000">
+                                          <p:val>
+                                            <p:strVal val="#ppt_y"/>
+                                          </p:val>
+                                        </p:tav>
+                                      </p:tavLst>
+                                    </p:anim>
+                                  </p:childTnLst>
+                                </p:cTn>
+                              </p:par>
+                            </p:childTnLst>
+                          </p:cTn>
+                        </p:par>
+                      </p:childTnLst>
+                    </p:cTn>
+                  </p:par>
+                </p:childTnLst>
+              </p:cTn>
+              <p:prevCondLst>
+                <p:cond evt="onPrev" delay="0">
+                  <p:tgtEl>
+                    <p:sldTgt/>
+                  </p:tgtEl>
+                </p:cond>
+              </p:prevCondLst>
+              <p:nextCondLst>
+                <p:cond evt="onNext" delay="0">
+                  <p:tgtEl>
+                    <p:sldTgt/>
+                  </p:tgtEl>
+                </p:cond>
+              </p:nextCondLst>
+            </p:seq>
+          </p:childTnLst>
+        </p:cTn>
+      </p:par>
+    </p:tnLst>
+  </p:timing>
 </p:sld>
 </file>
 
-<file path=ppt/slides/slide12.xml><?xml version="1.0" encoding="utf-8"?>
-<p:sld xmlns:a="http://schemas.openxmlformats.org/drawingml/2006/main" xmlns:r="http://schemas.openxmlformats.org/officeDocument/2006/relationships" xmlns:p="http://schemas.openxmlformats.org/presentationml/2006/main">
-  <p:cSld>
-    <p:spTree>
-      <p:nvGrpSpPr>
-        <p:cNvPr id="1" name=""/>
-        <p:cNvGrpSpPr/>
-        <p:nvPr/>
-      </p:nvGrpSpPr>
-      <p:grpSpPr>
-        <a:xfrm>
-          <a:off x="0" y="0"/>
-          <a:ext cx="0" cy="0"/>
-          <a:chOff x="0" y="0"/>
-          <a:chExt cx="0" cy="0"/>
-        </a:xfrm>
-      </p:grpSpPr>
-      <p:sp>
-        <p:nvSpPr>
-          <p:cNvPr id="2" name="Title 1">
-            <a:extLst>
-              <a:ext uri="{FF2B5EF4-FFF2-40B4-BE49-F238E27FC236}">
-                <a16:creationId xmlns:a16="http://schemas.microsoft.com/office/drawing/2014/main" id="{4748DB11-E80E-C6F5-37C9-90094B6A2104}"/>
-              </a:ext>
-            </a:extLst>
-          </p:cNvPr>
-          <p:cNvSpPr>
-            <a:spLocks noGrp="1"/>
-          </p:cNvSpPr>
-          <p:nvPr>
-            <p:ph type="title"/>
-          </p:nvPr>
-        </p:nvSpPr>
-        <p:spPr/>
-        <p:txBody>
-          <a:bodyPr/>
-          <a:lstStyle/>
-          <a:p>
-            <a:r>
-              <a:rPr lang="en-US" dirty="0"/>
-              <a:t>Acknowledgements/References</a:t>
-            </a:r>
-            <a:endParaRPr lang="en-GB" dirty="0"/>
-          </a:p>
-        </p:txBody>
-      </p:sp>
-      <p:sp>
-        <p:nvSpPr>
-          <p:cNvPr id="3" name="Content Placeholder 2">
-            <a:extLst>
-              <a:ext uri="{FF2B5EF4-FFF2-40B4-BE49-F238E27FC236}">
-                <a16:creationId xmlns:a16="http://schemas.microsoft.com/office/drawing/2014/main" id="{7BB16FE4-C9C7-C6EA-E398-B2E01ADD4EB0}"/>
-              </a:ext>
-            </a:extLst>
-          </p:cNvPr>
-          <p:cNvSpPr>
-            <a:spLocks noGrp="1"/>
-          </p:cNvSpPr>
-          <p:nvPr>
-            <p:ph idx="1"/>
-          </p:nvPr>
-        </p:nvSpPr>
-        <p:spPr/>
-        <p:txBody>
-          <a:bodyPr/>
-          <a:lstStyle/>
-          <a:p>
-            <a:pPr>
-              <a:buFont typeface="Wingdings" panose="05000000000000000000" pitchFamily="2" charset="2"/>
-              <a:buChar char="Ø"/>
-            </a:pPr>
-            <a:r>
-              <a:rPr lang="en-US" dirty="0"/>
-              <a:t>The content of this poster is inspired by the notes and recordings of Roland Speicher's graduate course "High Dimensional Analysis: Random Matrices and Machine Learning" (</a:t>
-            </a:r>
-            <a:r>
-              <a:rPr lang="en-US" dirty="0">
-                <a:hlinkClick r:id="rId2"/>
-              </a:rPr>
-              <a:t>https://rolandspeicher.com/lectures/course-on-high-dimensional-analysis-random-matrices-and-machine-learning-summer-term-2023/</a:t>
-            </a:r>
-            <a:r>
-              <a:rPr lang="en-US" dirty="0"/>
-              <a:t>) [1].</a:t>
-            </a:r>
-          </a:p>
-          <a:p>
-            <a:pPr>
-              <a:buFont typeface="Wingdings" panose="05000000000000000000" pitchFamily="2" charset="2"/>
-              <a:buChar char="Ø"/>
-            </a:pPr>
-            <a:r>
-              <a:rPr lang="en-US" dirty="0"/>
-              <a:t>Some of the figures were generated by Fahd Abdelazim from the Ask-JGI data science helpdesk (ask-jgi@bristol.ac.uk) code available on GitHub (</a:t>
-            </a:r>
-            <a:r>
-              <a:rPr lang="en-US" dirty="0">
-                <a:hlinkClick r:id="rId3"/>
-              </a:rPr>
-              <a:t>https://github.com/HuwWDay/BlurseOfDimensionality</a:t>
-            </a:r>
-            <a:r>
-              <a:rPr lang="en-US" dirty="0"/>
-              <a:t>) [2].</a:t>
-            </a:r>
-            <a:endParaRPr lang="en-GB" dirty="0"/>
-          </a:p>
-        </p:txBody>
-      </p:sp>
-    </p:spTree>
-    <p:extLst>
-      <p:ext uri="{BB962C8B-B14F-4D97-AF65-F5344CB8AC3E}">
-        <p14:creationId xmlns:p14="http://schemas.microsoft.com/office/powerpoint/2010/main" val="1199408379"/>
-      </p:ext>
-    </p:extLst>
-  </p:cSld>
-  <p:clrMapOvr>
-    <a:masterClrMapping/>
-  </p:clrMapOvr>
-</p:sld>
-</file>
-
-<file path=ppt/slides/slide13.xml><?xml version="1.0" encoding="utf-8"?>
-<p:sld xmlns:a="http://schemas.openxmlformats.org/drawingml/2006/main" xmlns:r="http://schemas.openxmlformats.org/officeDocument/2006/relationships" xmlns:p="http://schemas.openxmlformats.org/presentationml/2006/main">
-  <p:cSld>
-    <p:spTree>
-      <p:nvGrpSpPr>
-        <p:cNvPr id="1" name=""/>
-        <p:cNvGrpSpPr/>
-        <p:nvPr/>
-      </p:nvGrpSpPr>
-      <p:grpSpPr>
-        <a:xfrm>
-          <a:off x="0" y="0"/>
-          <a:ext cx="0" cy="0"/>
-          <a:chOff x="0" y="0"/>
-          <a:chExt cx="0" cy="0"/>
-        </a:xfrm>
-      </p:grpSpPr>
-      <p:sp>
-        <p:nvSpPr>
-          <p:cNvPr id="2" name="Title 1">
-            <a:extLst>
-              <a:ext uri="{FF2B5EF4-FFF2-40B4-BE49-F238E27FC236}">
-                <a16:creationId xmlns:a16="http://schemas.microsoft.com/office/drawing/2014/main" id="{974957FE-8D12-FE6E-9658-F6B0C21737C7}"/>
-              </a:ext>
-            </a:extLst>
-          </p:cNvPr>
-          <p:cNvSpPr>
-            <a:spLocks noGrp="1"/>
-          </p:cNvSpPr>
-          <p:nvPr>
-            <p:ph type="title"/>
-          </p:nvPr>
-        </p:nvSpPr>
-        <p:spPr>
-          <a:xfrm>
-            <a:off x="838200" y="1983613"/>
-            <a:ext cx="10515600" cy="3063875"/>
-          </a:xfrm>
-        </p:spPr>
-        <p:txBody>
-          <a:bodyPr>
-            <a:normAutofit/>
-          </a:bodyPr>
-          <a:lstStyle/>
-          <a:p>
-            <a:pPr algn="ctr"/>
-            <a:r>
-              <a:rPr lang="en-US" dirty="0"/>
-              <a:t>“The literature on machine learning is also in high dimension so you can get lost very easily.” – Roland Speicher</a:t>
-            </a:r>
-            <a:endParaRPr lang="en-GB" dirty="0"/>
-          </a:p>
-        </p:txBody>
-      </p:sp>
-    </p:spTree>
-    <p:extLst>
-      <p:ext uri="{BB962C8B-B14F-4D97-AF65-F5344CB8AC3E}">
-        <p14:creationId xmlns:p14="http://schemas.microsoft.com/office/powerpoint/2010/main" val="3400924978"/>
-      </p:ext>
-    </p:extLst>
-  </p:cSld>
-  <p:clrMapOvr>
-    <a:masterClrMapping/>
-  </p:clrMapOvr>
-</p:sld>
-</file>
-
-<file path=ppt/slides/slide2.xml><?xml version="1.0" encoding="utf-8"?>
+<file path=ppt/slides/slide3.xml><?xml version="1.0" encoding="utf-8"?>
 <p:sld xmlns:a="http://schemas.openxmlformats.org/drawingml/2006/main" xmlns:r="http://schemas.openxmlformats.org/officeDocument/2006/relationships" xmlns:p="http://schemas.openxmlformats.org/presentationml/2006/main">
   <p:cSld>
     <p:spTree>
@@ -4862,6 +7704,61 @@
           </a:p>
         </p:txBody>
       </p:sp>
+      <p:sp>
+        <p:nvSpPr>
+          <p:cNvPr id="3" name="Title 1">
+            <a:extLst>
+              <a:ext uri="{FF2B5EF4-FFF2-40B4-BE49-F238E27FC236}">
+                <a16:creationId xmlns:a16="http://schemas.microsoft.com/office/drawing/2014/main" id="{83D3A9DB-483F-6A28-9248-D4A7805DD209}"/>
+              </a:ext>
+            </a:extLst>
+          </p:cNvPr>
+          <p:cNvSpPr txBox="1">
+            <a:spLocks/>
+          </p:cNvSpPr>
+          <p:nvPr/>
+        </p:nvSpPr>
+        <p:spPr>
+          <a:xfrm>
+            <a:off x="838200" y="365125"/>
+            <a:ext cx="10515600" cy="1325563"/>
+          </a:xfrm>
+          <a:prstGeom prst="rect">
+            <a:avLst/>
+          </a:prstGeom>
+        </p:spPr>
+        <p:txBody>
+          <a:bodyPr vert="horz" lIns="91440" tIns="45720" rIns="91440" bIns="45720" rtlCol="0" anchor="ctr">
+            <a:normAutofit/>
+          </a:bodyPr>
+          <a:lstStyle>
+            <a:lvl1pPr algn="l" defTabSz="914400" rtl="0" eaLnBrk="1" latinLnBrk="0" hangingPunct="1">
+              <a:lnSpc>
+                <a:spcPct val="90000"/>
+              </a:lnSpc>
+              <a:spcBef>
+                <a:spcPct val="0"/>
+              </a:spcBef>
+              <a:buNone/>
+              <a:defRPr sz="4400" kern="1200">
+                <a:solidFill>
+                  <a:schemeClr val="tx1"/>
+                </a:solidFill>
+                <a:latin typeface="+mj-lt"/>
+                <a:ea typeface="+mj-ea"/>
+                <a:cs typeface="+mj-cs"/>
+              </a:defRPr>
+            </a:lvl1pPr>
+          </a:lstStyle>
+          <a:p>
+            <a:r>
+              <a:rPr lang="en-US" dirty="0"/>
+              <a:t>How do we visualize 9 dimensional space?</a:t>
+            </a:r>
+            <a:endParaRPr lang="en-GB" dirty="0"/>
+          </a:p>
+        </p:txBody>
+      </p:sp>
     </p:spTree>
     <p:extLst>
       <p:ext uri="{BB962C8B-B14F-4D97-AF65-F5344CB8AC3E}">
@@ -4872,11 +7769,135 @@
   <p:clrMapOvr>
     <a:masterClrMapping/>
   </p:clrMapOvr>
+  <p:timing>
+    <p:tnLst>
+      <p:par>
+        <p:cTn id="1" dur="indefinite" restart="never" nodeType="tmRoot">
+          <p:childTnLst>
+            <p:seq concurrent="1" nextAc="seek">
+              <p:cTn id="2" dur="indefinite" nodeType="mainSeq">
+                <p:childTnLst>
+                  <p:par>
+                    <p:cTn id="3" fill="hold">
+                      <p:stCondLst>
+                        <p:cond delay="indefinite"/>
+                      </p:stCondLst>
+                      <p:childTnLst>
+                        <p:par>
+                          <p:cTn id="4" fill="hold">
+                            <p:stCondLst>
+                              <p:cond delay="0"/>
+                            </p:stCondLst>
+                            <p:childTnLst>
+                              <p:par>
+                                <p:cTn id="5" presetID="2" presetClass="entr" presetSubtype="4" fill="hold" grpId="0" nodeType="clickEffect">
+                                  <p:stCondLst>
+                                    <p:cond delay="0"/>
+                                  </p:stCondLst>
+                                  <p:childTnLst>
+                                    <p:set>
+                                      <p:cBhvr>
+                                        <p:cTn id="6" dur="1" fill="hold">
+                                          <p:stCondLst>
+                                            <p:cond delay="0"/>
+                                          </p:stCondLst>
+                                        </p:cTn>
+                                        <p:tgtEl>
+                                          <p:spTgt spid="2"/>
+                                        </p:tgtEl>
+                                        <p:attrNameLst>
+                                          <p:attrName>style.visibility</p:attrName>
+                                        </p:attrNameLst>
+                                      </p:cBhvr>
+                                      <p:to>
+                                        <p:strVal val="visible"/>
+                                      </p:to>
+                                    </p:set>
+                                    <p:anim calcmode="lin" valueType="num">
+                                      <p:cBhvr additive="base">
+                                        <p:cTn id="7" dur="500" fill="hold"/>
+                                        <p:tgtEl>
+                                          <p:spTgt spid="2"/>
+                                        </p:tgtEl>
+                                        <p:attrNameLst>
+                                          <p:attrName>ppt_x</p:attrName>
+                                        </p:attrNameLst>
+                                      </p:cBhvr>
+                                      <p:tavLst>
+                                        <p:tav tm="0">
+                                          <p:val>
+                                            <p:strVal val="#ppt_x"/>
+                                          </p:val>
+                                        </p:tav>
+                                        <p:tav tm="100000">
+                                          <p:val>
+                                            <p:strVal val="#ppt_x"/>
+                                          </p:val>
+                                        </p:tav>
+                                      </p:tavLst>
+                                    </p:anim>
+                                    <p:anim calcmode="lin" valueType="num">
+                                      <p:cBhvr additive="base">
+                                        <p:cTn id="8" dur="500" fill="hold"/>
+                                        <p:tgtEl>
+                                          <p:spTgt spid="2"/>
+                                        </p:tgtEl>
+                                        <p:attrNameLst>
+                                          <p:attrName>ppt_y</p:attrName>
+                                        </p:attrNameLst>
+                                      </p:cBhvr>
+                                      <p:tavLst>
+                                        <p:tav tm="0">
+                                          <p:val>
+                                            <p:strVal val="1+#ppt_h/2"/>
+                                          </p:val>
+                                        </p:tav>
+                                        <p:tav tm="100000">
+                                          <p:val>
+                                            <p:strVal val="#ppt_y"/>
+                                          </p:val>
+                                        </p:tav>
+                                      </p:tavLst>
+                                    </p:anim>
+                                  </p:childTnLst>
+                                </p:cTn>
+                              </p:par>
+                            </p:childTnLst>
+                          </p:cTn>
+                        </p:par>
+                      </p:childTnLst>
+                    </p:cTn>
+                  </p:par>
+                </p:childTnLst>
+              </p:cTn>
+              <p:prevCondLst>
+                <p:cond evt="onPrev" delay="0">
+                  <p:tgtEl>
+                    <p:sldTgt/>
+                  </p:tgtEl>
+                </p:cond>
+              </p:prevCondLst>
+              <p:nextCondLst>
+                <p:cond evt="onNext" delay="0">
+                  <p:tgtEl>
+                    <p:sldTgt/>
+                  </p:tgtEl>
+                </p:cond>
+              </p:nextCondLst>
+            </p:seq>
+          </p:childTnLst>
+        </p:cTn>
+      </p:par>
+    </p:tnLst>
+    <p:bldLst>
+      <p:bldP spid="2" grpId="0"/>
+    </p:bldLst>
+  </p:timing>
 </p:sld>
 </file>
 
-<file path=ppt/slides/slide3.xml><?xml version="1.0" encoding="utf-8"?>
-<p:sld xmlns:a="http://schemas.openxmlformats.org/drawingml/2006/main" xmlns:r="http://schemas.openxmlformats.org/officeDocument/2006/relationships" xmlns:p="http://schemas.openxmlformats.org/presentationml/2006/main">
+<file path=ppt/slides/slide4.xml><?xml version="1.0" encoding="utf-8"?>
+<p:sld xmlns:a="http://schemas.openxmlformats.org/drawingml/2006/main" xmlns:r="http://schemas.openxmlformats.org/officeDocument/2006/relationships" xmlns:p="http://schemas.openxmlformats.org/presentationml/2006/main" show="0">
   <p:cSld>
     <p:spTree>
       <p:nvGrpSpPr>
@@ -4923,8 +7944,8 @@
           </a:p>
         </p:txBody>
       </p:sp>
-      <mc:AlternateContent xmlns:mc="http://schemas.openxmlformats.org/markup-compatibility/2006">
-        <mc:Choice xmlns:a14="http://schemas.microsoft.com/office/drawing/2010/main" Requires="a14">
+      <mc:AlternateContent xmlns:mc="http://schemas.openxmlformats.org/markup-compatibility/2006" xmlns:a14="http://schemas.microsoft.com/office/drawing/2010/main">
+        <mc:Choice Requires="a14">
           <p:sp>
             <p:nvSpPr>
               <p:cNvPr id="3" name="Content Placeholder 2">
@@ -4943,7 +7964,7 @@
             </p:nvSpPr>
             <p:spPr>
               <a:xfrm>
-                <a:off x="838200" y="1825625"/>
+                <a:off x="293914" y="1690688"/>
                 <a:ext cx="11604171" cy="1864632"/>
               </a:xfrm>
             </p:spPr>
@@ -5548,7 +8569,7 @@
             </p:txBody>
           </p:sp>
         </mc:Choice>
-        <mc:Fallback>
+        <mc:Fallback xmlns="">
           <p:sp>
             <p:nvSpPr>
               <p:cNvPr id="3" name="Content Placeholder 2">
@@ -5567,13 +8588,13 @@
             </p:nvSpPr>
             <p:spPr>
               <a:xfrm>
-                <a:off x="838200" y="1825625"/>
+                <a:off x="293914" y="1690688"/>
                 <a:ext cx="11604171" cy="1864632"/>
               </a:xfrm>
               <a:blipFill>
-                <a:blip r:embed="rId2"/>
+                <a:blip r:embed="rId3"/>
                 <a:stretch>
-                  <a:fillRect l="-525" t="-3268"/>
+                  <a:fillRect l="-473" t="-3268"/>
                 </a:stretch>
               </a:blipFill>
             </p:spPr>
@@ -5607,7 +8628,7 @@
           <p:nvPr/>
         </p:nvPicPr>
         <p:blipFill>
-          <a:blip r:embed="rId3"/>
+          <a:blip r:embed="rId4"/>
           <a:stretch>
             <a:fillRect/>
           </a:stretch>
@@ -5656,7 +8677,7 @@
             </a:r>
             <a:r>
               <a:rPr lang="en-GB" dirty="0">
-                <a:hlinkClick r:id="rId4"/>
+                <a:hlinkClick r:id="rId5"/>
               </a:rPr>
               <a:t>https://rolandspeicher.com/wp-content/uploads/2023/08/hda_rmml.pdf</a:t>
             </a:r>
@@ -5680,7 +8701,7 @@
 </p:sld>
 </file>
 
-<file path=ppt/slides/slide4.xml><?xml version="1.0" encoding="utf-8"?>
+<file path=ppt/slides/slide5.xml><?xml version="1.0" encoding="utf-8"?>
 <p:sld xmlns:a="http://schemas.openxmlformats.org/drawingml/2006/main" xmlns:r="http://schemas.openxmlformats.org/officeDocument/2006/relationships" xmlns:p="http://schemas.openxmlformats.org/presentationml/2006/main">
   <p:cSld>
     <p:spTree>
@@ -5758,22 +8779,21 @@
             </a:r>
           </a:p>
           <a:p>
-            <a:pPr marL="514350" indent="-514350">
-              <a:buFont typeface="Arial" panose="020B0604020202020204" pitchFamily="34" charset="0"/>
-              <a:buAutoNum type="arabicPeriod"/>
-            </a:pPr>
-            <a:r>
-              <a:rPr lang="en-US" sz="3600" dirty="0"/>
-              <a:t>Any two vectors in the hypersphere are almost orthogonal</a:t>
-            </a:r>
-          </a:p>
-          <a:p>
-            <a:pPr marL="514350" indent="-514350">
+            <a:pPr marL="742950" indent="-742950">
               <a:buAutoNum type="arabicPeriod"/>
             </a:pPr>
             <a:r>
               <a:rPr lang="en-US" sz="3600" dirty="0"/>
               <a:t>The volume of a hypersphere is concentrated close to its surface</a:t>
+            </a:r>
+          </a:p>
+          <a:p>
+            <a:pPr marL="742950" indent="-742950">
+              <a:buAutoNum type="arabicPeriod"/>
+            </a:pPr>
+            <a:r>
+              <a:rPr lang="en-US" sz="3600" dirty="0"/>
+              <a:t>Any two vectors are likely to be almost orthogonal</a:t>
             </a:r>
           </a:p>
           <a:p>
@@ -5797,7 +8817,7 @@
 </p:sld>
 </file>
 
-<file path=ppt/slides/slide5.xml><?xml version="1.0" encoding="utf-8"?>
+<file path=ppt/slides/slide6.xml><?xml version="1.0" encoding="utf-8"?>
 <p:sld xmlns:a="http://schemas.openxmlformats.org/drawingml/2006/main" xmlns:r="http://schemas.openxmlformats.org/officeDocument/2006/relationships" xmlns:p="http://schemas.openxmlformats.org/presentationml/2006/main">
   <p:cSld>
     <p:spTree>
@@ -5819,7 +8839,7 @@
           <p:cNvPr id="2" name="Title 1">
             <a:extLst>
               <a:ext uri="{FF2B5EF4-FFF2-40B4-BE49-F238E27FC236}">
-                <a16:creationId xmlns:a16="http://schemas.microsoft.com/office/drawing/2014/main" id="{CEA0422A-8965-FBBA-F3D2-8F276A00DA10}"/>
+                <a16:creationId xmlns:a16="http://schemas.microsoft.com/office/drawing/2014/main" id="{267A1C57-FB7F-D1CC-6DEE-6C96964FFD73}"/>
               </a:ext>
             </a:extLst>
           </p:cNvPr>
@@ -5838,49 +8858,19 @@
           <a:lstStyle/>
           <a:p>
             <a:r>
-              <a:rPr lang="en-US" sz="3000" dirty="0"/>
-              <a:t>Any two vectors in the hypersphere are almost orthogonal</a:t>
+              <a:rPr lang="en-US" dirty="0"/>
+              <a:t>The volume of a hypersphere is concentrated close to its surface</a:t>
             </a:r>
-            <a:endParaRPr lang="en-GB" sz="3000" dirty="0"/>
+            <a:endParaRPr lang="en-GB" dirty="0"/>
           </a:p>
         </p:txBody>
       </p:sp>
       <p:pic>
         <p:nvPicPr>
-          <p:cNvPr id="4" name="Picture 3">
+          <p:cNvPr id="10" name="Picture 9">
             <a:extLst>
               <a:ext uri="{FF2B5EF4-FFF2-40B4-BE49-F238E27FC236}">
-                <a16:creationId xmlns:a16="http://schemas.microsoft.com/office/drawing/2014/main" id="{CA71C277-DB67-1D07-AD19-FB3D35BC9ABA}"/>
-              </a:ext>
-            </a:extLst>
-          </p:cNvPr>
-          <p:cNvPicPr>
-            <a:picLocks noChangeAspect="1"/>
-          </p:cNvPicPr>
-          <p:nvPr/>
-        </p:nvPicPr>
-        <p:blipFill>
-          <a:blip r:embed="rId2"/>
-          <a:stretch>
-            <a:fillRect/>
-          </a:stretch>
-        </p:blipFill>
-        <p:spPr>
-          <a:xfrm>
-            <a:off x="1742467" y="1455838"/>
-            <a:ext cx="8707065" cy="1790950"/>
-          </a:xfrm>
-          <a:prstGeom prst="rect">
-            <a:avLst/>
-          </a:prstGeom>
-        </p:spPr>
-      </p:pic>
-      <p:pic>
-        <p:nvPicPr>
-          <p:cNvPr id="8" name="Picture 7">
-            <a:extLst>
-              <a:ext uri="{FF2B5EF4-FFF2-40B4-BE49-F238E27FC236}">
-                <a16:creationId xmlns:a16="http://schemas.microsoft.com/office/drawing/2014/main" id="{E8E7FB03-9B22-E082-4ACD-A3907FEA0300}"/>
+                <a16:creationId xmlns:a16="http://schemas.microsoft.com/office/drawing/2014/main" id="{8C4BE5BF-81CB-D570-0C24-1BCE445D0295}"/>
               </a:ext>
             </a:extLst>
           </p:cNvPr>
@@ -5891,24 +8881,354 @@
         </p:nvPicPr>
         <p:blipFill>
           <a:blip r:embed="rId3"/>
-          <a:stretch>
-            <a:fillRect/>
-          </a:stretch>
+          <a:srcRect t="15373"/>
+          <a:stretch/>
         </p:blipFill>
         <p:spPr>
           <a:xfrm>
-            <a:off x="1799624" y="3990862"/>
-            <a:ext cx="8592749" cy="1619476"/>
+            <a:off x="2075889" y="2449286"/>
+            <a:ext cx="8040222" cy="2394374"/>
           </a:xfrm>
           <a:prstGeom prst="rect">
             <a:avLst/>
           </a:prstGeom>
         </p:spPr>
       </p:pic>
+      <mc:AlternateContent xmlns:mc="http://schemas.openxmlformats.org/markup-compatibility/2006">
+        <mc:Choice xmlns:a14="http://schemas.microsoft.com/office/drawing/2010/main" Requires="a14">
+          <p:sp>
+            <p:nvSpPr>
+              <p:cNvPr id="4" name="TextBox 3">
+                <a:extLst>
+                  <a:ext uri="{FF2B5EF4-FFF2-40B4-BE49-F238E27FC236}">
+                    <a16:creationId xmlns:a16="http://schemas.microsoft.com/office/drawing/2014/main" id="{9D085C27-439A-5469-461F-5F1D0DC57ACA}"/>
+                  </a:ext>
+                </a:extLst>
+              </p:cNvPr>
+              <p:cNvSpPr txBox="1"/>
+              <p:nvPr/>
+            </p:nvSpPr>
+            <p:spPr>
+              <a:xfrm>
+                <a:off x="-1436914" y="5167312"/>
+                <a:ext cx="6096000" cy="946349"/>
+              </a:xfrm>
+              <a:prstGeom prst="rect">
+                <a:avLst/>
+              </a:prstGeom>
+              <a:noFill/>
+            </p:spPr>
+            <p:txBody>
+              <a:bodyPr wrap="square">
+                <a:spAutoFit/>
+              </a:bodyPr>
+              <a:lstStyle/>
+              <a:p>
+                <a:pPr/>
+                <a14:m>
+                  <m:oMathPara xmlns:m="http://schemas.openxmlformats.org/officeDocument/2006/math">
+                    <m:oMathParaPr>
+                      <m:jc m:val="centerGroup"/>
+                    </m:oMathParaPr>
+                    <m:oMath xmlns:m="http://schemas.openxmlformats.org/officeDocument/2006/math">
+                      <m:r>
+                        <a:rPr lang="en-US" sz="1800" b="0" i="1" smtClean="0">
+                          <a:latin typeface="Cambria Math" panose="02040503050406030204" pitchFamily="18" charset="0"/>
+                        </a:rPr>
+                        <m:t>𝑣𝑜𝑙</m:t>
+                      </m:r>
+                      <m:d>
+                        <m:dPr>
+                          <m:ctrlPr>
+                            <a:rPr lang="en-US" sz="1800" b="0" i="1" smtClean="0">
+                              <a:latin typeface="Cambria Math" panose="02040503050406030204" pitchFamily="18" charset="0"/>
+                            </a:rPr>
+                          </m:ctrlPr>
+                        </m:dPr>
+                        <m:e>
+                          <m:sSub>
+                            <m:sSubPr>
+                              <m:ctrlPr>
+                                <a:rPr lang="en-US" sz="1800" b="0" i="1" smtClean="0">
+                                  <a:latin typeface="Cambria Math" panose="02040503050406030204" pitchFamily="18" charset="0"/>
+                                </a:rPr>
+                              </m:ctrlPr>
+                            </m:sSubPr>
+                            <m:e>
+                              <m:r>
+                                <a:rPr lang="en-US" sz="1800" b="0" i="1" smtClean="0">
+                                  <a:latin typeface="Cambria Math" panose="02040503050406030204" pitchFamily="18" charset="0"/>
+                                </a:rPr>
+                                <m:t>𝐵</m:t>
+                              </m:r>
+                            </m:e>
+                            <m:sub>
+                              <m:r>
+                                <a:rPr lang="en-US" sz="1800" b="0" i="1" smtClean="0">
+                                  <a:latin typeface="Cambria Math" panose="02040503050406030204" pitchFamily="18" charset="0"/>
+                                </a:rPr>
+                                <m:t>𝑝</m:t>
+                              </m:r>
+                            </m:sub>
+                          </m:sSub>
+                          <m:d>
+                            <m:dPr>
+                              <m:ctrlPr>
+                                <a:rPr lang="en-US" sz="1800" b="0" i="1" smtClean="0">
+                                  <a:latin typeface="Cambria Math" panose="02040503050406030204" pitchFamily="18" charset="0"/>
+                                </a:rPr>
+                              </m:ctrlPr>
+                            </m:dPr>
+                            <m:e>
+                              <m:r>
+                                <a:rPr lang="en-US" sz="1800" b="0" i="1" smtClean="0">
+                                  <a:latin typeface="Cambria Math" panose="02040503050406030204" pitchFamily="18" charset="0"/>
+                                </a:rPr>
+                                <m:t>𝑅</m:t>
+                              </m:r>
+                            </m:e>
+                          </m:d>
+                        </m:e>
+                      </m:d>
+                      <m:r>
+                        <a:rPr lang="en-US" sz="1800" b="0" i="1" smtClean="0">
+                          <a:latin typeface="Cambria Math" panose="02040503050406030204" pitchFamily="18" charset="0"/>
+                        </a:rPr>
+                        <m:t>=</m:t>
+                      </m:r>
+                      <m:f>
+                        <m:fPr>
+                          <m:ctrlPr>
+                            <a:rPr lang="en-US" sz="1800" b="0" i="1" smtClean="0">
+                              <a:latin typeface="Cambria Math" panose="02040503050406030204" pitchFamily="18" charset="0"/>
+                            </a:rPr>
+                          </m:ctrlPr>
+                        </m:fPr>
+                        <m:num>
+                          <m:sSup>
+                            <m:sSupPr>
+                              <m:ctrlPr>
+                                <a:rPr lang="en-US" sz="1800" b="0" i="1" smtClean="0">
+                                  <a:latin typeface="Cambria Math" panose="02040503050406030204" pitchFamily="18" charset="0"/>
+                                </a:rPr>
+                              </m:ctrlPr>
+                            </m:sSupPr>
+                            <m:e>
+                              <m:r>
+                                <a:rPr lang="en-US" sz="1800" b="0" i="1" smtClean="0">
+                                  <a:latin typeface="Cambria Math" panose="02040503050406030204" pitchFamily="18" charset="0"/>
+                                  <a:ea typeface="Cambria Math" panose="02040503050406030204" pitchFamily="18" charset="0"/>
+                                </a:rPr>
+                                <m:t>𝜋</m:t>
+                              </m:r>
+                            </m:e>
+                            <m:sup>
+                              <m:f>
+                                <m:fPr>
+                                  <m:ctrlPr>
+                                    <a:rPr lang="en-US" sz="1800" b="0" i="1" smtClean="0">
+                                      <a:latin typeface="Cambria Math" panose="02040503050406030204" pitchFamily="18" charset="0"/>
+                                    </a:rPr>
+                                  </m:ctrlPr>
+                                </m:fPr>
+                                <m:num>
+                                  <m:r>
+                                    <a:rPr lang="en-US" sz="1800" b="0" i="1" smtClean="0">
+                                      <a:latin typeface="Cambria Math" panose="02040503050406030204" pitchFamily="18" charset="0"/>
+                                    </a:rPr>
+                                    <m:t>𝑝</m:t>
+                                  </m:r>
+                                </m:num>
+                                <m:den>
+                                  <m:r>
+                                    <a:rPr lang="en-US" sz="1800" b="0" i="1" smtClean="0">
+                                      <a:latin typeface="Cambria Math" panose="02040503050406030204" pitchFamily="18" charset="0"/>
+                                    </a:rPr>
+                                    <m:t>2</m:t>
+                                  </m:r>
+                                </m:den>
+                              </m:f>
+                            </m:sup>
+                          </m:sSup>
+                        </m:num>
+                        <m:den>
+                          <m:r>
+                            <m:rPr>
+                              <m:sty m:val="p"/>
+                            </m:rPr>
+                            <a:rPr lang="el-GR" sz="1800" b="0" i="1" smtClean="0">
+                              <a:latin typeface="Cambria Math" panose="02040503050406030204" pitchFamily="18" charset="0"/>
+                              <a:ea typeface="Cambria Math" panose="02040503050406030204" pitchFamily="18" charset="0"/>
+                            </a:rPr>
+                            <m:t>Γ</m:t>
+                          </m:r>
+                          <m:d>
+                            <m:dPr>
+                              <m:ctrlPr>
+                                <a:rPr lang="en-US" sz="1800" b="0" i="1" smtClean="0">
+                                  <a:latin typeface="Cambria Math" panose="02040503050406030204" pitchFamily="18" charset="0"/>
+                                  <a:ea typeface="Cambria Math" panose="02040503050406030204" pitchFamily="18" charset="0"/>
+                                </a:rPr>
+                              </m:ctrlPr>
+                            </m:dPr>
+                            <m:e>
+                              <m:f>
+                                <m:fPr>
+                                  <m:ctrlPr>
+                                    <a:rPr lang="en-US" sz="1800" b="0" i="1" smtClean="0">
+                                      <a:latin typeface="Cambria Math" panose="02040503050406030204" pitchFamily="18" charset="0"/>
+                                      <a:ea typeface="Cambria Math" panose="02040503050406030204" pitchFamily="18" charset="0"/>
+                                    </a:rPr>
+                                  </m:ctrlPr>
+                                </m:fPr>
+                                <m:num>
+                                  <m:r>
+                                    <a:rPr lang="en-US" sz="1800" b="0" i="1" smtClean="0">
+                                      <a:latin typeface="Cambria Math" panose="02040503050406030204" pitchFamily="18" charset="0"/>
+                                      <a:ea typeface="Cambria Math" panose="02040503050406030204" pitchFamily="18" charset="0"/>
+                                    </a:rPr>
+                                    <m:t>𝑝</m:t>
+                                  </m:r>
+                                </m:num>
+                                <m:den>
+                                  <m:r>
+                                    <a:rPr lang="en-US" sz="1800" b="0" i="1" smtClean="0">
+                                      <a:latin typeface="Cambria Math" panose="02040503050406030204" pitchFamily="18" charset="0"/>
+                                      <a:ea typeface="Cambria Math" panose="02040503050406030204" pitchFamily="18" charset="0"/>
+                                    </a:rPr>
+                                    <m:t>2</m:t>
+                                  </m:r>
+                                </m:den>
+                              </m:f>
+                              <m:r>
+                                <a:rPr lang="en-US" sz="1800" b="0" i="1" smtClean="0">
+                                  <a:latin typeface="Cambria Math" panose="02040503050406030204" pitchFamily="18" charset="0"/>
+                                  <a:ea typeface="Cambria Math" panose="02040503050406030204" pitchFamily="18" charset="0"/>
+                                </a:rPr>
+                                <m:t>+1</m:t>
+                              </m:r>
+                            </m:e>
+                          </m:d>
+                        </m:den>
+                      </m:f>
+                      <m:sSup>
+                        <m:sSupPr>
+                          <m:ctrlPr>
+                            <a:rPr lang="en-US" sz="1800" b="0" i="1" smtClean="0">
+                              <a:latin typeface="Cambria Math" panose="02040503050406030204" pitchFamily="18" charset="0"/>
+                            </a:rPr>
+                          </m:ctrlPr>
+                        </m:sSupPr>
+                        <m:e>
+                          <m:r>
+                            <a:rPr lang="en-US" sz="1800" b="0" i="1" smtClean="0">
+                              <a:latin typeface="Cambria Math" panose="02040503050406030204" pitchFamily="18" charset="0"/>
+                            </a:rPr>
+                            <m:t>𝑅</m:t>
+                          </m:r>
+                        </m:e>
+                        <m:sup>
+                          <m:r>
+                            <a:rPr lang="en-US" sz="1800" b="0" i="1" smtClean="0">
+                              <a:latin typeface="Cambria Math" panose="02040503050406030204" pitchFamily="18" charset="0"/>
+                            </a:rPr>
+                            <m:t>𝑝</m:t>
+                          </m:r>
+                        </m:sup>
+                      </m:sSup>
+                    </m:oMath>
+                  </m:oMathPara>
+                </a14:m>
+                <a:endParaRPr lang="en-GB" dirty="0"/>
+              </a:p>
+            </p:txBody>
+          </p:sp>
+        </mc:Choice>
+        <mc:Fallback>
+          <p:sp>
+            <p:nvSpPr>
+              <p:cNvPr id="4" name="TextBox 3">
+                <a:extLst>
+                  <a:ext uri="{FF2B5EF4-FFF2-40B4-BE49-F238E27FC236}">
+                    <a16:creationId xmlns:a16="http://schemas.microsoft.com/office/drawing/2014/main" id="{9D085C27-439A-5469-461F-5F1D0DC57ACA}"/>
+                  </a:ext>
+                </a:extLst>
+              </p:cNvPr>
+              <p:cNvSpPr txBox="1">
+                <a:spLocks noRot="1" noChangeAspect="1" noMove="1" noResize="1" noEditPoints="1" noAdjustHandles="1" noChangeArrowheads="1" noChangeShapeType="1" noTextEdit="1"/>
+              </p:cNvSpPr>
+              <p:nvPr/>
+            </p:nvSpPr>
+            <p:spPr>
+              <a:xfrm>
+                <a:off x="-1436914" y="5167312"/>
+                <a:ext cx="6096000" cy="946349"/>
+              </a:xfrm>
+              <a:prstGeom prst="rect">
+                <a:avLst/>
+              </a:prstGeom>
+              <a:blipFill>
+                <a:blip r:embed="rId4"/>
+                <a:stretch>
+                  <a:fillRect/>
+                </a:stretch>
+              </a:blipFill>
+            </p:spPr>
+            <p:txBody>
+              <a:bodyPr/>
+              <a:lstStyle/>
+              <a:p>
+                <a:r>
+                  <a:rPr lang="en-GB">
+                    <a:noFill/>
+                  </a:rPr>
+                  <a:t> </a:t>
+                </a:r>
+              </a:p>
+            </p:txBody>
+          </p:sp>
+        </mc:Fallback>
+      </mc:AlternateContent>
+      <p:sp>
+        <p:nvSpPr>
+          <p:cNvPr id="6" name="TextBox 5">
+            <a:extLst>
+              <a:ext uri="{FF2B5EF4-FFF2-40B4-BE49-F238E27FC236}">
+                <a16:creationId xmlns:a16="http://schemas.microsoft.com/office/drawing/2014/main" id="{35330442-1097-FF65-FFBA-DC3EF77F40BA}"/>
+              </a:ext>
+            </a:extLst>
+          </p:cNvPr>
+          <p:cNvSpPr txBox="1"/>
+          <p:nvPr/>
+        </p:nvSpPr>
+        <p:spPr>
+          <a:xfrm>
+            <a:off x="2688772" y="1829674"/>
+            <a:ext cx="6814456" cy="369332"/>
+          </a:xfrm>
+          <a:prstGeom prst="rect">
+            <a:avLst/>
+          </a:prstGeom>
+          <a:noFill/>
+        </p:spPr>
+        <p:txBody>
+          <a:bodyPr wrap="square">
+            <a:spAutoFit/>
+          </a:bodyPr>
+          <a:lstStyle/>
+          <a:p>
+            <a:pPr algn="ctr"/>
+            <a:r>
+              <a:rPr lang="en-US" sz="1800" i="1" dirty="0"/>
+              <a:t>“If you peel a high dimensional orange, not much is left”</a:t>
+            </a:r>
+          </a:p>
+        </p:txBody>
+      </p:sp>
     </p:spTree>
     <p:extLst>
       <p:ext uri="{BB962C8B-B14F-4D97-AF65-F5344CB8AC3E}">
-        <p14:creationId xmlns:p14="http://schemas.microsoft.com/office/powerpoint/2010/main" val="882326282"/>
+        <p14:creationId xmlns:p14="http://schemas.microsoft.com/office/powerpoint/2010/main" val="2428624313"/>
       </p:ext>
     </p:extLst>
   </p:cSld>
@@ -5936,7 +9256,7 @@
                             </p:stCondLst>
                             <p:childTnLst>
                               <p:par>
-                                <p:cTn id="5" presetID="2" presetClass="entr" presetSubtype="4" fill="hold" nodeType="clickEffect">
+                                <p:cTn id="5" presetID="2" presetClass="entr" presetSubtype="4" fill="hold" grpId="0" nodeType="clickEffect">
                                   <p:stCondLst>
                                     <p:cond delay="0"/>
                                   </p:stCondLst>
@@ -5949,7 +9269,7 @@
                                           </p:stCondLst>
                                         </p:cTn>
                                         <p:tgtEl>
-                                          <p:spTgt spid="4"/>
+                                          <p:spTgt spid="6"/>
                                         </p:tgtEl>
                                         <p:attrNameLst>
                                           <p:attrName>style.visibility</p:attrName>
@@ -5963,7 +9283,7 @@
                                       <p:cBhvr additive="base">
                                         <p:cTn id="7" dur="500" fill="hold"/>
                                         <p:tgtEl>
-                                          <p:spTgt spid="4"/>
+                                          <p:spTgt spid="6"/>
                                         </p:tgtEl>
                                         <p:attrNameLst>
                                           <p:attrName>ppt_x</p:attrName>
@@ -5986,7 +9306,7 @@
                                       <p:cBhvr additive="base">
                                         <p:cTn id="8" dur="500" fill="hold"/>
                                         <p:tgtEl>
-                                          <p:spTgt spid="4"/>
+                                          <p:spTgt spid="6"/>
                                         </p:tgtEl>
                                         <p:attrNameLst>
                                           <p:attrName>ppt_y</p:attrName>
@@ -6040,7 +9360,7 @@
                                           </p:stCondLst>
                                         </p:cTn>
                                         <p:tgtEl>
-                                          <p:spTgt spid="8"/>
+                                          <p:spTgt spid="10"/>
                                         </p:tgtEl>
                                         <p:attrNameLst>
                                           <p:attrName>style.visibility</p:attrName>
@@ -6054,7 +9374,7 @@
                                       <p:cBhvr additive="base">
                                         <p:cTn id="13" dur="500" fill="hold"/>
                                         <p:tgtEl>
-                                          <p:spTgt spid="8"/>
+                                          <p:spTgt spid="10"/>
                                         </p:tgtEl>
                                         <p:attrNameLst>
                                           <p:attrName>ppt_x</p:attrName>
@@ -6077,7 +9397,98 @@
                                       <p:cBhvr additive="base">
                                         <p:cTn id="14" dur="500" fill="hold"/>
                                         <p:tgtEl>
-                                          <p:spTgt spid="8"/>
+                                          <p:spTgt spid="10"/>
+                                        </p:tgtEl>
+                                        <p:attrNameLst>
+                                          <p:attrName>ppt_y</p:attrName>
+                                        </p:attrNameLst>
+                                      </p:cBhvr>
+                                      <p:tavLst>
+                                        <p:tav tm="0">
+                                          <p:val>
+                                            <p:strVal val="1+#ppt_h/2"/>
+                                          </p:val>
+                                        </p:tav>
+                                        <p:tav tm="100000">
+                                          <p:val>
+                                            <p:strVal val="#ppt_y"/>
+                                          </p:val>
+                                        </p:tav>
+                                      </p:tavLst>
+                                    </p:anim>
+                                  </p:childTnLst>
+                                </p:cTn>
+                              </p:par>
+                            </p:childTnLst>
+                          </p:cTn>
+                        </p:par>
+                      </p:childTnLst>
+                    </p:cTn>
+                  </p:par>
+                  <p:par>
+                    <p:cTn id="15" fill="hold">
+                      <p:stCondLst>
+                        <p:cond delay="indefinite"/>
+                      </p:stCondLst>
+                      <p:childTnLst>
+                        <p:par>
+                          <p:cTn id="16" fill="hold">
+                            <p:stCondLst>
+                              <p:cond delay="0"/>
+                            </p:stCondLst>
+                            <p:childTnLst>
+                              <p:par>
+                                <p:cTn id="17" presetID="2" presetClass="entr" presetSubtype="4" fill="hold" grpId="0" nodeType="clickEffect">
+                                  <p:stCondLst>
+                                    <p:cond delay="0"/>
+                                  </p:stCondLst>
+                                  <p:childTnLst>
+                                    <p:set>
+                                      <p:cBhvr>
+                                        <p:cTn id="18" dur="1" fill="hold">
+                                          <p:stCondLst>
+                                            <p:cond delay="0"/>
+                                          </p:stCondLst>
+                                        </p:cTn>
+                                        <p:tgtEl>
+                                          <p:spTgt spid="4"/>
+                                        </p:tgtEl>
+                                        <p:attrNameLst>
+                                          <p:attrName>style.visibility</p:attrName>
+                                        </p:attrNameLst>
+                                      </p:cBhvr>
+                                      <p:to>
+                                        <p:strVal val="visible"/>
+                                      </p:to>
+                                    </p:set>
+                                    <p:anim calcmode="lin" valueType="num">
+                                      <p:cBhvr additive="base">
+                                        <p:cTn id="19" dur="500" fill="hold"/>
+                                        <p:tgtEl>
+                                          <p:spTgt spid="4"/>
+                                        </p:tgtEl>
+                                        <p:attrNameLst>
+                                          <p:attrName>ppt_x</p:attrName>
+                                        </p:attrNameLst>
+                                      </p:cBhvr>
+                                      <p:tavLst>
+                                        <p:tav tm="0">
+                                          <p:val>
+                                            <p:strVal val="#ppt_x"/>
+                                          </p:val>
+                                        </p:tav>
+                                        <p:tav tm="100000">
+                                          <p:val>
+                                            <p:strVal val="#ppt_x"/>
+                                          </p:val>
+                                        </p:tav>
+                                      </p:tavLst>
+                                    </p:anim>
+                                    <p:anim calcmode="lin" valueType="num">
+                                      <p:cBhvr additive="base">
+                                        <p:cTn id="20" dur="500" fill="hold"/>
+                                        <p:tgtEl>
+                                          <p:spTgt spid="4"/>
                                         </p:tgtEl>
                                         <p:attrNameLst>
                                           <p:attrName>ppt_y</p:attrName>
@@ -6126,11 +9537,15 @@
         </p:cTn>
       </p:par>
     </p:tnLst>
+    <p:bldLst>
+      <p:bldP spid="4" grpId="0"/>
+      <p:bldP spid="6" grpId="0"/>
+    </p:bldLst>
   </p:timing>
 </p:sld>
 </file>
 
-<file path=ppt/slides/slide6.xml><?xml version="1.0" encoding="utf-8"?>
+<file path=ppt/slides/slide7.xml><?xml version="1.0" encoding="utf-8"?>
 <p:sld xmlns:a="http://schemas.openxmlformats.org/drawingml/2006/main" xmlns:r="http://schemas.openxmlformats.org/officeDocument/2006/relationships" xmlns:p="http://schemas.openxmlformats.org/presentationml/2006/main">
   <p:cSld>
     <p:spTree>
@@ -6152,7 +9567,7 @@
           <p:cNvPr id="2" name="Title 1">
             <a:extLst>
               <a:ext uri="{FF2B5EF4-FFF2-40B4-BE49-F238E27FC236}">
-                <a16:creationId xmlns:a16="http://schemas.microsoft.com/office/drawing/2014/main" id="{7DA2998D-B6F5-31E6-6F5F-160021D80AF0}"/>
+                <a16:creationId xmlns:a16="http://schemas.microsoft.com/office/drawing/2014/main" id="{607A7251-F51D-8220-1DE8-F51B3826165D}"/>
               </a:ext>
             </a:extLst>
           </p:cNvPr>
@@ -6177,7 +9592,7 @@
           <p:cNvPr id="3" name="Content Placeholder 2">
             <a:extLst>
               <a:ext uri="{FF2B5EF4-FFF2-40B4-BE49-F238E27FC236}">
-                <a16:creationId xmlns:a16="http://schemas.microsoft.com/office/drawing/2014/main" id="{C50536C5-2E7C-0200-3627-FCE3E9C04E37}"/>
+                <a16:creationId xmlns:a16="http://schemas.microsoft.com/office/drawing/2014/main" id="{3B8DE9D6-2559-0160-D6CE-6A22AA479416}"/>
               </a:ext>
             </a:extLst>
           </p:cNvPr>
@@ -6202,7 +9617,7 @@
           <p:cNvPr id="5" name="Picture 4">
             <a:extLst>
               <a:ext uri="{FF2B5EF4-FFF2-40B4-BE49-F238E27FC236}">
-                <a16:creationId xmlns:a16="http://schemas.microsoft.com/office/drawing/2014/main" id="{297752E0-90DE-3DD9-2DC8-AB8017169E81}"/>
+                <a16:creationId xmlns:a16="http://schemas.microsoft.com/office/drawing/2014/main" id="{82FE9C98-A7DF-41C4-50DE-405FCFF6F36D}"/>
               </a:ext>
             </a:extLst>
           </p:cNvPr>
@@ -6219,68 +9634,8 @@
         </p:blipFill>
         <p:spPr>
           <a:xfrm>
-            <a:off x="1794862" y="735466"/>
-            <a:ext cx="8602275" cy="1333686"/>
-          </a:xfrm>
-          <a:prstGeom prst="rect">
-            <a:avLst/>
-          </a:prstGeom>
-        </p:spPr>
-      </p:pic>
-      <p:pic>
-        <p:nvPicPr>
-          <p:cNvPr id="7" name="Picture 6">
-            <a:extLst>
-              <a:ext uri="{FF2B5EF4-FFF2-40B4-BE49-F238E27FC236}">
-                <a16:creationId xmlns:a16="http://schemas.microsoft.com/office/drawing/2014/main" id="{629ADC77-A039-C13F-65B5-EF439AC1705B}"/>
-              </a:ext>
-            </a:extLst>
-          </p:cNvPr>
-          <p:cNvPicPr>
-            <a:picLocks noChangeAspect="1"/>
-          </p:cNvPicPr>
-          <p:nvPr/>
-        </p:nvPicPr>
-        <p:blipFill>
-          <a:blip r:embed="rId3"/>
-          <a:stretch>
-            <a:fillRect/>
-          </a:stretch>
-        </p:blipFill>
-        <p:spPr>
-          <a:xfrm>
-            <a:off x="1771045" y="2439493"/>
-            <a:ext cx="8649907" cy="2105319"/>
-          </a:xfrm>
-          <a:prstGeom prst="rect">
-            <a:avLst/>
-          </a:prstGeom>
-        </p:spPr>
-      </p:pic>
-      <p:pic>
-        <p:nvPicPr>
-          <p:cNvPr id="9" name="Picture 8">
-            <a:extLst>
-              <a:ext uri="{FF2B5EF4-FFF2-40B4-BE49-F238E27FC236}">
-                <a16:creationId xmlns:a16="http://schemas.microsoft.com/office/drawing/2014/main" id="{CDD663EB-4D82-C3B0-D25F-644A0E72975F}"/>
-              </a:ext>
-            </a:extLst>
-          </p:cNvPr>
-          <p:cNvPicPr>
-            <a:picLocks noChangeAspect="1"/>
-          </p:cNvPicPr>
-          <p:nvPr/>
-        </p:nvPicPr>
-        <p:blipFill>
-          <a:blip r:embed="rId4"/>
-          <a:stretch>
-            <a:fillRect/>
-          </a:stretch>
-        </p:blipFill>
-        <p:spPr>
-          <a:xfrm>
-            <a:off x="1780571" y="4915153"/>
-            <a:ext cx="8640381" cy="1848108"/>
+            <a:off x="942109" y="0"/>
+            <a:ext cx="10307782" cy="6858000"/>
           </a:xfrm>
           <a:prstGeom prst="rect">
             <a:avLst/>
@@ -6290,7 +9645,285 @@
     </p:spTree>
     <p:extLst>
       <p:ext uri="{BB962C8B-B14F-4D97-AF65-F5344CB8AC3E}">
-        <p14:creationId xmlns:p14="http://schemas.microsoft.com/office/powerpoint/2010/main" val="1528494668"/>
+        <p14:creationId xmlns:p14="http://schemas.microsoft.com/office/powerpoint/2010/main" val="3644126918"/>
+      </p:ext>
+    </p:extLst>
+  </p:cSld>
+  <p:clrMapOvr>
+    <a:masterClrMapping/>
+  </p:clrMapOvr>
+</p:sld>
+</file>
+
+<file path=ppt/slides/slide8.xml><?xml version="1.0" encoding="utf-8"?>
+<p:sld xmlns:a="http://schemas.openxmlformats.org/drawingml/2006/main" xmlns:r="http://schemas.openxmlformats.org/officeDocument/2006/relationships" xmlns:p="http://schemas.openxmlformats.org/presentationml/2006/main">
+  <p:cSld>
+    <p:spTree>
+      <p:nvGrpSpPr>
+        <p:cNvPr id="1" name=""/>
+        <p:cNvGrpSpPr/>
+        <p:nvPr/>
+      </p:nvGrpSpPr>
+      <p:grpSpPr>
+        <a:xfrm>
+          <a:off x="0" y="0"/>
+          <a:ext cx="0" cy="0"/>
+          <a:chOff x="0" y="0"/>
+          <a:chExt cx="0" cy="0"/>
+        </a:xfrm>
+      </p:grpSpPr>
+      <p:sp>
+        <p:nvSpPr>
+          <p:cNvPr id="2" name="Title 1">
+            <a:extLst>
+              <a:ext uri="{FF2B5EF4-FFF2-40B4-BE49-F238E27FC236}">
+                <a16:creationId xmlns:a16="http://schemas.microsoft.com/office/drawing/2014/main" id="{370F4432-7A81-1622-D64D-8F9348B4EAC8}"/>
+              </a:ext>
+            </a:extLst>
+          </p:cNvPr>
+          <p:cNvSpPr>
+            <a:spLocks noGrp="1"/>
+          </p:cNvSpPr>
+          <p:nvPr>
+            <p:ph type="title"/>
+          </p:nvPr>
+        </p:nvSpPr>
+        <p:spPr/>
+        <p:txBody>
+          <a:bodyPr/>
+          <a:lstStyle/>
+          <a:p>
+            <a:r>
+              <a:rPr lang="en-US" sz="4400" dirty="0"/>
+              <a:t>Any two vectors in the hypersphere are almost orthogonal (sketch proof)</a:t>
+            </a:r>
+            <a:endParaRPr lang="en-GB" dirty="0"/>
+          </a:p>
+        </p:txBody>
+      </p:sp>
+      <mc:AlternateContent xmlns:mc="http://schemas.openxmlformats.org/markup-compatibility/2006">
+        <mc:Choice xmlns:a14="http://schemas.microsoft.com/office/drawing/2010/main" Requires="a14">
+          <p:sp>
+            <p:nvSpPr>
+              <p:cNvPr id="3" name="Content Placeholder 2">
+                <a:extLst>
+                  <a:ext uri="{FF2B5EF4-FFF2-40B4-BE49-F238E27FC236}">
+                    <a16:creationId xmlns:a16="http://schemas.microsoft.com/office/drawing/2014/main" id="{241BF0A2-F108-97D2-4D0A-64DB4B2B4956}"/>
+                  </a:ext>
+                </a:extLst>
+              </p:cNvPr>
+              <p:cNvSpPr>
+                <a:spLocks noGrp="1"/>
+              </p:cNvSpPr>
+              <p:nvPr>
+                <p:ph idx="1"/>
+              </p:nvPr>
+            </p:nvSpPr>
+            <p:spPr/>
+            <p:txBody>
+              <a:bodyPr>
+                <a:normAutofit/>
+              </a:bodyPr>
+              <a:lstStyle/>
+              <a:p>
+                <a:pPr>
+                  <a:buFont typeface="Wingdings" panose="05000000000000000000" pitchFamily="2" charset="2"/>
+                  <a:buChar char="Ø"/>
+                </a:pPr>
+                <a:r>
+                  <a:rPr lang="en-US" dirty="0"/>
+                  <a:t>Imagine two unit vectors in p dimensions  “x” and “y” and consider their dot product </a:t>
+                </a:r>
+                <a14:m>
+                  <m:oMath xmlns:m="http://schemas.openxmlformats.org/officeDocument/2006/math">
+                    <m:r>
+                      <a:rPr lang="en-US" b="0" i="1" smtClean="0">
+                        <a:latin typeface="Cambria Math" panose="02040503050406030204" pitchFamily="18" charset="0"/>
+                      </a:rPr>
+                      <m:t>𝑧</m:t>
+                    </m:r>
+                    <m:r>
+                      <a:rPr lang="en-US" b="0" i="1" smtClean="0">
+                        <a:latin typeface="Cambria Math" panose="02040503050406030204" pitchFamily="18" charset="0"/>
+                      </a:rPr>
+                      <m:t>=</m:t>
+                    </m:r>
+                    <m:r>
+                      <a:rPr lang="en-US" b="0" i="1" smtClean="0">
+                        <a:latin typeface="Cambria Math" panose="02040503050406030204" pitchFamily="18" charset="0"/>
+                      </a:rPr>
+                      <m:t>𝑥</m:t>
+                    </m:r>
+                    <m:r>
+                      <a:rPr lang="en-US" b="0" i="1" smtClean="0">
+                        <a:latin typeface="Cambria Math" panose="02040503050406030204" pitchFamily="18" charset="0"/>
+                        <a:ea typeface="Cambria Math" panose="02040503050406030204" pitchFamily="18" charset="0"/>
+                      </a:rPr>
+                      <m:t>∙</m:t>
+                    </m:r>
+                    <m:r>
+                      <a:rPr lang="en-US" b="0" i="1" smtClean="0">
+                        <a:latin typeface="Cambria Math" panose="02040503050406030204" pitchFamily="18" charset="0"/>
+                        <a:ea typeface="Cambria Math" panose="02040503050406030204" pitchFamily="18" charset="0"/>
+                      </a:rPr>
+                      <m:t>𝑦</m:t>
+                    </m:r>
+                  </m:oMath>
+                </a14:m>
+                <a:endParaRPr lang="en-US" dirty="0"/>
+              </a:p>
+              <a:p>
+                <a:pPr>
+                  <a:buFont typeface="Wingdings" panose="05000000000000000000" pitchFamily="2" charset="2"/>
+                  <a:buChar char="Ø"/>
+                </a:pPr>
+                <a:r>
+                  <a:rPr lang="en-US" dirty="0"/>
+                  <a:t>It suffices to fix one and randomly choose the other. </a:t>
+                </a:r>
+                <a:br>
+                  <a:rPr lang="en-US" dirty="0"/>
+                </a:br>
+                <a:r>
+                  <a:rPr lang="en-US" dirty="0"/>
+                  <a:t>Let x=(1, 0, 0, …) and y be random, this means: </a:t>
+                </a:r>
+                <a14:m>
+                  <m:oMath xmlns:m="http://schemas.openxmlformats.org/officeDocument/2006/math">
+                    <m:r>
+                      <a:rPr lang="en-US" b="0" i="1" smtClean="0">
+                        <a:latin typeface="Cambria Math" panose="02040503050406030204" pitchFamily="18" charset="0"/>
+                      </a:rPr>
+                      <m:t>𝑥</m:t>
+                    </m:r>
+                    <m:r>
+                      <a:rPr lang="en-US" b="0" i="1" smtClean="0">
+                        <a:latin typeface="Cambria Math" panose="02040503050406030204" pitchFamily="18" charset="0"/>
+                        <a:ea typeface="Cambria Math" panose="02040503050406030204" pitchFamily="18" charset="0"/>
+                      </a:rPr>
+                      <m:t>∙</m:t>
+                    </m:r>
+                    <m:r>
+                      <a:rPr lang="en-US" b="0" i="1" smtClean="0">
+                        <a:latin typeface="Cambria Math" panose="02040503050406030204" pitchFamily="18" charset="0"/>
+                        <a:ea typeface="Cambria Math" panose="02040503050406030204" pitchFamily="18" charset="0"/>
+                      </a:rPr>
+                      <m:t>𝑦</m:t>
+                    </m:r>
+                    <m:r>
+                      <a:rPr lang="en-US" b="0" i="1" smtClean="0">
+                        <a:latin typeface="Cambria Math" panose="02040503050406030204" pitchFamily="18" charset="0"/>
+                        <a:ea typeface="Cambria Math" panose="02040503050406030204" pitchFamily="18" charset="0"/>
+                      </a:rPr>
+                      <m:t>=</m:t>
+                    </m:r>
+                    <m:sSub>
+                      <m:sSubPr>
+                        <m:ctrlPr>
+                          <a:rPr lang="en-US" b="0" i="1" smtClean="0">
+                            <a:latin typeface="Cambria Math" panose="02040503050406030204" pitchFamily="18" charset="0"/>
+                            <a:ea typeface="Cambria Math" panose="02040503050406030204" pitchFamily="18" charset="0"/>
+                          </a:rPr>
+                        </m:ctrlPr>
+                      </m:sSubPr>
+                      <m:e>
+                        <m:r>
+                          <a:rPr lang="en-US" b="0" i="1" smtClean="0">
+                            <a:latin typeface="Cambria Math" panose="02040503050406030204" pitchFamily="18" charset="0"/>
+                            <a:ea typeface="Cambria Math" panose="02040503050406030204" pitchFamily="18" charset="0"/>
+                          </a:rPr>
+                          <m:t>𝑦</m:t>
+                        </m:r>
+                      </m:e>
+                      <m:sub>
+                        <m:r>
+                          <a:rPr lang="en-US" b="0" i="1" smtClean="0">
+                            <a:latin typeface="Cambria Math" panose="02040503050406030204" pitchFamily="18" charset="0"/>
+                            <a:ea typeface="Cambria Math" panose="02040503050406030204" pitchFamily="18" charset="0"/>
+                          </a:rPr>
+                          <m:t>1</m:t>
+                        </m:r>
+                      </m:sub>
+                    </m:sSub>
+                  </m:oMath>
+                </a14:m>
+                <a:endParaRPr lang="en-US" b="0" dirty="0">
+                  <a:ea typeface="Cambria Math" panose="02040503050406030204" pitchFamily="18" charset="0"/>
+                </a:endParaRPr>
+              </a:p>
+              <a:p>
+                <a:pPr>
+                  <a:buFont typeface="Wingdings" panose="05000000000000000000" pitchFamily="2" charset="2"/>
+                  <a:buChar char="Ø"/>
+                </a:pPr>
+                <a:r>
+                  <a:rPr lang="en-US" dirty="0"/>
+                  <a:t>As p gets larger, the elements of the vector “y” get smaller on average because it’s a unit norm vector - a high-dimensional unit vector has lots of small elements, a 1-d unit vector is just (1).</a:t>
+                </a:r>
+              </a:p>
+              <a:p>
+                <a:pPr>
+                  <a:buFont typeface="Wingdings" panose="05000000000000000000" pitchFamily="2" charset="2"/>
+                  <a:buChar char="Ø"/>
+                </a:pPr>
+                <a:r>
+                  <a:rPr lang="en-US" dirty="0"/>
+                  <a:t>This means the dot product gets smaller on average as p gets larger.</a:t>
+                </a:r>
+              </a:p>
+              <a:p>
+                <a:pPr marL="0" indent="0">
+                  <a:buNone/>
+                </a:pPr>
+                <a:endParaRPr lang="en-GB" dirty="0"/>
+              </a:p>
+            </p:txBody>
+          </p:sp>
+        </mc:Choice>
+        <mc:Fallback>
+          <p:sp>
+            <p:nvSpPr>
+              <p:cNvPr id="3" name="Content Placeholder 2">
+                <a:extLst>
+                  <a:ext uri="{FF2B5EF4-FFF2-40B4-BE49-F238E27FC236}">
+                    <a16:creationId xmlns:a16="http://schemas.microsoft.com/office/drawing/2014/main" id="{241BF0A2-F108-97D2-4D0A-64DB4B2B4956}"/>
+                  </a:ext>
+                </a:extLst>
+              </p:cNvPr>
+              <p:cNvSpPr>
+                <a:spLocks noGrp="1" noRot="1" noChangeAspect="1" noMove="1" noResize="1" noEditPoints="1" noAdjustHandles="1" noChangeArrowheads="1" noChangeShapeType="1" noTextEdit="1"/>
+              </p:cNvSpPr>
+              <p:nvPr>
+                <p:ph idx="1"/>
+              </p:nvPr>
+            </p:nvSpPr>
+            <p:spPr>
+              <a:blipFill>
+                <a:blip r:embed="rId2"/>
+                <a:stretch>
+                  <a:fillRect l="-1043" t="-2381"/>
+                </a:stretch>
+              </a:blipFill>
+            </p:spPr>
+            <p:txBody>
+              <a:bodyPr/>
+              <a:lstStyle/>
+              <a:p>
+                <a:r>
+                  <a:rPr lang="en-GB">
+                    <a:noFill/>
+                  </a:rPr>
+                  <a:t> </a:t>
+                </a:r>
+              </a:p>
+            </p:txBody>
+          </p:sp>
+        </mc:Fallback>
+      </mc:AlternateContent>
+    </p:spTree>
+    <p:extLst>
+      <p:ext uri="{BB962C8B-B14F-4D97-AF65-F5344CB8AC3E}">
+        <p14:creationId xmlns:p14="http://schemas.microsoft.com/office/powerpoint/2010/main" val="203416615"/>
       </p:ext>
     </p:extLst>
   </p:cSld>
@@ -6331,7 +9964,11 @@
                                           </p:stCondLst>
                                         </p:cTn>
                                         <p:tgtEl>
-                                          <p:spTgt spid="5"/>
+                                          <p:spTgt spid="3">
+                                            <p:txEl>
+                                              <p:pRg st="0" end="0"/>
+                                            </p:txEl>
+                                          </p:spTgt>
                                         </p:tgtEl>
                                         <p:attrNameLst>
                                           <p:attrName>style.visibility</p:attrName>
@@ -6345,7 +9982,11 @@
                                       <p:cBhvr additive="base">
                                         <p:cTn id="7" dur="500" fill="hold"/>
                                         <p:tgtEl>
-                                          <p:spTgt spid="5"/>
+                                          <p:spTgt spid="3">
+                                            <p:txEl>
+                                              <p:pRg st="0" end="0"/>
+                                            </p:txEl>
+                                          </p:spTgt>
                                         </p:tgtEl>
                                         <p:attrNameLst>
                                           <p:attrName>ppt_x</p:attrName>
@@ -6368,7 +10009,11 @@
                                       <p:cBhvr additive="base">
                                         <p:cTn id="8" dur="500" fill="hold"/>
                                         <p:tgtEl>
-                                          <p:spTgt spid="5"/>
+                                          <p:spTgt spid="3">
+                                            <p:txEl>
+                                              <p:pRg st="0" end="0"/>
+                                            </p:txEl>
+                                          </p:spTgt>
                                         </p:tgtEl>
                                         <p:attrNameLst>
                                           <p:attrName>ppt_y</p:attrName>
@@ -6422,7 +10067,11 @@
                                           </p:stCondLst>
                                         </p:cTn>
                                         <p:tgtEl>
-                                          <p:spTgt spid="7"/>
+                                          <p:spTgt spid="3">
+                                            <p:txEl>
+                                              <p:pRg st="1" end="1"/>
+                                            </p:txEl>
+                                          </p:spTgt>
                                         </p:tgtEl>
                                         <p:attrNameLst>
                                           <p:attrName>style.visibility</p:attrName>
@@ -6436,7 +10085,11 @@
                                       <p:cBhvr additive="base">
                                         <p:cTn id="13" dur="500" fill="hold"/>
                                         <p:tgtEl>
-                                          <p:spTgt spid="7"/>
+                                          <p:spTgt spid="3">
+                                            <p:txEl>
+                                              <p:pRg st="1" end="1"/>
+                                            </p:txEl>
+                                          </p:spTgt>
                                         </p:tgtEl>
                                         <p:attrNameLst>
                                           <p:attrName>ppt_x</p:attrName>
@@ -6459,7 +10112,11 @@
                                       <p:cBhvr additive="base">
                                         <p:cTn id="14" dur="500" fill="hold"/>
                                         <p:tgtEl>
-                                          <p:spTgt spid="7"/>
+                                          <p:spTgt spid="3">
+                                            <p:txEl>
+                                              <p:pRg st="1" end="1"/>
+                                            </p:txEl>
+                                          </p:spTgt>
                                         </p:tgtEl>
                                         <p:attrNameLst>
                                           <p:attrName>ppt_y</p:attrName>
@@ -6513,7 +10170,11 @@
                                           </p:stCondLst>
                                         </p:cTn>
                                         <p:tgtEl>
-                                          <p:spTgt spid="9"/>
+                                          <p:spTgt spid="3">
+                                            <p:txEl>
+                                              <p:pRg st="2" end="2"/>
+                                            </p:txEl>
+                                          </p:spTgt>
                                         </p:tgtEl>
                                         <p:attrNameLst>
                                           <p:attrName>style.visibility</p:attrName>
@@ -6527,7 +10188,11 @@
                                       <p:cBhvr additive="base">
                                         <p:cTn id="19" dur="500" fill="hold"/>
                                         <p:tgtEl>
-                                          <p:spTgt spid="9"/>
+                                          <p:spTgt spid="3">
+                                            <p:txEl>
+                                              <p:pRg st="2" end="2"/>
+                                            </p:txEl>
+                                          </p:spTgt>
                                         </p:tgtEl>
                                         <p:attrNameLst>
                                           <p:attrName>ppt_x</p:attrName>
@@ -6550,7 +10215,114 @@
                                       <p:cBhvr additive="base">
                                         <p:cTn id="20" dur="500" fill="hold"/>
                                         <p:tgtEl>
-                                          <p:spTgt spid="9"/>
+                                          <p:spTgt spid="3">
+                                            <p:txEl>
+                                              <p:pRg st="2" end="2"/>
+                                            </p:txEl>
+                                          </p:spTgt>
+                                        </p:tgtEl>
+                                        <p:attrNameLst>
+                                          <p:attrName>ppt_y</p:attrName>
+                                        </p:attrNameLst>
+                                      </p:cBhvr>
+                                      <p:tavLst>
+                                        <p:tav tm="0">
+                                          <p:val>
+                                            <p:strVal val="1+#ppt_h/2"/>
+                                          </p:val>
+                                        </p:tav>
+                                        <p:tav tm="100000">
+                                          <p:val>
+                                            <p:strVal val="#ppt_y"/>
+                                          </p:val>
+                                        </p:tav>
+                                      </p:tavLst>
+                                    </p:anim>
+                                  </p:childTnLst>
+                                </p:cTn>
+                              </p:par>
+                            </p:childTnLst>
+                          </p:cTn>
+                        </p:par>
+                      </p:childTnLst>
+                    </p:cTn>
+                  </p:par>
+                  <p:par>
+                    <p:cTn id="21" fill="hold">
+                      <p:stCondLst>
+                        <p:cond delay="indefinite"/>
+                      </p:stCondLst>
+                      <p:childTnLst>
+                        <p:par>
+                          <p:cTn id="22" fill="hold">
+                            <p:stCondLst>
+                              <p:cond delay="0"/>
+                            </p:stCondLst>
+                            <p:childTnLst>
+                              <p:par>
+                                <p:cTn id="23" presetID="2" presetClass="entr" presetSubtype="4" fill="hold" nodeType="clickEffect">
+                                  <p:stCondLst>
+                                    <p:cond delay="0"/>
+                                  </p:stCondLst>
+                                  <p:childTnLst>
+                                    <p:set>
+                                      <p:cBhvr>
+                                        <p:cTn id="24" dur="1" fill="hold">
+                                          <p:stCondLst>
+                                            <p:cond delay="0"/>
+                                          </p:stCondLst>
+                                        </p:cTn>
+                                        <p:tgtEl>
+                                          <p:spTgt spid="3">
+                                            <p:txEl>
+                                              <p:pRg st="3" end="3"/>
+                                            </p:txEl>
+                                          </p:spTgt>
+                                        </p:tgtEl>
+                                        <p:attrNameLst>
+                                          <p:attrName>style.visibility</p:attrName>
+                                        </p:attrNameLst>
+                                      </p:cBhvr>
+                                      <p:to>
+                                        <p:strVal val="visible"/>
+                                      </p:to>
+                                    </p:set>
+                                    <p:anim calcmode="lin" valueType="num">
+                                      <p:cBhvr additive="base">
+                                        <p:cTn id="25" dur="500" fill="hold"/>
+                                        <p:tgtEl>
+                                          <p:spTgt spid="3">
+                                            <p:txEl>
+                                              <p:pRg st="3" end="3"/>
+                                            </p:txEl>
+                                          </p:spTgt>
+                                        </p:tgtEl>
+                                        <p:attrNameLst>
+                                          <p:attrName>ppt_x</p:attrName>
+                                        </p:attrNameLst>
+                                      </p:cBhvr>
+                                      <p:tavLst>
+                                        <p:tav tm="0">
+                                          <p:val>
+                                            <p:strVal val="#ppt_x"/>
+                                          </p:val>
+                                        </p:tav>
+                                        <p:tav tm="100000">
+                                          <p:val>
+                                            <p:strVal val="#ppt_x"/>
+                                          </p:val>
+                                        </p:tav>
+                                      </p:tavLst>
+                                    </p:anim>
+                                    <p:anim calcmode="lin" valueType="num">
+                                      <p:cBhvr additive="base">
+                                        <p:cTn id="26" dur="500" fill="hold"/>
+                                        <p:tgtEl>
+                                          <p:spTgt spid="3">
+                                            <p:txEl>
+                                              <p:pRg st="3" end="3"/>
+                                            </p:txEl>
+                                          </p:spTgt>
                                         </p:tgtEl>
                                         <p:attrNameLst>
                                           <p:attrName>ppt_y</p:attrName>
@@ -6603,207 +10375,6 @@
 </p:sld>
 </file>
 
-<file path=ppt/slides/slide7.xml><?xml version="1.0" encoding="utf-8"?>
-<p:sld xmlns:a="http://schemas.openxmlformats.org/drawingml/2006/main" xmlns:r="http://schemas.openxmlformats.org/officeDocument/2006/relationships" xmlns:p="http://schemas.openxmlformats.org/presentationml/2006/main">
-  <p:cSld>
-    <p:spTree>
-      <p:nvGrpSpPr>
-        <p:cNvPr id="1" name=""/>
-        <p:cNvGrpSpPr/>
-        <p:nvPr/>
-      </p:nvGrpSpPr>
-      <p:grpSpPr>
-        <a:xfrm>
-          <a:off x="0" y="0"/>
-          <a:ext cx="0" cy="0"/>
-          <a:chOff x="0" y="0"/>
-          <a:chExt cx="0" cy="0"/>
-        </a:xfrm>
-      </p:grpSpPr>
-      <p:sp>
-        <p:nvSpPr>
-          <p:cNvPr id="2" name="Title 1">
-            <a:extLst>
-              <a:ext uri="{FF2B5EF4-FFF2-40B4-BE49-F238E27FC236}">
-                <a16:creationId xmlns:a16="http://schemas.microsoft.com/office/drawing/2014/main" id="{9D5F92A0-EAA8-6DEA-B995-E68C8E62DEB4}"/>
-              </a:ext>
-            </a:extLst>
-          </p:cNvPr>
-          <p:cNvSpPr>
-            <a:spLocks noGrp="1"/>
-          </p:cNvSpPr>
-          <p:nvPr>
-            <p:ph type="title"/>
-          </p:nvPr>
-        </p:nvSpPr>
-        <p:spPr/>
-        <p:txBody>
-          <a:bodyPr/>
-          <a:lstStyle/>
-          <a:p>
-            <a:endParaRPr lang="en-GB"/>
-          </a:p>
-        </p:txBody>
-      </p:sp>
-      <p:sp>
-        <p:nvSpPr>
-          <p:cNvPr id="3" name="Content Placeholder 2">
-            <a:extLst>
-              <a:ext uri="{FF2B5EF4-FFF2-40B4-BE49-F238E27FC236}">
-                <a16:creationId xmlns:a16="http://schemas.microsoft.com/office/drawing/2014/main" id="{66409144-AB41-26D2-9F38-9FF5DD0A596B}"/>
-              </a:ext>
-            </a:extLst>
-          </p:cNvPr>
-          <p:cNvSpPr>
-            <a:spLocks noGrp="1"/>
-          </p:cNvSpPr>
-          <p:nvPr>
-            <p:ph idx="1"/>
-          </p:nvPr>
-        </p:nvSpPr>
-        <p:spPr/>
-        <p:txBody>
-          <a:bodyPr/>
-          <a:lstStyle/>
-          <a:p>
-            <a:endParaRPr lang="en-GB"/>
-          </a:p>
-        </p:txBody>
-      </p:sp>
-      <p:pic>
-        <p:nvPicPr>
-          <p:cNvPr id="5" name="Picture 4">
-            <a:extLst>
-              <a:ext uri="{FF2B5EF4-FFF2-40B4-BE49-F238E27FC236}">
-                <a16:creationId xmlns:a16="http://schemas.microsoft.com/office/drawing/2014/main" id="{5D5FADCD-6492-B34F-488C-1CE9AA339379}"/>
-              </a:ext>
-            </a:extLst>
-          </p:cNvPr>
-          <p:cNvPicPr>
-            <a:picLocks noChangeAspect="1"/>
-          </p:cNvPicPr>
-          <p:nvPr/>
-        </p:nvPicPr>
-        <p:blipFill>
-          <a:blip r:embed="rId2"/>
-          <a:stretch>
-            <a:fillRect/>
-          </a:stretch>
-        </p:blipFill>
-        <p:spPr>
-          <a:xfrm>
-            <a:off x="938645" y="0"/>
-            <a:ext cx="10314709" cy="6858000"/>
-          </a:xfrm>
-          <a:prstGeom prst="rect">
-            <a:avLst/>
-          </a:prstGeom>
-        </p:spPr>
-      </p:pic>
-    </p:spTree>
-    <p:extLst>
-      <p:ext uri="{BB962C8B-B14F-4D97-AF65-F5344CB8AC3E}">
-        <p14:creationId xmlns:p14="http://schemas.microsoft.com/office/powerpoint/2010/main" val="842343971"/>
-      </p:ext>
-    </p:extLst>
-  </p:cSld>
-  <p:clrMapOvr>
-    <a:masterClrMapping/>
-  </p:clrMapOvr>
-</p:sld>
-</file>
-
-<file path=ppt/slides/slide8.xml><?xml version="1.0" encoding="utf-8"?>
-<p:sld xmlns:a="http://schemas.openxmlformats.org/drawingml/2006/main" xmlns:r="http://schemas.openxmlformats.org/officeDocument/2006/relationships" xmlns:p="http://schemas.openxmlformats.org/presentationml/2006/main">
-  <p:cSld>
-    <p:spTree>
-      <p:nvGrpSpPr>
-        <p:cNvPr id="1" name=""/>
-        <p:cNvGrpSpPr/>
-        <p:nvPr/>
-      </p:nvGrpSpPr>
-      <p:grpSpPr>
-        <a:xfrm>
-          <a:off x="0" y="0"/>
-          <a:ext cx="0" cy="0"/>
-          <a:chOff x="0" y="0"/>
-          <a:chExt cx="0" cy="0"/>
-        </a:xfrm>
-      </p:grpSpPr>
-      <p:sp>
-        <p:nvSpPr>
-          <p:cNvPr id="2" name="Title 1">
-            <a:extLst>
-              <a:ext uri="{FF2B5EF4-FFF2-40B4-BE49-F238E27FC236}">
-                <a16:creationId xmlns:a16="http://schemas.microsoft.com/office/drawing/2014/main" id="{267A1C57-FB7F-D1CC-6DEE-6C96964FFD73}"/>
-              </a:ext>
-            </a:extLst>
-          </p:cNvPr>
-          <p:cNvSpPr>
-            <a:spLocks noGrp="1"/>
-          </p:cNvSpPr>
-          <p:nvPr>
-            <p:ph type="title"/>
-          </p:nvPr>
-        </p:nvSpPr>
-        <p:spPr/>
-        <p:txBody>
-          <a:bodyPr>
-            <a:normAutofit/>
-          </a:bodyPr>
-          <a:lstStyle/>
-          <a:p>
-            <a:r>
-              <a:rPr lang="en-US" dirty="0"/>
-              <a:t>The volume of a hypersphere is concentrated close to its surface</a:t>
-            </a:r>
-            <a:endParaRPr lang="en-GB" dirty="0"/>
-          </a:p>
-        </p:txBody>
-      </p:sp>
-      <p:pic>
-        <p:nvPicPr>
-          <p:cNvPr id="10" name="Picture 9">
-            <a:extLst>
-              <a:ext uri="{FF2B5EF4-FFF2-40B4-BE49-F238E27FC236}">
-                <a16:creationId xmlns:a16="http://schemas.microsoft.com/office/drawing/2014/main" id="{8C4BE5BF-81CB-D570-0C24-1BCE445D0295}"/>
-              </a:ext>
-            </a:extLst>
-          </p:cNvPr>
-          <p:cNvPicPr>
-            <a:picLocks noChangeAspect="1"/>
-          </p:cNvPicPr>
-          <p:nvPr/>
-        </p:nvPicPr>
-        <p:blipFill>
-          <a:blip r:embed="rId3"/>
-          <a:stretch>
-            <a:fillRect/>
-          </a:stretch>
-        </p:blipFill>
-        <p:spPr>
-          <a:xfrm>
-            <a:off x="2075889" y="2014340"/>
-            <a:ext cx="8040222" cy="2829320"/>
-          </a:xfrm>
-          <a:prstGeom prst="rect">
-            <a:avLst/>
-          </a:prstGeom>
-        </p:spPr>
-      </p:pic>
-    </p:spTree>
-    <p:extLst>
-      <p:ext uri="{BB962C8B-B14F-4D97-AF65-F5344CB8AC3E}">
-        <p14:creationId xmlns:p14="http://schemas.microsoft.com/office/powerpoint/2010/main" val="2428624313"/>
-      </p:ext>
-    </p:extLst>
-  </p:cSld>
-  <p:clrMapOvr>
-    <a:masterClrMapping/>
-  </p:clrMapOvr>
-</p:sld>
-</file>
-
 <file path=ppt/slides/slide9.xml><?xml version="1.0" encoding="utf-8"?>
 <p:sld xmlns:a="http://schemas.openxmlformats.org/drawingml/2006/main" xmlns:r="http://schemas.openxmlformats.org/officeDocument/2006/relationships" xmlns:p="http://schemas.openxmlformats.org/presentationml/2006/main">
   <p:cSld>
@@ -6826,7 +10397,7 @@
           <p:cNvPr id="2" name="Title 1">
             <a:extLst>
               <a:ext uri="{FF2B5EF4-FFF2-40B4-BE49-F238E27FC236}">
-                <a16:creationId xmlns:a16="http://schemas.microsoft.com/office/drawing/2014/main" id="{607A7251-F51D-8220-1DE8-F51B3826165D}"/>
+                <a16:creationId xmlns:a16="http://schemas.microsoft.com/office/drawing/2014/main" id="{5F97B11F-ED23-4363-7B00-B77F912B0B9A}"/>
               </a:ext>
             </a:extLst>
           </p:cNvPr>
@@ -6842,69 +10413,744 @@
           <a:bodyPr/>
           <a:lstStyle/>
           <a:p>
-            <a:endParaRPr lang="en-GB"/>
+            <a:r>
+              <a:rPr lang="en-US" sz="4400" dirty="0"/>
+              <a:t>Any two vectors in the hypersphere are almost orthogonal (sketch proof)</a:t>
+            </a:r>
+            <a:endParaRPr lang="en-GB" dirty="0"/>
           </a:p>
         </p:txBody>
       </p:sp>
-      <p:sp>
-        <p:nvSpPr>
-          <p:cNvPr id="3" name="Content Placeholder 2">
-            <a:extLst>
-              <a:ext uri="{FF2B5EF4-FFF2-40B4-BE49-F238E27FC236}">
-                <a16:creationId xmlns:a16="http://schemas.microsoft.com/office/drawing/2014/main" id="{3B8DE9D6-2559-0160-D6CE-6A22AA479416}"/>
-              </a:ext>
-            </a:extLst>
-          </p:cNvPr>
-          <p:cNvSpPr>
-            <a:spLocks noGrp="1"/>
-          </p:cNvSpPr>
-          <p:nvPr>
-            <p:ph idx="1"/>
-          </p:nvPr>
-        </p:nvSpPr>
-        <p:spPr/>
-        <p:txBody>
-          <a:bodyPr/>
-          <a:lstStyle/>
-          <a:p>
-            <a:endParaRPr lang="en-GB"/>
-          </a:p>
-        </p:txBody>
-      </p:sp>
-      <p:pic>
-        <p:nvPicPr>
-          <p:cNvPr id="5" name="Picture 4">
-            <a:extLst>
-              <a:ext uri="{FF2B5EF4-FFF2-40B4-BE49-F238E27FC236}">
-                <a16:creationId xmlns:a16="http://schemas.microsoft.com/office/drawing/2014/main" id="{82FE9C98-A7DF-41C4-50DE-405FCFF6F36D}"/>
-              </a:ext>
-            </a:extLst>
-          </p:cNvPr>
-          <p:cNvPicPr>
-            <a:picLocks noChangeAspect="1"/>
-          </p:cNvPicPr>
-          <p:nvPr/>
-        </p:nvPicPr>
-        <p:blipFill>
-          <a:blip r:embed="rId2"/>
-          <a:stretch>
-            <a:fillRect/>
-          </a:stretch>
-        </p:blipFill>
-        <p:spPr>
-          <a:xfrm>
-            <a:off x="942109" y="0"/>
-            <a:ext cx="10307782" cy="6858000"/>
-          </a:xfrm>
-          <a:prstGeom prst="rect">
-            <a:avLst/>
-          </a:prstGeom>
-        </p:spPr>
-      </p:pic>
+      <mc:AlternateContent xmlns:mc="http://schemas.openxmlformats.org/markup-compatibility/2006">
+        <mc:Choice xmlns:a14="http://schemas.microsoft.com/office/drawing/2010/main" Requires="a14">
+          <p:sp>
+            <p:nvSpPr>
+              <p:cNvPr id="3" name="Content Placeholder 2">
+                <a:extLst>
+                  <a:ext uri="{FF2B5EF4-FFF2-40B4-BE49-F238E27FC236}">
+                    <a16:creationId xmlns:a16="http://schemas.microsoft.com/office/drawing/2014/main" id="{EA1DAA4D-E54F-ED36-A625-552FE3985978}"/>
+                  </a:ext>
+                </a:extLst>
+              </p:cNvPr>
+              <p:cNvSpPr>
+                <a:spLocks noGrp="1"/>
+              </p:cNvSpPr>
+              <p:nvPr>
+                <p:ph idx="1"/>
+              </p:nvPr>
+            </p:nvSpPr>
+            <p:spPr/>
+            <p:txBody>
+              <a:bodyPr>
+                <a:normAutofit/>
+              </a:bodyPr>
+              <a:lstStyle/>
+              <a:p>
+                <a:pPr>
+                  <a:buFont typeface="Wingdings" panose="05000000000000000000" pitchFamily="2" charset="2"/>
+                  <a:buChar char="Ø"/>
+                </a:pPr>
+                <a:r>
+                  <a:rPr lang="en-US" dirty="0"/>
+                  <a:t>It transpires that for dimension p the pdf of “z” has the form:</a:t>
+                </a:r>
+                <a:br>
+                  <a:rPr lang="en-US" dirty="0"/>
+                </a:br>
+                <a14:m>
+                  <m:oMath xmlns:m="http://schemas.openxmlformats.org/officeDocument/2006/math">
+                    <m:sSub>
+                      <m:sSubPr>
+                        <m:ctrlPr>
+                          <a:rPr lang="en-US" i="1" smtClean="0">
+                            <a:latin typeface="Cambria Math" panose="02040503050406030204" pitchFamily="18" charset="0"/>
+                          </a:rPr>
+                        </m:ctrlPr>
+                      </m:sSubPr>
+                      <m:e>
+                        <m:r>
+                          <a:rPr lang="en-US" b="0" i="1" smtClean="0">
+                            <a:latin typeface="Cambria Math" panose="02040503050406030204" pitchFamily="18" charset="0"/>
+                          </a:rPr>
+                          <m:t>𝑓</m:t>
+                        </m:r>
+                      </m:e>
+                      <m:sub>
+                        <m:r>
+                          <a:rPr lang="en-US" b="0" i="1" smtClean="0">
+                            <a:latin typeface="Cambria Math" panose="02040503050406030204" pitchFamily="18" charset="0"/>
+                          </a:rPr>
+                          <m:t>𝑝</m:t>
+                        </m:r>
+                      </m:sub>
+                    </m:sSub>
+                    <m:d>
+                      <m:dPr>
+                        <m:ctrlPr>
+                          <a:rPr lang="en-US" b="0" i="1" smtClean="0">
+                            <a:latin typeface="Cambria Math" panose="02040503050406030204" pitchFamily="18" charset="0"/>
+                          </a:rPr>
+                        </m:ctrlPr>
+                      </m:dPr>
+                      <m:e>
+                        <m:r>
+                          <a:rPr lang="en-US" b="0" i="1" smtClean="0">
+                            <a:latin typeface="Cambria Math" panose="02040503050406030204" pitchFamily="18" charset="0"/>
+                          </a:rPr>
+                          <m:t>𝑧</m:t>
+                        </m:r>
+                      </m:e>
+                    </m:d>
+                    <m:r>
+                      <a:rPr lang="en-US" b="0" i="1" smtClean="0">
+                        <a:latin typeface="Cambria Math" panose="02040503050406030204" pitchFamily="18" charset="0"/>
+                      </a:rPr>
+                      <m:t>=</m:t>
+                    </m:r>
+                    <m:sSub>
+                      <m:sSubPr>
+                        <m:ctrlPr>
+                          <a:rPr lang="en-US" b="0" i="1" smtClean="0">
+                            <a:latin typeface="Cambria Math" panose="02040503050406030204" pitchFamily="18" charset="0"/>
+                          </a:rPr>
+                        </m:ctrlPr>
+                      </m:sSubPr>
+                      <m:e>
+                        <m:r>
+                          <a:rPr lang="en-US" b="0" i="1" smtClean="0">
+                            <a:latin typeface="Cambria Math" panose="02040503050406030204" pitchFamily="18" charset="0"/>
+                          </a:rPr>
+                          <m:t>𝐶</m:t>
+                        </m:r>
+                      </m:e>
+                      <m:sub>
+                        <m:r>
+                          <a:rPr lang="en-US" b="0" i="1" smtClean="0">
+                            <a:latin typeface="Cambria Math" panose="02040503050406030204" pitchFamily="18" charset="0"/>
+                          </a:rPr>
+                          <m:t>𝑝</m:t>
+                        </m:r>
+                      </m:sub>
+                    </m:sSub>
+                    <m:sSup>
+                      <m:sSupPr>
+                        <m:ctrlPr>
+                          <a:rPr lang="en-US" b="0" i="1" smtClean="0">
+                            <a:latin typeface="Cambria Math" panose="02040503050406030204" pitchFamily="18" charset="0"/>
+                          </a:rPr>
+                        </m:ctrlPr>
+                      </m:sSupPr>
+                      <m:e>
+                        <m:r>
+                          <a:rPr lang="en-US" b="0" i="1" smtClean="0">
+                            <a:latin typeface="Cambria Math" panose="02040503050406030204" pitchFamily="18" charset="0"/>
+                          </a:rPr>
+                          <m:t>(1−</m:t>
+                        </m:r>
+                        <m:sSup>
+                          <m:sSupPr>
+                            <m:ctrlPr>
+                              <a:rPr lang="en-US" b="0" i="1" smtClean="0">
+                                <a:latin typeface="Cambria Math" panose="02040503050406030204" pitchFamily="18" charset="0"/>
+                              </a:rPr>
+                            </m:ctrlPr>
+                          </m:sSupPr>
+                          <m:e>
+                            <m:r>
+                              <a:rPr lang="en-US" b="0" i="1" smtClean="0">
+                                <a:latin typeface="Cambria Math" panose="02040503050406030204" pitchFamily="18" charset="0"/>
+                              </a:rPr>
+                              <m:t>𝑧</m:t>
+                            </m:r>
+                          </m:e>
+                          <m:sup>
+                            <m:r>
+                              <a:rPr lang="en-US" b="0" i="1" smtClean="0">
+                                <a:latin typeface="Cambria Math" panose="02040503050406030204" pitchFamily="18" charset="0"/>
+                              </a:rPr>
+                              <m:t>2</m:t>
+                            </m:r>
+                          </m:sup>
+                        </m:sSup>
+                        <m:r>
+                          <a:rPr lang="en-US" b="0" i="1" smtClean="0">
+                            <a:latin typeface="Cambria Math" panose="02040503050406030204" pitchFamily="18" charset="0"/>
+                          </a:rPr>
+                          <m:t>)</m:t>
+                        </m:r>
+                      </m:e>
+                      <m:sup>
+                        <m:f>
+                          <m:fPr>
+                            <m:ctrlPr>
+                              <a:rPr lang="en-US" b="0" i="1" smtClean="0">
+                                <a:latin typeface="Cambria Math" panose="02040503050406030204" pitchFamily="18" charset="0"/>
+                              </a:rPr>
+                            </m:ctrlPr>
+                          </m:fPr>
+                          <m:num>
+                            <m:r>
+                              <a:rPr lang="en-US" b="0" i="1" smtClean="0">
+                                <a:latin typeface="Cambria Math" panose="02040503050406030204" pitchFamily="18" charset="0"/>
+                              </a:rPr>
+                              <m:t>𝑝</m:t>
+                            </m:r>
+                            <m:r>
+                              <a:rPr lang="en-US" b="0" i="1" smtClean="0">
+                                <a:latin typeface="Cambria Math" panose="02040503050406030204" pitchFamily="18" charset="0"/>
+                              </a:rPr>
+                              <m:t>−3</m:t>
+                            </m:r>
+                          </m:num>
+                          <m:den>
+                            <m:r>
+                              <a:rPr lang="en-US" b="0" i="1" smtClean="0">
+                                <a:latin typeface="Cambria Math" panose="02040503050406030204" pitchFamily="18" charset="0"/>
+                              </a:rPr>
+                              <m:t>2</m:t>
+                            </m:r>
+                          </m:den>
+                        </m:f>
+                      </m:sup>
+                    </m:sSup>
+                    <m:r>
+                      <a:rPr lang="en-US" b="0" i="1" smtClean="0">
+                        <a:latin typeface="Cambria Math" panose="02040503050406030204" pitchFamily="18" charset="0"/>
+                      </a:rPr>
+                      <m:t>, −1 </m:t>
+                    </m:r>
+                    <m:r>
+                      <a:rPr lang="en-US" b="0" i="1" smtClean="0">
+                        <a:latin typeface="Cambria Math" panose="02040503050406030204" pitchFamily="18" charset="0"/>
+                        <a:ea typeface="Cambria Math" panose="02040503050406030204" pitchFamily="18" charset="0"/>
+                      </a:rPr>
+                      <m:t>≤</m:t>
+                    </m:r>
+                    <m:r>
+                      <a:rPr lang="en-US" b="0" i="1" smtClean="0">
+                        <a:latin typeface="Cambria Math" panose="02040503050406030204" pitchFamily="18" charset="0"/>
+                      </a:rPr>
+                      <m:t>𝑧</m:t>
+                    </m:r>
+                    <m:r>
+                      <a:rPr lang="en-US" b="0" i="1" smtClean="0">
+                        <a:latin typeface="Cambria Math" panose="02040503050406030204" pitchFamily="18" charset="0"/>
+                      </a:rPr>
+                      <m:t> ≤1. </m:t>
+                    </m:r>
+                  </m:oMath>
+                </a14:m>
+                <a:endParaRPr lang="en-US" b="0" dirty="0"/>
+              </a:p>
+              <a:p>
+                <a:pPr>
+                  <a:buFont typeface="Wingdings" panose="05000000000000000000" pitchFamily="2" charset="2"/>
+                  <a:buChar char="Ø"/>
+                </a:pPr>
+                <a:r>
+                  <a:rPr lang="en-US" b="0" dirty="0"/>
+                  <a:t>When z is not 0</a:t>
+                </a:r>
+                <a:r>
+                  <a:rPr lang="en-US" dirty="0"/>
+                  <a:t>:</a:t>
+                </a:r>
+                <a:br>
+                  <a:rPr lang="en-US" dirty="0"/>
+                </a:br>
+                <a14:m>
+                  <m:oMath xmlns:m="http://schemas.openxmlformats.org/officeDocument/2006/math">
+                    <m:sSub>
+                      <m:sSubPr>
+                        <m:ctrlPr>
+                          <a:rPr lang="en-US" i="1" smtClean="0">
+                            <a:latin typeface="Cambria Math" panose="02040503050406030204" pitchFamily="18" charset="0"/>
+                          </a:rPr>
+                        </m:ctrlPr>
+                      </m:sSubPr>
+                      <m:e>
+                        <m:r>
+                          <a:rPr lang="en-US" b="0" i="1" smtClean="0">
+                            <a:latin typeface="Cambria Math" panose="02040503050406030204" pitchFamily="18" charset="0"/>
+                          </a:rPr>
+                          <m:t>𝑓</m:t>
+                        </m:r>
+                      </m:e>
+                      <m:sub>
+                        <m:r>
+                          <a:rPr lang="en-US" b="0" i="1" smtClean="0">
+                            <a:latin typeface="Cambria Math" panose="02040503050406030204" pitchFamily="18" charset="0"/>
+                          </a:rPr>
+                          <m:t>𝑝</m:t>
+                        </m:r>
+                      </m:sub>
+                    </m:sSub>
+                    <m:d>
+                      <m:dPr>
+                        <m:ctrlPr>
+                          <a:rPr lang="en-US" b="0" i="1" smtClean="0">
+                            <a:latin typeface="Cambria Math" panose="02040503050406030204" pitchFamily="18" charset="0"/>
+                          </a:rPr>
+                        </m:ctrlPr>
+                      </m:dPr>
+                      <m:e>
+                        <m:r>
+                          <a:rPr lang="en-US" b="0" i="1" smtClean="0">
+                            <a:latin typeface="Cambria Math" panose="02040503050406030204" pitchFamily="18" charset="0"/>
+                          </a:rPr>
+                          <m:t>𝑧</m:t>
+                        </m:r>
+                      </m:e>
+                    </m:d>
+                  </m:oMath>
+                </a14:m>
+                <a:r>
+                  <a:rPr lang="en-US" dirty="0"/>
+                  <a:t> behaves like a number between 0 and 1 raised to a large power which decays to 0.</a:t>
+                </a:r>
+              </a:p>
+              <a:p>
+                <a:pPr>
+                  <a:buFont typeface="Wingdings" panose="05000000000000000000" pitchFamily="2" charset="2"/>
+                  <a:buChar char="Ø"/>
+                </a:pPr>
+                <a:r>
+                  <a:rPr lang="en-US" b="0" dirty="0"/>
+                  <a:t>When z is exactly 0, the value inside the brackets is 1 which does not decay as you raise it to larger powers.</a:t>
+                </a:r>
+              </a:p>
+              <a:p>
+                <a:pPr>
+                  <a:buFont typeface="Wingdings" panose="05000000000000000000" pitchFamily="2" charset="2"/>
+                  <a:buChar char="Ø"/>
+                </a:pPr>
+                <a:r>
+                  <a:rPr lang="en-US" b="0" dirty="0"/>
+                  <a:t>We conclude: </a:t>
+                </a:r>
+                <a14:m>
+                  <m:oMath xmlns:m="http://schemas.openxmlformats.org/officeDocument/2006/math">
+                    <m:func>
+                      <m:funcPr>
+                        <m:ctrlPr>
+                          <a:rPr lang="en-US" b="0" i="1" smtClean="0">
+                            <a:latin typeface="Cambria Math" panose="02040503050406030204" pitchFamily="18" charset="0"/>
+                          </a:rPr>
+                        </m:ctrlPr>
+                      </m:funcPr>
+                      <m:fName>
+                        <m:limLow>
+                          <m:limLowPr>
+                            <m:ctrlPr>
+                              <a:rPr lang="en-US" b="0" i="1" smtClean="0">
+                                <a:latin typeface="Cambria Math" panose="02040503050406030204" pitchFamily="18" charset="0"/>
+                              </a:rPr>
+                            </m:ctrlPr>
+                          </m:limLowPr>
+                          <m:e>
+                            <m:r>
+                              <m:rPr>
+                                <m:sty m:val="p"/>
+                              </m:rPr>
+                              <a:rPr lang="en-US" b="0" i="0" smtClean="0">
+                                <a:latin typeface="Cambria Math" panose="02040503050406030204" pitchFamily="18" charset="0"/>
+                              </a:rPr>
+                              <m:t>lim</m:t>
+                            </m:r>
+                          </m:e>
+                          <m:lim>
+                            <m:r>
+                              <a:rPr lang="en-US" b="0" i="1" smtClean="0">
+                                <a:latin typeface="Cambria Math" panose="02040503050406030204" pitchFamily="18" charset="0"/>
+                              </a:rPr>
+                              <m:t>𝑝</m:t>
+                            </m:r>
+                            <m:r>
+                              <a:rPr lang="en-US" b="0" i="1" smtClean="0">
+                                <a:latin typeface="Cambria Math" panose="02040503050406030204" pitchFamily="18" charset="0"/>
+                              </a:rPr>
+                              <m:t>→∞</m:t>
+                            </m:r>
+                          </m:lim>
+                        </m:limLow>
+                      </m:fName>
+                      <m:e>
+                        <m:sSub>
+                          <m:sSubPr>
+                            <m:ctrlPr>
+                              <a:rPr lang="en-US" b="0" i="1" smtClean="0">
+                                <a:latin typeface="Cambria Math" panose="02040503050406030204" pitchFamily="18" charset="0"/>
+                              </a:rPr>
+                            </m:ctrlPr>
+                          </m:sSubPr>
+                          <m:e>
+                            <m:r>
+                              <a:rPr lang="en-US" b="0" i="1" smtClean="0">
+                                <a:latin typeface="Cambria Math" panose="02040503050406030204" pitchFamily="18" charset="0"/>
+                              </a:rPr>
+                              <m:t>𝑓</m:t>
+                            </m:r>
+                          </m:e>
+                          <m:sub>
+                            <m:r>
+                              <a:rPr lang="en-US" b="0" i="1" smtClean="0">
+                                <a:latin typeface="Cambria Math" panose="02040503050406030204" pitchFamily="18" charset="0"/>
+                              </a:rPr>
+                              <m:t>𝑝</m:t>
+                            </m:r>
+                          </m:sub>
+                        </m:sSub>
+                        <m:d>
+                          <m:dPr>
+                            <m:ctrlPr>
+                              <a:rPr lang="en-US" b="0" i="1" smtClean="0">
+                                <a:latin typeface="Cambria Math" panose="02040503050406030204" pitchFamily="18" charset="0"/>
+                              </a:rPr>
+                            </m:ctrlPr>
+                          </m:dPr>
+                          <m:e>
+                            <m:r>
+                              <a:rPr lang="en-US" b="0" i="1" smtClean="0">
+                                <a:latin typeface="Cambria Math" panose="02040503050406030204" pitchFamily="18" charset="0"/>
+                              </a:rPr>
+                              <m:t>𝑧</m:t>
+                            </m:r>
+                          </m:e>
+                        </m:d>
+                        <m:r>
+                          <a:rPr lang="en-US" b="0" i="1" smtClean="0">
+                            <a:latin typeface="Cambria Math" panose="02040503050406030204" pitchFamily="18" charset="0"/>
+                          </a:rPr>
+                          <m:t>=1</m:t>
+                        </m:r>
+                      </m:e>
+                    </m:func>
+                    <m:r>
+                      <a:rPr lang="en-US" b="0" i="1" smtClean="0">
+                        <a:latin typeface="Cambria Math" panose="02040503050406030204" pitchFamily="18" charset="0"/>
+                      </a:rPr>
+                      <m:t> </m:t>
+                    </m:r>
+                  </m:oMath>
+                </a14:m>
+                <a:r>
+                  <a:rPr lang="en-US" b="0" dirty="0"/>
+                  <a:t>with probability 1.</a:t>
+                </a:r>
+              </a:p>
+            </p:txBody>
+          </p:sp>
+        </mc:Choice>
+        <mc:Fallback>
+          <p:sp>
+            <p:nvSpPr>
+              <p:cNvPr id="3" name="Content Placeholder 2">
+                <a:extLst>
+                  <a:ext uri="{FF2B5EF4-FFF2-40B4-BE49-F238E27FC236}">
+                    <a16:creationId xmlns:a16="http://schemas.microsoft.com/office/drawing/2014/main" id="{EA1DAA4D-E54F-ED36-A625-552FE3985978}"/>
+                  </a:ext>
+                </a:extLst>
+              </p:cNvPr>
+              <p:cNvSpPr>
+                <a:spLocks noGrp="1" noRot="1" noChangeAspect="1" noMove="1" noResize="1" noEditPoints="1" noAdjustHandles="1" noChangeArrowheads="1" noChangeShapeType="1" noTextEdit="1"/>
+              </p:cNvSpPr>
+              <p:nvPr>
+                <p:ph idx="1"/>
+              </p:nvPr>
+            </p:nvSpPr>
+            <p:spPr>
+              <a:blipFill>
+                <a:blip r:embed="rId2"/>
+                <a:stretch>
+                  <a:fillRect l="-1043" t="-2381"/>
+                </a:stretch>
+              </a:blipFill>
+            </p:spPr>
+            <p:txBody>
+              <a:bodyPr/>
+              <a:lstStyle/>
+              <a:p>
+                <a:r>
+                  <a:rPr lang="en-GB">
+                    <a:noFill/>
+                  </a:rPr>
+                  <a:t> </a:t>
+                </a:r>
+              </a:p>
+            </p:txBody>
+          </p:sp>
+        </mc:Fallback>
+      </mc:AlternateContent>
+      <mc:AlternateContent xmlns:mc="http://schemas.openxmlformats.org/markup-compatibility/2006" xmlns:a14="http://schemas.microsoft.com/office/drawing/2010/main">
+        <mc:Choice Requires="a14">
+          <p:sp>
+            <p:nvSpPr>
+              <p:cNvPr id="5" name="TextBox 4">
+                <a:extLst>
+                  <a:ext uri="{FF2B5EF4-FFF2-40B4-BE49-F238E27FC236}">
+                    <a16:creationId xmlns:a16="http://schemas.microsoft.com/office/drawing/2014/main" id="{7474D52D-537D-0C6C-F2D1-F44B10C6D3E0}"/>
+                  </a:ext>
+                </a:extLst>
+              </p:cNvPr>
+              <p:cNvSpPr txBox="1"/>
+              <p:nvPr/>
+            </p:nvSpPr>
+            <p:spPr>
+              <a:xfrm>
+                <a:off x="7600950" y="681037"/>
+                <a:ext cx="6094476" cy="971100"/>
+              </a:xfrm>
+              <a:prstGeom prst="rect">
+                <a:avLst/>
+              </a:prstGeom>
+              <a:noFill/>
+            </p:spPr>
+            <p:txBody>
+              <a:bodyPr wrap="square">
+                <a:spAutoFit/>
+              </a:bodyPr>
+              <a:lstStyle/>
+              <a:p>
+                <a:pPr/>
+                <a14:m>
+                  <m:oMathPara xmlns:m="http://schemas.openxmlformats.org/officeDocument/2006/math">
+                    <m:oMathParaPr>
+                      <m:jc m:val="centerGroup"/>
+                    </m:oMathParaPr>
+                    <m:oMath xmlns:m="http://schemas.openxmlformats.org/officeDocument/2006/math">
+                      <m:sSub>
+                        <m:sSubPr>
+                          <m:ctrlPr>
+                            <a:rPr lang="en-US" i="1" smtClean="0">
+                              <a:latin typeface="Cambria Math" panose="02040503050406030204" pitchFamily="18" charset="0"/>
+                            </a:rPr>
+                          </m:ctrlPr>
+                        </m:sSubPr>
+                        <m:e>
+                          <m:r>
+                            <a:rPr lang="en-US" i="1">
+                              <a:latin typeface="Cambria Math" panose="02040503050406030204" pitchFamily="18" charset="0"/>
+                            </a:rPr>
+                            <m:t>𝐶</m:t>
+                          </m:r>
+                        </m:e>
+                        <m:sub>
+                          <m:r>
+                            <a:rPr lang="en-US" i="1">
+                              <a:latin typeface="Cambria Math" panose="02040503050406030204" pitchFamily="18" charset="0"/>
+                            </a:rPr>
+                            <m:t>𝑝</m:t>
+                          </m:r>
+                        </m:sub>
+                      </m:sSub>
+                      <m:r>
+                        <a:rPr lang="en-US" b="0" i="1" smtClean="0">
+                          <a:latin typeface="Cambria Math" panose="02040503050406030204" pitchFamily="18" charset="0"/>
+                        </a:rPr>
+                        <m:t>=</m:t>
+                      </m:r>
+                      <m:f>
+                        <m:fPr>
+                          <m:ctrlPr>
+                            <a:rPr lang="en-US" b="0" i="1" smtClean="0">
+                              <a:latin typeface="Cambria Math" panose="02040503050406030204" pitchFamily="18" charset="0"/>
+                            </a:rPr>
+                          </m:ctrlPr>
+                        </m:fPr>
+                        <m:num>
+                          <m:r>
+                            <m:rPr>
+                              <m:sty m:val="p"/>
+                            </m:rPr>
+                            <a:rPr lang="el-GR" b="0" i="1" smtClean="0">
+                              <a:latin typeface="Cambria Math" panose="02040503050406030204" pitchFamily="18" charset="0"/>
+                              <a:ea typeface="Cambria Math" panose="02040503050406030204" pitchFamily="18" charset="0"/>
+                            </a:rPr>
+                            <m:t>Γ</m:t>
+                          </m:r>
+                          <m:r>
+                            <a:rPr lang="en-US" b="0" i="1" smtClean="0">
+                              <a:latin typeface="Cambria Math" panose="02040503050406030204" pitchFamily="18" charset="0"/>
+                              <a:ea typeface="Cambria Math" panose="02040503050406030204" pitchFamily="18" charset="0"/>
+                            </a:rPr>
+                            <m:t>(</m:t>
+                          </m:r>
+                          <m:f>
+                            <m:fPr>
+                              <m:ctrlPr>
+                                <a:rPr lang="en-US" b="0" i="1" smtClean="0">
+                                  <a:latin typeface="Cambria Math" panose="02040503050406030204" pitchFamily="18" charset="0"/>
+                                  <a:ea typeface="Cambria Math" panose="02040503050406030204" pitchFamily="18" charset="0"/>
+                                </a:rPr>
+                              </m:ctrlPr>
+                            </m:fPr>
+                            <m:num>
+                              <m:r>
+                                <a:rPr lang="en-US" b="0" i="1" smtClean="0">
+                                  <a:latin typeface="Cambria Math" panose="02040503050406030204" pitchFamily="18" charset="0"/>
+                                  <a:ea typeface="Cambria Math" panose="02040503050406030204" pitchFamily="18" charset="0"/>
+                                </a:rPr>
+                                <m:t>𝑝</m:t>
+                              </m:r>
+                            </m:num>
+                            <m:den>
+                              <m:r>
+                                <a:rPr lang="en-US" b="0" i="1" smtClean="0">
+                                  <a:latin typeface="Cambria Math" panose="02040503050406030204" pitchFamily="18" charset="0"/>
+                                  <a:ea typeface="Cambria Math" panose="02040503050406030204" pitchFamily="18" charset="0"/>
+                                </a:rPr>
+                                <m:t>2</m:t>
+                              </m:r>
+                            </m:den>
+                          </m:f>
+                          <m:r>
+                            <a:rPr lang="en-US" b="0" i="1" smtClean="0">
+                              <a:latin typeface="Cambria Math" panose="02040503050406030204" pitchFamily="18" charset="0"/>
+                              <a:ea typeface="Cambria Math" panose="02040503050406030204" pitchFamily="18" charset="0"/>
+                            </a:rPr>
+                            <m:t>)</m:t>
+                          </m:r>
+                        </m:num>
+                        <m:den>
+                          <m:r>
+                            <m:rPr>
+                              <m:sty m:val="p"/>
+                            </m:rPr>
+                            <a:rPr lang="el-GR" b="0" i="1" smtClean="0">
+                              <a:latin typeface="Cambria Math" panose="02040503050406030204" pitchFamily="18" charset="0"/>
+                              <a:ea typeface="Cambria Math" panose="02040503050406030204" pitchFamily="18" charset="0"/>
+                            </a:rPr>
+                            <m:t>Γ</m:t>
+                          </m:r>
+                          <m:r>
+                            <a:rPr lang="en-US" b="0" i="1" smtClean="0">
+                              <a:latin typeface="Cambria Math" panose="02040503050406030204" pitchFamily="18" charset="0"/>
+                              <a:ea typeface="Cambria Math" panose="02040503050406030204" pitchFamily="18" charset="0"/>
+                            </a:rPr>
+                            <m:t>(</m:t>
+                          </m:r>
+                          <m:f>
+                            <m:fPr>
+                              <m:ctrlPr>
+                                <a:rPr lang="en-US" b="0" i="1" smtClean="0">
+                                  <a:latin typeface="Cambria Math" panose="02040503050406030204" pitchFamily="18" charset="0"/>
+                                  <a:ea typeface="Cambria Math" panose="02040503050406030204" pitchFamily="18" charset="0"/>
+                                </a:rPr>
+                              </m:ctrlPr>
+                            </m:fPr>
+                            <m:num>
+                              <m:r>
+                                <a:rPr lang="en-US" b="0" i="1" smtClean="0">
+                                  <a:latin typeface="Cambria Math" panose="02040503050406030204" pitchFamily="18" charset="0"/>
+                                  <a:ea typeface="Cambria Math" panose="02040503050406030204" pitchFamily="18" charset="0"/>
+                                </a:rPr>
+                                <m:t>𝑝</m:t>
+                              </m:r>
+                              <m:r>
+                                <a:rPr lang="en-US" b="0" i="1" smtClean="0">
+                                  <a:latin typeface="Cambria Math" panose="02040503050406030204" pitchFamily="18" charset="0"/>
+                                  <a:ea typeface="Cambria Math" panose="02040503050406030204" pitchFamily="18" charset="0"/>
+                                </a:rPr>
+                                <m:t>−1</m:t>
+                              </m:r>
+                            </m:num>
+                            <m:den>
+                              <m:r>
+                                <a:rPr lang="en-US" b="0" i="1" smtClean="0">
+                                  <a:latin typeface="Cambria Math" panose="02040503050406030204" pitchFamily="18" charset="0"/>
+                                  <a:ea typeface="Cambria Math" panose="02040503050406030204" pitchFamily="18" charset="0"/>
+                                </a:rPr>
+                                <m:t>2</m:t>
+                              </m:r>
+                            </m:den>
+                          </m:f>
+                          <m:r>
+                            <a:rPr lang="en-US" b="0" i="1" smtClean="0">
+                              <a:latin typeface="Cambria Math" panose="02040503050406030204" pitchFamily="18" charset="0"/>
+                              <a:ea typeface="Cambria Math" panose="02040503050406030204" pitchFamily="18" charset="0"/>
+                            </a:rPr>
+                            <m:t>)</m:t>
+                          </m:r>
+                          <m:rad>
+                            <m:radPr>
+                              <m:degHide m:val="on"/>
+                              <m:ctrlPr>
+                                <a:rPr lang="en-US" b="0" i="1" smtClean="0">
+                                  <a:latin typeface="Cambria Math" panose="02040503050406030204" pitchFamily="18" charset="0"/>
+                                  <a:ea typeface="Cambria Math" panose="02040503050406030204" pitchFamily="18" charset="0"/>
+                                </a:rPr>
+                              </m:ctrlPr>
+                            </m:radPr>
+                            <m:deg/>
+                            <m:e>
+                              <m:r>
+                                <a:rPr lang="en-US" b="0" i="1" smtClean="0">
+                                  <a:latin typeface="Cambria Math" panose="02040503050406030204" pitchFamily="18" charset="0"/>
+                                  <a:ea typeface="Cambria Math" panose="02040503050406030204" pitchFamily="18" charset="0"/>
+                                </a:rPr>
+                                <m:t>𝜋</m:t>
+                              </m:r>
+                            </m:e>
+                          </m:rad>
+                        </m:den>
+                      </m:f>
+                    </m:oMath>
+                  </m:oMathPara>
+                </a14:m>
+                <a:endParaRPr lang="en-GB" dirty="0"/>
+              </a:p>
+            </p:txBody>
+          </p:sp>
+        </mc:Choice>
+        <mc:Fallback xmlns="">
+          <p:sp>
+            <p:nvSpPr>
+              <p:cNvPr id="5" name="TextBox 4">
+                <a:extLst>
+                  <a:ext uri="{FF2B5EF4-FFF2-40B4-BE49-F238E27FC236}">
+                    <a16:creationId xmlns:a16="http://schemas.microsoft.com/office/drawing/2014/main" id="{7474D52D-537D-0C6C-F2D1-F44B10C6D3E0}"/>
+                  </a:ext>
+                </a:extLst>
+              </p:cNvPr>
+              <p:cNvSpPr txBox="1">
+                <a:spLocks noRot="1" noChangeAspect="1" noMove="1" noResize="1" noEditPoints="1" noAdjustHandles="1" noChangeArrowheads="1" noChangeShapeType="1" noTextEdit="1"/>
+              </p:cNvSpPr>
+              <p:nvPr/>
+            </p:nvSpPr>
+            <p:spPr>
+              <a:xfrm>
+                <a:off x="7600950" y="681037"/>
+                <a:ext cx="6094476" cy="971100"/>
+              </a:xfrm>
+              <a:prstGeom prst="rect">
+                <a:avLst/>
+              </a:prstGeom>
+              <a:blipFill>
+                <a:blip r:embed="rId3"/>
+                <a:stretch>
+                  <a:fillRect/>
+                </a:stretch>
+              </a:blipFill>
+            </p:spPr>
+            <p:txBody>
+              <a:bodyPr/>
+              <a:lstStyle/>
+              <a:p>
+                <a:r>
+                  <a:rPr lang="en-GB">
+                    <a:noFill/>
+                  </a:rPr>
+                  <a:t> </a:t>
+                </a:r>
+              </a:p>
+            </p:txBody>
+          </p:sp>
+        </mc:Fallback>
+      </mc:AlternateContent>
     </p:spTree>
     <p:extLst>
       <p:ext uri="{BB962C8B-B14F-4D97-AF65-F5344CB8AC3E}">
-        <p14:creationId xmlns:p14="http://schemas.microsoft.com/office/powerpoint/2010/main" val="3644126918"/>
+        <p14:creationId xmlns:p14="http://schemas.microsoft.com/office/powerpoint/2010/main" val="528448431"/>
       </p:ext>
     </p:extLst>
   </p:cSld>
